--- a/docs/diagrams/GeneralParsingSequenceDiagram.pptx
+++ b/docs/diagrams/GeneralParsingSequenceDiagram.pptx
@@ -104,6 +104,11 @@
       </a:defRPr>
     </a:lvl9pPr>
   </p:defaultTextStyle>
+  <p:extLst>
+    <p:ext uri="{EFAFB233-063F-42B5-8137-9DF3F51BA10A}">
+      <p15:sldGuideLst xmlns:p15="http://schemas.microsoft.com/office/powerpoint/2012/main"/>
+    </p:ext>
+  </p:extLst>
 </p:presentation>
 </file>
 
@@ -256,7 +261,7 @@
           <a:p>
             <a:fld id="{220FF535-4542-5D40-B139-C63806418E3E}" type="datetimeFigureOut">
               <a:rPr lang="en-US" smtClean="0"/>
-              <a:t>10/22/19</a:t>
+              <a:t>10/31/19</a:t>
             </a:fld>
             <a:endParaRPr lang="en-US"/>
           </a:p>
@@ -456,7 +461,7 @@
           <a:p>
             <a:fld id="{220FF535-4542-5D40-B139-C63806418E3E}" type="datetimeFigureOut">
               <a:rPr lang="en-US" smtClean="0"/>
-              <a:t>10/22/19</a:t>
+              <a:t>10/31/19</a:t>
             </a:fld>
             <a:endParaRPr lang="en-US"/>
           </a:p>
@@ -666,7 +671,7 @@
           <a:p>
             <a:fld id="{220FF535-4542-5D40-B139-C63806418E3E}" type="datetimeFigureOut">
               <a:rPr lang="en-US" smtClean="0"/>
-              <a:t>10/22/19</a:t>
+              <a:t>10/31/19</a:t>
             </a:fld>
             <a:endParaRPr lang="en-US"/>
           </a:p>
@@ -866,7 +871,7 @@
           <a:p>
             <a:fld id="{220FF535-4542-5D40-B139-C63806418E3E}" type="datetimeFigureOut">
               <a:rPr lang="en-US" smtClean="0"/>
-              <a:t>10/22/19</a:t>
+              <a:t>10/31/19</a:t>
             </a:fld>
             <a:endParaRPr lang="en-US"/>
           </a:p>
@@ -1142,7 +1147,7 @@
           <a:p>
             <a:fld id="{220FF535-4542-5D40-B139-C63806418E3E}" type="datetimeFigureOut">
               <a:rPr lang="en-US" smtClean="0"/>
-              <a:t>10/22/19</a:t>
+              <a:t>10/31/19</a:t>
             </a:fld>
             <a:endParaRPr lang="en-US"/>
           </a:p>
@@ -1410,7 +1415,7 @@
           <a:p>
             <a:fld id="{220FF535-4542-5D40-B139-C63806418E3E}" type="datetimeFigureOut">
               <a:rPr lang="en-US" smtClean="0"/>
-              <a:t>10/22/19</a:t>
+              <a:t>10/31/19</a:t>
             </a:fld>
             <a:endParaRPr lang="en-US"/>
           </a:p>
@@ -1825,7 +1830,7 @@
           <a:p>
             <a:fld id="{220FF535-4542-5D40-B139-C63806418E3E}" type="datetimeFigureOut">
               <a:rPr lang="en-US" smtClean="0"/>
-              <a:t>10/22/19</a:t>
+              <a:t>10/31/19</a:t>
             </a:fld>
             <a:endParaRPr lang="en-US"/>
           </a:p>
@@ -1967,7 +1972,7 @@
           <a:p>
             <a:fld id="{220FF535-4542-5D40-B139-C63806418E3E}" type="datetimeFigureOut">
               <a:rPr lang="en-US" smtClean="0"/>
-              <a:t>10/22/19</a:t>
+              <a:t>10/31/19</a:t>
             </a:fld>
             <a:endParaRPr lang="en-US"/>
           </a:p>
@@ -2080,7 +2085,7 @@
           <a:p>
             <a:fld id="{220FF535-4542-5D40-B139-C63806418E3E}" type="datetimeFigureOut">
               <a:rPr lang="en-US" smtClean="0"/>
-              <a:t>10/22/19</a:t>
+              <a:t>10/31/19</a:t>
             </a:fld>
             <a:endParaRPr lang="en-US"/>
           </a:p>
@@ -2393,7 +2398,7 @@
           <a:p>
             <a:fld id="{220FF535-4542-5D40-B139-C63806418E3E}" type="datetimeFigureOut">
               <a:rPr lang="en-US" smtClean="0"/>
-              <a:t>10/22/19</a:t>
+              <a:t>10/31/19</a:t>
             </a:fld>
             <a:endParaRPr lang="en-US"/>
           </a:p>
@@ -2682,7 +2687,7 @@
           <a:p>
             <a:fld id="{220FF535-4542-5D40-B139-C63806418E3E}" type="datetimeFigureOut">
               <a:rPr lang="en-US" smtClean="0"/>
-              <a:t>10/22/19</a:t>
+              <a:t>10/31/19</a:t>
             </a:fld>
             <a:endParaRPr lang="en-US"/>
           </a:p>
@@ -2925,7 +2930,7 @@
           <a:p>
             <a:fld id="{220FF535-4542-5D40-B139-C63806418E3E}" type="datetimeFigureOut">
               <a:rPr lang="en-US" smtClean="0"/>
-              <a:t>10/22/19</a:t>
+              <a:t>10/31/19</a:t>
             </a:fld>
             <a:endParaRPr lang="en-US"/>
           </a:p>
@@ -3344,10 +3349,10 @@
       </p:grpSpPr>
       <p:grpSp>
         <p:nvGrpSpPr>
-          <p:cNvPr id="4" name="Group 3">
+          <p:cNvPr id="192" name="Group 191">
             <a:extLst>
               <a:ext uri="{FF2B5EF4-FFF2-40B4-BE49-F238E27FC236}">
-                <a16:creationId xmlns:a16="http://schemas.microsoft.com/office/drawing/2014/main" id="{2BECC052-2A2A-5B43-AB46-43DA1C4136B6}"/>
+                <a16:creationId xmlns:a16="http://schemas.microsoft.com/office/drawing/2014/main" id="{87C8854C-2DBF-3142-B72F-C2D0454D01EB}"/>
               </a:ext>
             </a:extLst>
           </p:cNvPr>
@@ -3356,847 +3361,2970 @@
         </p:nvGrpSpPr>
         <p:grpSpPr>
           <a:xfrm>
-            <a:off x="1502229" y="200374"/>
-            <a:ext cx="8691613" cy="6594867"/>
-            <a:chOff x="1502229" y="200374"/>
-            <a:chExt cx="8691613" cy="6594867"/>
+            <a:off x="1568411" y="65315"/>
+            <a:ext cx="8625431" cy="6751120"/>
+            <a:chOff x="1568411" y="65315"/>
+            <a:chExt cx="8625431" cy="6751120"/>
           </a:xfrm>
         </p:grpSpPr>
-        <p:cxnSp>
-          <p:nvCxnSpPr>
-            <p:cNvPr id="5" name="Curved Connector 4">
+        <p:grpSp>
+          <p:nvGrpSpPr>
+            <p:cNvPr id="193" name="Group 192">
               <a:extLst>
                 <a:ext uri="{FF2B5EF4-FFF2-40B4-BE49-F238E27FC236}">
-                  <a16:creationId xmlns:a16="http://schemas.microsoft.com/office/drawing/2014/main" id="{E696B461-A51B-F142-AA72-E0969BEDF8F3}"/>
+                  <a16:creationId xmlns:a16="http://schemas.microsoft.com/office/drawing/2014/main" id="{D8512EE0-B3C1-384C-A364-E035DD188AEE}"/>
                 </a:ext>
               </a:extLst>
             </p:cNvPr>
-            <p:cNvCxnSpPr>
-              <a:cxnSpLocks/>
-            </p:cNvCxnSpPr>
+            <p:cNvGrpSpPr/>
             <p:nvPr/>
-          </p:nvCxnSpPr>
-          <p:spPr>
-            <a:xfrm rot="16200000" flipH="1">
-              <a:off x="8032720" y="5015403"/>
-              <a:ext cx="144865" cy="193058"/>
+          </p:nvGrpSpPr>
+          <p:grpSpPr>
+            <a:xfrm>
+              <a:off x="1568411" y="65315"/>
+              <a:ext cx="8625431" cy="6751120"/>
+              <a:chOff x="1568411" y="65315"/>
+              <a:chExt cx="8625431" cy="6751120"/>
             </a:xfrm>
-            <a:prstGeom prst="curvedConnector4">
-              <a:avLst>
-                <a:gd name="adj1" fmla="val 42"/>
-                <a:gd name="adj2" fmla="val 152845"/>
-              </a:avLst>
-            </a:prstGeom>
-            <a:ln>
-              <a:solidFill>
-                <a:schemeClr val="accent2"/>
-              </a:solidFill>
-              <a:tailEnd type="triangle"/>
-            </a:ln>
-          </p:spPr>
-          <p:style>
-            <a:lnRef idx="1">
-              <a:schemeClr val="accent1"/>
-            </a:lnRef>
-            <a:fillRef idx="0">
-              <a:schemeClr val="accent1"/>
-            </a:fillRef>
-            <a:effectRef idx="0">
-              <a:schemeClr val="accent1"/>
-            </a:effectRef>
-            <a:fontRef idx="minor">
-              <a:schemeClr val="tx1"/>
-            </a:fontRef>
-          </p:style>
-        </p:cxnSp>
-        <p:cxnSp>
-          <p:nvCxnSpPr>
-            <p:cNvPr id="6" name="Straight Arrow Connector 5">
-              <a:extLst>
-                <a:ext uri="{FF2B5EF4-FFF2-40B4-BE49-F238E27FC236}">
-                  <a16:creationId xmlns:a16="http://schemas.microsoft.com/office/drawing/2014/main" id="{A5D599C2-A962-8F45-A43B-57D378EF6675}"/>
-                </a:ext>
-              </a:extLst>
-            </p:cNvPr>
-            <p:cNvCxnSpPr>
-              <a:cxnSpLocks/>
-            </p:cNvCxnSpPr>
-            <p:nvPr/>
-          </p:nvCxnSpPr>
-          <p:spPr>
-            <a:xfrm flipV="1">
-              <a:off x="4691499" y="4497625"/>
-              <a:ext cx="3324084" cy="3293"/>
-            </a:xfrm>
-            <a:prstGeom prst="straightConnector1">
-              <a:avLst/>
-            </a:prstGeom>
-            <a:ln>
-              <a:solidFill>
-                <a:schemeClr val="accent4"/>
-              </a:solidFill>
-              <a:tailEnd type="triangle"/>
-            </a:ln>
-          </p:spPr>
-          <p:style>
-            <a:lnRef idx="1">
-              <a:schemeClr val="accent1"/>
-            </a:lnRef>
-            <a:fillRef idx="0">
-              <a:schemeClr val="accent1"/>
-            </a:fillRef>
-            <a:effectRef idx="0">
-              <a:schemeClr val="accent1"/>
-            </a:effectRef>
-            <a:fontRef idx="minor">
-              <a:schemeClr val="tx1"/>
-            </a:fontRef>
-          </p:style>
-        </p:cxnSp>
-        <p:cxnSp>
-          <p:nvCxnSpPr>
-            <p:cNvPr id="7" name="Curved Connector 6">
-              <a:extLst>
-                <a:ext uri="{FF2B5EF4-FFF2-40B4-BE49-F238E27FC236}">
-                  <a16:creationId xmlns:a16="http://schemas.microsoft.com/office/drawing/2014/main" id="{674DE4B2-CD8E-D342-A9C8-C81CA8757A72}"/>
-                </a:ext>
-              </a:extLst>
-            </p:cNvPr>
-            <p:cNvCxnSpPr>
-              <a:cxnSpLocks/>
-            </p:cNvCxnSpPr>
-            <p:nvPr/>
-          </p:nvCxnSpPr>
-          <p:spPr>
-            <a:xfrm rot="16200000" flipH="1">
-              <a:off x="4717998" y="3937703"/>
-              <a:ext cx="144865" cy="193058"/>
-            </a:xfrm>
-            <a:prstGeom prst="curvedConnector4">
-              <a:avLst>
-                <a:gd name="adj1" fmla="val 30058"/>
-                <a:gd name="adj2" fmla="val 152845"/>
-              </a:avLst>
-            </a:prstGeom>
-            <a:ln>
-              <a:solidFill>
-                <a:schemeClr val="accent4"/>
-              </a:solidFill>
-              <a:tailEnd type="triangle"/>
-            </a:ln>
-          </p:spPr>
-          <p:style>
-            <a:lnRef idx="1">
-              <a:schemeClr val="accent1"/>
-            </a:lnRef>
-            <a:fillRef idx="0">
-              <a:schemeClr val="accent1"/>
-            </a:fillRef>
-            <a:effectRef idx="0">
-              <a:schemeClr val="accent1"/>
-            </a:effectRef>
-            <a:fontRef idx="minor">
-              <a:schemeClr val="tx1"/>
-            </a:fontRef>
-          </p:style>
-        </p:cxnSp>
-        <p:cxnSp>
-          <p:nvCxnSpPr>
-            <p:cNvPr id="8" name="Curved Connector 7">
-              <a:extLst>
-                <a:ext uri="{FF2B5EF4-FFF2-40B4-BE49-F238E27FC236}">
-                  <a16:creationId xmlns:a16="http://schemas.microsoft.com/office/drawing/2014/main" id="{ADC2949E-788F-DA40-8CAF-A371CCA3CE21}"/>
-                </a:ext>
-              </a:extLst>
-            </p:cNvPr>
-            <p:cNvCxnSpPr>
-              <a:cxnSpLocks/>
-            </p:cNvCxnSpPr>
-            <p:nvPr/>
-          </p:nvCxnSpPr>
-          <p:spPr>
-            <a:xfrm rot="16200000" flipH="1">
-              <a:off x="4708475" y="3142364"/>
-              <a:ext cx="144865" cy="193058"/>
-            </a:xfrm>
-            <a:prstGeom prst="curvedConnector4">
-              <a:avLst>
-                <a:gd name="adj1" fmla="val 30058"/>
-                <a:gd name="adj2" fmla="val 152845"/>
-              </a:avLst>
-            </a:prstGeom>
-            <a:ln>
-              <a:solidFill>
-                <a:schemeClr val="accent4"/>
-              </a:solidFill>
-              <a:tailEnd type="triangle"/>
-            </a:ln>
-          </p:spPr>
-          <p:style>
-            <a:lnRef idx="1">
-              <a:schemeClr val="accent1"/>
-            </a:lnRef>
-            <a:fillRef idx="0">
-              <a:schemeClr val="accent1"/>
-            </a:fillRef>
-            <a:effectRef idx="0">
-              <a:schemeClr val="accent1"/>
-            </a:effectRef>
-            <a:fontRef idx="minor">
-              <a:schemeClr val="tx1"/>
-            </a:fontRef>
-          </p:style>
-        </p:cxnSp>
-        <p:cxnSp>
-          <p:nvCxnSpPr>
-            <p:cNvPr id="9" name="Curved Connector 8">
-              <a:extLst>
-                <a:ext uri="{FF2B5EF4-FFF2-40B4-BE49-F238E27FC236}">
-                  <a16:creationId xmlns:a16="http://schemas.microsoft.com/office/drawing/2014/main" id="{7CAE3329-313C-A14F-81C3-08E36AFA491D}"/>
-                </a:ext>
-              </a:extLst>
-            </p:cNvPr>
-            <p:cNvCxnSpPr>
-              <a:cxnSpLocks/>
-            </p:cNvCxnSpPr>
-            <p:nvPr/>
-          </p:nvCxnSpPr>
-          <p:spPr>
-            <a:xfrm rot="16200000" flipH="1">
-              <a:off x="4693198" y="2467152"/>
-              <a:ext cx="144865" cy="193058"/>
-            </a:xfrm>
-            <a:prstGeom prst="curvedConnector4">
-              <a:avLst>
-                <a:gd name="adj1" fmla="val 30058"/>
-                <a:gd name="adj2" fmla="val 152845"/>
-              </a:avLst>
-            </a:prstGeom>
-            <a:ln>
-              <a:solidFill>
-                <a:schemeClr val="accent4"/>
-              </a:solidFill>
-              <a:tailEnd type="triangle"/>
-            </a:ln>
-          </p:spPr>
-          <p:style>
-            <a:lnRef idx="1">
-              <a:schemeClr val="accent1"/>
-            </a:lnRef>
-            <a:fillRef idx="0">
-              <a:schemeClr val="accent1"/>
-            </a:fillRef>
-            <a:effectRef idx="0">
-              <a:schemeClr val="accent1"/>
-            </a:effectRef>
-            <a:fontRef idx="minor">
-              <a:schemeClr val="tx1"/>
-            </a:fontRef>
-          </p:style>
-        </p:cxnSp>
-        <p:cxnSp>
-          <p:nvCxnSpPr>
-            <p:cNvPr id="10" name="Straight Connector 9">
-              <a:extLst>
-                <a:ext uri="{FF2B5EF4-FFF2-40B4-BE49-F238E27FC236}">
-                  <a16:creationId xmlns:a16="http://schemas.microsoft.com/office/drawing/2014/main" id="{3C3A9A23-1A3D-C943-9C1B-C763830B615F}"/>
-                </a:ext>
-              </a:extLst>
-            </p:cNvPr>
-            <p:cNvCxnSpPr>
-              <a:cxnSpLocks/>
-              <a:stCxn id="55" idx="2"/>
-            </p:cNvCxnSpPr>
-            <p:nvPr/>
-          </p:nvCxnSpPr>
-          <p:spPr>
-            <a:xfrm>
-              <a:off x="4818028" y="2293987"/>
-              <a:ext cx="142125" cy="0"/>
-            </a:xfrm>
-            <a:prstGeom prst="line">
-              <a:avLst/>
-            </a:prstGeom>
-            <a:ln>
-              <a:solidFill>
-                <a:schemeClr val="accent4"/>
-              </a:solidFill>
-              <a:prstDash val="sysDash"/>
-            </a:ln>
-          </p:spPr>
-          <p:style>
-            <a:lnRef idx="1">
-              <a:schemeClr val="accent1"/>
-            </a:lnRef>
-            <a:fillRef idx="0">
-              <a:schemeClr val="accent1"/>
-            </a:fillRef>
-            <a:effectRef idx="0">
-              <a:schemeClr val="accent1"/>
-            </a:effectRef>
-            <a:fontRef idx="minor">
-              <a:schemeClr val="tx1"/>
-            </a:fontRef>
-          </p:style>
-        </p:cxnSp>
-        <p:sp>
-          <p:nvSpPr>
-            <p:cNvPr id="11" name="TextBox 10">
-              <a:extLst>
-                <a:ext uri="{FF2B5EF4-FFF2-40B4-BE49-F238E27FC236}">
-                  <a16:creationId xmlns:a16="http://schemas.microsoft.com/office/drawing/2014/main" id="{4EA10034-E61F-8B46-9E64-DDA97244C7EA}"/>
-                </a:ext>
-              </a:extLst>
-            </p:cNvPr>
-            <p:cNvSpPr txBox="1"/>
-            <p:nvPr/>
-          </p:nvSpPr>
-          <p:spPr>
-            <a:xfrm>
-              <a:off x="2012458" y="200374"/>
-              <a:ext cx="723528" cy="261610"/>
-            </a:xfrm>
-            <a:prstGeom prst="rect">
-              <a:avLst/>
-            </a:prstGeom>
-            <a:solidFill>
-              <a:schemeClr val="bg2">
-                <a:lumMod val="90000"/>
-              </a:schemeClr>
-            </a:solidFill>
-          </p:spPr>
-          <p:txBody>
-            <a:bodyPr wrap="square" rtlCol="0" anchor="ctr">
-              <a:spAutoFit/>
-            </a:bodyPr>
-            <a:lstStyle/>
-            <a:p>
-              <a:pPr algn="ctr"/>
-              <a:r>
-                <a:rPr lang="en-US" sz="1100">
-                  <a:latin typeface="Arial" panose="020B0604020202020204" pitchFamily="34" charset="0"/>
-                  <a:cs typeface="Arial" panose="020B0604020202020204" pitchFamily="34" charset="0"/>
-                </a:rPr>
-                <a:t>:Main</a:t>
-              </a:r>
-            </a:p>
-          </p:txBody>
-        </p:sp>
-        <p:sp>
-          <p:nvSpPr>
-            <p:cNvPr id="12" name="TextBox 11">
-              <a:extLst>
-                <a:ext uri="{FF2B5EF4-FFF2-40B4-BE49-F238E27FC236}">
-                  <a16:creationId xmlns:a16="http://schemas.microsoft.com/office/drawing/2014/main" id="{5AD1F76D-586A-0147-9F4B-52349F5E13C7}"/>
-                </a:ext>
-              </a:extLst>
-            </p:cNvPr>
-            <p:cNvSpPr txBox="1"/>
-            <p:nvPr/>
-          </p:nvSpPr>
-          <p:spPr>
-            <a:xfrm>
-              <a:off x="3984544" y="556555"/>
-              <a:ext cx="1445209" cy="261610"/>
-            </a:xfrm>
-            <a:prstGeom prst="rect">
-              <a:avLst/>
-            </a:prstGeom>
-            <a:solidFill>
-              <a:schemeClr val="accent4"/>
-            </a:solidFill>
-          </p:spPr>
-          <p:txBody>
-            <a:bodyPr wrap="square" rtlCol="0" anchor="ctr">
-              <a:spAutoFit/>
-            </a:bodyPr>
-            <a:lstStyle/>
-            <a:p>
-              <a:pPr algn="ctr"/>
-              <a:r>
-                <a:rPr lang="en-US" sz="1100">
-                  <a:latin typeface="Arial" panose="020B0604020202020204" pitchFamily="34" charset="0"/>
-                  <a:cs typeface="Arial" panose="020B0604020202020204" pitchFamily="34" charset="0"/>
-                </a:rPr>
-                <a:t>:ParseCommand</a:t>
-              </a:r>
-            </a:p>
-          </p:txBody>
-        </p:sp>
-        <p:sp>
-          <p:nvSpPr>
-            <p:cNvPr id="13" name="Rectangle 12">
-              <a:extLst>
-                <a:ext uri="{FF2B5EF4-FFF2-40B4-BE49-F238E27FC236}">
-                  <a16:creationId xmlns:a16="http://schemas.microsoft.com/office/drawing/2014/main" id="{64BDC5EF-B0C3-5947-AB05-AE48A61EC414}"/>
-                </a:ext>
-              </a:extLst>
-            </p:cNvPr>
-            <p:cNvSpPr/>
-            <p:nvPr/>
-          </p:nvSpPr>
-          <p:spPr>
-            <a:xfrm>
-              <a:off x="8010833" y="1178936"/>
-              <a:ext cx="135552" cy="261610"/>
-            </a:xfrm>
-            <a:prstGeom prst="rect">
-              <a:avLst/>
-            </a:prstGeom>
-            <a:noFill/>
-            <a:ln>
-              <a:solidFill>
-                <a:schemeClr val="accent2"/>
-              </a:solidFill>
-            </a:ln>
-          </p:spPr>
-          <p:style>
-            <a:lnRef idx="2">
-              <a:schemeClr val="accent1">
-                <a:shade val="50000"/>
-              </a:schemeClr>
-            </a:lnRef>
-            <a:fillRef idx="1">
-              <a:schemeClr val="accent1"/>
-            </a:fillRef>
-            <a:effectRef idx="0">
-              <a:schemeClr val="accent1"/>
-            </a:effectRef>
-            <a:fontRef idx="minor">
-              <a:schemeClr val="lt1"/>
-            </a:fontRef>
-          </p:style>
-          <p:txBody>
-            <a:bodyPr rtlCol="0" anchor="ctr"/>
-            <a:lstStyle/>
-            <a:p>
-              <a:pPr algn="ctr"/>
-              <a:endParaRPr lang="en-US" sz="1100">
-                <a:latin typeface="Arial" panose="020B0604020202020204" pitchFamily="34" charset="0"/>
-                <a:cs typeface="Arial" panose="020B0604020202020204" pitchFamily="34" charset="0"/>
-              </a:endParaRPr>
-            </a:p>
-          </p:txBody>
-        </p:sp>
-        <p:sp>
-          <p:nvSpPr>
-            <p:cNvPr id="14" name="TextBox 13">
-              <a:extLst>
-                <a:ext uri="{FF2B5EF4-FFF2-40B4-BE49-F238E27FC236}">
-                  <a16:creationId xmlns:a16="http://schemas.microsoft.com/office/drawing/2014/main" id="{FB139EC5-090A-2F4F-B9F1-0D311405E93F}"/>
-                </a:ext>
-              </a:extLst>
-            </p:cNvPr>
-            <p:cNvSpPr txBox="1"/>
-            <p:nvPr/>
-          </p:nvSpPr>
-          <p:spPr>
-            <a:xfrm>
-              <a:off x="7425737" y="962169"/>
-              <a:ext cx="1305745" cy="261610"/>
-            </a:xfrm>
-            <a:prstGeom prst="rect">
-              <a:avLst/>
-            </a:prstGeom>
-            <a:solidFill>
-              <a:schemeClr val="accent2"/>
-            </a:solidFill>
-          </p:spPr>
-          <p:txBody>
-            <a:bodyPr wrap="square" rtlCol="0" anchor="ctr">
-              <a:spAutoFit/>
-            </a:bodyPr>
-            <a:lstStyle/>
-            <a:p>
-              <a:pPr algn="ctr"/>
-              <a:r>
-                <a:rPr lang="en-US" sz="1100">
-                  <a:latin typeface="Arial" panose="020B0604020202020204" pitchFamily="34" charset="0"/>
-                  <a:cs typeface="Arial" panose="020B0604020202020204" pitchFamily="34" charset="0"/>
-                </a:rPr>
-                <a:t>:ParseType</a:t>
-              </a:r>
-            </a:p>
-          </p:txBody>
-        </p:sp>
-        <p:cxnSp>
-          <p:nvCxnSpPr>
-            <p:cNvPr id="15" name="Straight Arrow Connector 14">
-              <a:extLst>
-                <a:ext uri="{FF2B5EF4-FFF2-40B4-BE49-F238E27FC236}">
-                  <a16:creationId xmlns:a16="http://schemas.microsoft.com/office/drawing/2014/main" id="{903A5DC6-C9EE-654F-BDE7-BE3EF253698E}"/>
-                </a:ext>
-              </a:extLst>
-            </p:cNvPr>
-            <p:cNvCxnSpPr>
-              <a:cxnSpLocks/>
-              <a:stCxn id="12" idx="1"/>
-            </p:cNvCxnSpPr>
-            <p:nvPr/>
-          </p:nvCxnSpPr>
-          <p:spPr>
-            <a:xfrm flipH="1">
-              <a:off x="2416905" y="687360"/>
-              <a:ext cx="1567639" cy="0"/>
-            </a:xfrm>
-            <a:prstGeom prst="straightConnector1">
-              <a:avLst/>
-            </a:prstGeom>
-            <a:ln>
+          </p:grpSpPr>
+          <p:cxnSp>
+            <p:nvCxnSpPr>
+              <p:cNvPr id="195" name="Curved Connector 194">
+                <a:extLst>
+                  <a:ext uri="{FF2B5EF4-FFF2-40B4-BE49-F238E27FC236}">
+                    <a16:creationId xmlns:a16="http://schemas.microsoft.com/office/drawing/2014/main" id="{A367DD5B-F298-984C-853E-D728299C9C00}"/>
+                  </a:ext>
+                </a:extLst>
+              </p:cNvPr>
+              <p:cNvCxnSpPr>
+                <a:cxnSpLocks/>
+              </p:cNvCxnSpPr>
+              <p:nvPr/>
+            </p:nvCxnSpPr>
+            <p:spPr>
+              <a:xfrm rot="16200000" flipH="1">
+                <a:off x="8032720" y="4905902"/>
+                <a:ext cx="144865" cy="193058"/>
+              </a:xfrm>
+              <a:prstGeom prst="curvedConnector4">
+                <a:avLst>
+                  <a:gd name="adj1" fmla="val 42"/>
+                  <a:gd name="adj2" fmla="val 152845"/>
+                </a:avLst>
+              </a:prstGeom>
+              <a:ln>
+                <a:solidFill>
+                  <a:schemeClr val="accent2"/>
+                </a:solidFill>
+                <a:tailEnd type="triangle"/>
+              </a:ln>
+            </p:spPr>
+            <p:style>
+              <a:lnRef idx="1">
+                <a:schemeClr val="accent1"/>
+              </a:lnRef>
+              <a:fillRef idx="0">
+                <a:schemeClr val="accent1"/>
+              </a:fillRef>
+              <a:effectRef idx="0">
+                <a:schemeClr val="accent1"/>
+              </a:effectRef>
+              <a:fontRef idx="minor">
+                <a:schemeClr val="tx1"/>
+              </a:fontRef>
+            </p:style>
+          </p:cxnSp>
+          <p:cxnSp>
+            <p:nvCxnSpPr>
+              <p:cNvPr id="196" name="Straight Arrow Connector 195">
+                <a:extLst>
+                  <a:ext uri="{FF2B5EF4-FFF2-40B4-BE49-F238E27FC236}">
+                    <a16:creationId xmlns:a16="http://schemas.microsoft.com/office/drawing/2014/main" id="{EDD71AA3-08CF-964D-9CEA-5C7874910C4E}"/>
+                  </a:ext>
+                </a:extLst>
+              </p:cNvPr>
+              <p:cNvCxnSpPr>
+                <a:cxnSpLocks/>
+              </p:cNvCxnSpPr>
+              <p:nvPr/>
+            </p:nvCxnSpPr>
+            <p:spPr>
+              <a:xfrm flipV="1">
+                <a:off x="4691499" y="4388124"/>
+                <a:ext cx="3324084" cy="3293"/>
+              </a:xfrm>
+              <a:prstGeom prst="straightConnector1">
+                <a:avLst/>
+              </a:prstGeom>
+              <a:ln>
+                <a:solidFill>
+                  <a:schemeClr val="accent4">
+                    <a:lumMod val="50000"/>
+                  </a:schemeClr>
+                </a:solidFill>
+                <a:tailEnd type="triangle"/>
+              </a:ln>
+            </p:spPr>
+            <p:style>
+              <a:lnRef idx="1">
+                <a:schemeClr val="accent1"/>
+              </a:lnRef>
+              <a:fillRef idx="0">
+                <a:schemeClr val="accent1"/>
+              </a:fillRef>
+              <a:effectRef idx="0">
+                <a:schemeClr val="accent1"/>
+              </a:effectRef>
+              <a:fontRef idx="minor">
+                <a:schemeClr val="tx1"/>
+              </a:fontRef>
+            </p:style>
+          </p:cxnSp>
+          <p:cxnSp>
+            <p:nvCxnSpPr>
+              <p:cNvPr id="197" name="Curved Connector 196">
+                <a:extLst>
+                  <a:ext uri="{FF2B5EF4-FFF2-40B4-BE49-F238E27FC236}">
+                    <a16:creationId xmlns:a16="http://schemas.microsoft.com/office/drawing/2014/main" id="{4134C6E7-1B30-CB4B-9D5F-67E7D7A91612}"/>
+                  </a:ext>
+                </a:extLst>
+              </p:cNvPr>
+              <p:cNvCxnSpPr>
+                <a:cxnSpLocks/>
+              </p:cNvCxnSpPr>
+              <p:nvPr/>
+            </p:nvCxnSpPr>
+            <p:spPr>
+              <a:xfrm rot="16200000" flipH="1">
+                <a:off x="4717998" y="3861452"/>
+                <a:ext cx="144865" cy="193058"/>
+              </a:xfrm>
+              <a:prstGeom prst="curvedConnector4">
+                <a:avLst>
+                  <a:gd name="adj1" fmla="val 30058"/>
+                  <a:gd name="adj2" fmla="val 152845"/>
+                </a:avLst>
+              </a:prstGeom>
+              <a:ln>
+                <a:solidFill>
+                  <a:schemeClr val="accent4">
+                    <a:lumMod val="50000"/>
+                  </a:schemeClr>
+                </a:solidFill>
+                <a:tailEnd type="triangle"/>
+              </a:ln>
+            </p:spPr>
+            <p:style>
+              <a:lnRef idx="1">
+                <a:schemeClr val="accent1"/>
+              </a:lnRef>
+              <a:fillRef idx="0">
+                <a:schemeClr val="accent1"/>
+              </a:fillRef>
+              <a:effectRef idx="0">
+                <a:schemeClr val="accent1"/>
+              </a:effectRef>
+              <a:fontRef idx="minor">
+                <a:schemeClr val="tx1"/>
+              </a:fontRef>
+            </p:style>
+          </p:cxnSp>
+          <p:cxnSp>
+            <p:nvCxnSpPr>
+              <p:cNvPr id="198" name="Curved Connector 197">
+                <a:extLst>
+                  <a:ext uri="{FF2B5EF4-FFF2-40B4-BE49-F238E27FC236}">
+                    <a16:creationId xmlns:a16="http://schemas.microsoft.com/office/drawing/2014/main" id="{B717274F-CAB0-924D-975F-B97CBE6F3B2D}"/>
+                  </a:ext>
+                </a:extLst>
+              </p:cNvPr>
+              <p:cNvCxnSpPr>
+                <a:cxnSpLocks/>
+              </p:cNvCxnSpPr>
+              <p:nvPr/>
+            </p:nvCxnSpPr>
+            <p:spPr>
+              <a:xfrm rot="16200000" flipH="1">
+                <a:off x="4708475" y="3066113"/>
+                <a:ext cx="144865" cy="193058"/>
+              </a:xfrm>
+              <a:prstGeom prst="curvedConnector4">
+                <a:avLst>
+                  <a:gd name="adj1" fmla="val 30058"/>
+                  <a:gd name="adj2" fmla="val 152845"/>
+                </a:avLst>
+              </a:prstGeom>
+              <a:ln>
+                <a:solidFill>
+                  <a:schemeClr val="accent4">
+                    <a:lumMod val="50000"/>
+                  </a:schemeClr>
+                </a:solidFill>
+                <a:tailEnd type="triangle"/>
+              </a:ln>
+            </p:spPr>
+            <p:style>
+              <a:lnRef idx="1">
+                <a:schemeClr val="accent1"/>
+              </a:lnRef>
+              <a:fillRef idx="0">
+                <a:schemeClr val="accent1"/>
+              </a:fillRef>
+              <a:effectRef idx="0">
+                <a:schemeClr val="accent1"/>
+              </a:effectRef>
+              <a:fontRef idx="minor">
+                <a:schemeClr val="tx1"/>
+              </a:fontRef>
+            </p:style>
+          </p:cxnSp>
+          <p:cxnSp>
+            <p:nvCxnSpPr>
+              <p:cNvPr id="199" name="Curved Connector 198">
+                <a:extLst>
+                  <a:ext uri="{FF2B5EF4-FFF2-40B4-BE49-F238E27FC236}">
+                    <a16:creationId xmlns:a16="http://schemas.microsoft.com/office/drawing/2014/main" id="{597E6D1C-0DB7-7645-A475-13ACD75F9497}"/>
+                  </a:ext>
+                </a:extLst>
+              </p:cNvPr>
+              <p:cNvCxnSpPr>
+                <a:cxnSpLocks/>
+              </p:cNvCxnSpPr>
+              <p:nvPr/>
+            </p:nvCxnSpPr>
+            <p:spPr>
+              <a:xfrm rot="16200000" flipH="1">
+                <a:off x="4693198" y="2390901"/>
+                <a:ext cx="144865" cy="193058"/>
+              </a:xfrm>
+              <a:prstGeom prst="curvedConnector4">
+                <a:avLst>
+                  <a:gd name="adj1" fmla="val 30058"/>
+                  <a:gd name="adj2" fmla="val 152845"/>
+                </a:avLst>
+              </a:prstGeom>
+              <a:ln>
+                <a:solidFill>
+                  <a:schemeClr val="accent4">
+                    <a:lumMod val="50000"/>
+                  </a:schemeClr>
+                </a:solidFill>
+                <a:tailEnd type="triangle"/>
+              </a:ln>
+            </p:spPr>
+            <p:style>
+              <a:lnRef idx="1">
+                <a:schemeClr val="accent1"/>
+              </a:lnRef>
+              <a:fillRef idx="0">
+                <a:schemeClr val="accent1"/>
+              </a:fillRef>
+              <a:effectRef idx="0">
+                <a:schemeClr val="accent1"/>
+              </a:effectRef>
+              <a:fontRef idx="minor">
+                <a:schemeClr val="tx1"/>
+              </a:fontRef>
+            </p:style>
+          </p:cxnSp>
+          <p:cxnSp>
+            <p:nvCxnSpPr>
+              <p:cNvPr id="200" name="Straight Connector 199">
+                <a:extLst>
+                  <a:ext uri="{FF2B5EF4-FFF2-40B4-BE49-F238E27FC236}">
+                    <a16:creationId xmlns:a16="http://schemas.microsoft.com/office/drawing/2014/main" id="{283C91AE-329D-C54E-8244-05B7F0B44260}"/>
+                  </a:ext>
+                </a:extLst>
+              </p:cNvPr>
+              <p:cNvCxnSpPr>
+                <a:cxnSpLocks/>
+                <a:stCxn id="244" idx="2"/>
+              </p:cNvCxnSpPr>
+              <p:nvPr/>
+            </p:nvCxnSpPr>
+            <p:spPr>
+              <a:xfrm>
+                <a:off x="4818028" y="2217736"/>
+                <a:ext cx="142125" cy="0"/>
+              </a:xfrm>
+              <a:prstGeom prst="line">
+                <a:avLst/>
+              </a:prstGeom>
+              <a:ln>
+                <a:solidFill>
+                  <a:schemeClr val="accent4">
+                    <a:lumMod val="50000"/>
+                  </a:schemeClr>
+                </a:solidFill>
+                <a:prstDash val="sysDash"/>
+              </a:ln>
+            </p:spPr>
+            <p:style>
+              <a:lnRef idx="1">
+                <a:schemeClr val="accent1"/>
+              </a:lnRef>
+              <a:fillRef idx="0">
+                <a:schemeClr val="accent1"/>
+              </a:fillRef>
+              <a:effectRef idx="0">
+                <a:schemeClr val="accent1"/>
+              </a:effectRef>
+              <a:fontRef idx="minor">
+                <a:schemeClr val="tx1"/>
+              </a:fontRef>
+            </p:style>
+          </p:cxnSp>
+          <p:sp>
+            <p:nvSpPr>
+              <p:cNvPr id="201" name="TextBox 200">
+                <a:extLst>
+                  <a:ext uri="{FF2B5EF4-FFF2-40B4-BE49-F238E27FC236}">
+                    <a16:creationId xmlns:a16="http://schemas.microsoft.com/office/drawing/2014/main" id="{6CD4F0AF-BB41-6C40-8762-4293FDE8AE7C}"/>
+                  </a:ext>
+                </a:extLst>
+              </p:cNvPr>
+              <p:cNvSpPr txBox="1"/>
+              <p:nvPr/>
+            </p:nvSpPr>
+            <p:spPr>
+              <a:xfrm>
+                <a:off x="1991695" y="65315"/>
+                <a:ext cx="723528" cy="261610"/>
+              </a:xfrm>
+              <a:prstGeom prst="rect">
+                <a:avLst/>
+              </a:prstGeom>
               <a:solidFill>
                 <a:schemeClr val="bg2">
                   <a:lumMod val="90000"/>
                 </a:schemeClr>
               </a:solidFill>
-              <a:headEnd type="triangle"/>
-              <a:tailEnd type="none"/>
-            </a:ln>
-          </p:spPr>
-          <p:style>
-            <a:lnRef idx="1">
-              <a:schemeClr val="accent1"/>
-            </a:lnRef>
-            <a:fillRef idx="0">
-              <a:schemeClr val="accent1"/>
-            </a:fillRef>
-            <a:effectRef idx="0">
-              <a:schemeClr val="accent1"/>
-            </a:effectRef>
-            <a:fontRef idx="minor">
-              <a:schemeClr val="tx1"/>
-            </a:fontRef>
-          </p:style>
-        </p:cxnSp>
-        <p:sp>
-          <p:nvSpPr>
-            <p:cNvPr id="16" name="TextBox 15">
-              <a:extLst>
-                <a:ext uri="{FF2B5EF4-FFF2-40B4-BE49-F238E27FC236}">
-                  <a16:creationId xmlns:a16="http://schemas.microsoft.com/office/drawing/2014/main" id="{A26DA98C-B429-8947-8D7E-5727100A96F0}"/>
-                </a:ext>
-              </a:extLst>
-            </p:cNvPr>
-            <p:cNvSpPr txBox="1"/>
-            <p:nvPr/>
-          </p:nvSpPr>
-          <p:spPr>
-            <a:xfrm>
-              <a:off x="2580024" y="451562"/>
-              <a:ext cx="1297150" cy="261610"/>
-            </a:xfrm>
-            <a:prstGeom prst="rect">
-              <a:avLst/>
-            </a:prstGeom>
-            <a:noFill/>
-          </p:spPr>
-          <p:txBody>
-            <a:bodyPr wrap="none" rtlCol="0" anchor="t">
-              <a:spAutoFit/>
-            </a:bodyPr>
-            <a:lstStyle/>
-            <a:p>
-              <a:r>
-                <a:rPr lang="en-US" sz="1100">
-                  <a:latin typeface="Arial"/>
-                  <a:cs typeface="Arial"/>
-                </a:rPr>
-                <a:t>ParseCommand()</a:t>
-              </a:r>
-            </a:p>
-          </p:txBody>
-        </p:sp>
-        <p:sp>
-          <p:nvSpPr>
-            <p:cNvPr id="17" name="TextBox 16">
-              <a:extLst>
-                <a:ext uri="{FF2B5EF4-FFF2-40B4-BE49-F238E27FC236}">
-                  <a16:creationId xmlns:a16="http://schemas.microsoft.com/office/drawing/2014/main" id="{0D640E00-A29A-F049-9D98-98E2BEBB0BA0}"/>
-                </a:ext>
-              </a:extLst>
-            </p:cNvPr>
-            <p:cNvSpPr txBox="1"/>
-            <p:nvPr/>
-          </p:nvSpPr>
-          <p:spPr>
-            <a:xfrm>
-              <a:off x="5761870" y="853059"/>
-              <a:ext cx="960519" cy="261610"/>
-            </a:xfrm>
-            <a:prstGeom prst="rect">
-              <a:avLst/>
-            </a:prstGeom>
-            <a:noFill/>
-          </p:spPr>
-          <p:txBody>
-            <a:bodyPr wrap="none" rtlCol="0" anchor="t">
-              <a:spAutoFit/>
-            </a:bodyPr>
-            <a:lstStyle/>
-            <a:p>
-              <a:pPr algn="ctr"/>
-              <a:r>
-                <a:rPr lang="en-US" sz="1100">
-                  <a:latin typeface="Arial"/>
-                  <a:cs typeface="Arial"/>
-                </a:rPr>
-                <a:t>ParseType()</a:t>
-              </a:r>
-            </a:p>
-          </p:txBody>
-        </p:sp>
-        <p:cxnSp>
-          <p:nvCxnSpPr>
-            <p:cNvPr id="18" name="Elbow Connector 17">
-              <a:extLst>
-                <a:ext uri="{FF2B5EF4-FFF2-40B4-BE49-F238E27FC236}">
-                  <a16:creationId xmlns:a16="http://schemas.microsoft.com/office/drawing/2014/main" id="{49B2F4A0-9F6B-EC4A-B9D5-F808CAEC0969}"/>
-                </a:ext>
-              </a:extLst>
-            </p:cNvPr>
-            <p:cNvCxnSpPr>
-              <a:cxnSpLocks/>
-              <a:stCxn id="14" idx="1"/>
-            </p:cNvCxnSpPr>
-            <p:nvPr/>
-          </p:nvCxnSpPr>
-          <p:spPr>
-            <a:xfrm rot="10800000">
-              <a:off x="4797073" y="1008990"/>
-              <a:ext cx="2628665" cy="83985"/>
-            </a:xfrm>
-            <a:prstGeom prst="bentConnector3">
-              <a:avLst>
-                <a:gd name="adj1" fmla="val 100874"/>
-              </a:avLst>
-            </a:prstGeom>
-            <a:ln>
+              <a:ln>
+                <a:solidFill>
+                  <a:schemeClr val="bg1">
+                    <a:lumMod val="50000"/>
+                  </a:schemeClr>
+                </a:solidFill>
+              </a:ln>
+            </p:spPr>
+            <p:txBody>
+              <a:bodyPr wrap="square" rtlCol="0" anchor="ctr">
+                <a:spAutoFit/>
+              </a:bodyPr>
+              <a:lstStyle/>
+              <a:p>
+                <a:pPr algn="ctr"/>
+                <a:r>
+                  <a:rPr lang="en-US" sz="1100">
+                    <a:latin typeface="Arial" panose="020B0604020202020204" pitchFamily="34" charset="0"/>
+                    <a:cs typeface="Arial" panose="020B0604020202020204" pitchFamily="34" charset="0"/>
+                  </a:rPr>
+                  <a:t>:Main</a:t>
+                </a:r>
+              </a:p>
+            </p:txBody>
+          </p:sp>
+          <p:sp>
+            <p:nvSpPr>
+              <p:cNvPr id="202" name="TextBox 201">
+                <a:extLst>
+                  <a:ext uri="{FF2B5EF4-FFF2-40B4-BE49-F238E27FC236}">
+                    <a16:creationId xmlns:a16="http://schemas.microsoft.com/office/drawing/2014/main" id="{EA1602AA-8310-CE4A-A2F9-A7FFEE293FA8}"/>
+                  </a:ext>
+                </a:extLst>
+              </p:cNvPr>
+              <p:cNvSpPr txBox="1"/>
+              <p:nvPr/>
+            </p:nvSpPr>
+            <p:spPr>
+              <a:xfrm>
+                <a:off x="3984544" y="480304"/>
+                <a:ext cx="1445209" cy="261610"/>
+              </a:xfrm>
+              <a:prstGeom prst="rect">
+                <a:avLst/>
+              </a:prstGeom>
               <a:solidFill>
                 <a:schemeClr val="accent4"/>
               </a:solidFill>
-              <a:headEnd type="triangle"/>
-              <a:tailEnd type="none"/>
-            </a:ln>
-          </p:spPr>
-          <p:style>
-            <a:lnRef idx="1">
-              <a:schemeClr val="accent1"/>
-            </a:lnRef>
-            <a:fillRef idx="0">
-              <a:schemeClr val="accent1"/>
-            </a:fillRef>
-            <a:effectRef idx="0">
-              <a:schemeClr val="accent1"/>
-            </a:effectRef>
-            <a:fontRef idx="minor">
-              <a:schemeClr val="tx1"/>
-            </a:fontRef>
-          </p:style>
-        </p:cxnSp>
+              <a:ln>
+                <a:solidFill>
+                  <a:schemeClr val="accent4">
+                    <a:lumMod val="50000"/>
+                  </a:schemeClr>
+                </a:solidFill>
+              </a:ln>
+            </p:spPr>
+            <p:txBody>
+              <a:bodyPr wrap="square" rtlCol="0" anchor="ctr">
+                <a:spAutoFit/>
+              </a:bodyPr>
+              <a:lstStyle/>
+              <a:p>
+                <a:pPr algn="ctr"/>
+                <a:r>
+                  <a:rPr lang="en-US" sz="1100" dirty="0">
+                    <a:latin typeface="Arial" panose="020B0604020202020204" pitchFamily="34" charset="0"/>
+                    <a:cs typeface="Arial" panose="020B0604020202020204" pitchFamily="34" charset="0"/>
+                  </a:rPr>
+                  <a:t>:ParseCommand</a:t>
+                </a:r>
+              </a:p>
+            </p:txBody>
+          </p:sp>
+          <p:sp>
+            <p:nvSpPr>
+              <p:cNvPr id="203" name="Rectangle 202">
+                <a:extLst>
+                  <a:ext uri="{FF2B5EF4-FFF2-40B4-BE49-F238E27FC236}">
+                    <a16:creationId xmlns:a16="http://schemas.microsoft.com/office/drawing/2014/main" id="{CB0048E7-48FC-894E-AF3C-36412C3CA2A8}"/>
+                  </a:ext>
+                </a:extLst>
+              </p:cNvPr>
+              <p:cNvSpPr/>
+              <p:nvPr/>
+            </p:nvSpPr>
+            <p:spPr>
+              <a:xfrm>
+                <a:off x="8010833" y="1102685"/>
+                <a:ext cx="126643" cy="214783"/>
+              </a:xfrm>
+              <a:prstGeom prst="rect">
+                <a:avLst/>
+              </a:prstGeom>
+              <a:noFill/>
+              <a:ln>
+                <a:solidFill>
+                  <a:schemeClr val="accent2"/>
+                </a:solidFill>
+              </a:ln>
+            </p:spPr>
+            <p:style>
+              <a:lnRef idx="2">
+                <a:schemeClr val="accent1">
+                  <a:shade val="50000"/>
+                </a:schemeClr>
+              </a:lnRef>
+              <a:fillRef idx="1">
+                <a:schemeClr val="accent1"/>
+              </a:fillRef>
+              <a:effectRef idx="0">
+                <a:schemeClr val="accent1"/>
+              </a:effectRef>
+              <a:fontRef idx="minor">
+                <a:schemeClr val="lt1"/>
+              </a:fontRef>
+            </p:style>
+            <p:txBody>
+              <a:bodyPr rtlCol="0" anchor="ctr"/>
+              <a:lstStyle/>
+              <a:p>
+                <a:pPr algn="ctr"/>
+                <a:endParaRPr lang="en-US" sz="1100">
+                  <a:latin typeface="Arial" panose="020B0604020202020204" pitchFamily="34" charset="0"/>
+                  <a:cs typeface="Arial" panose="020B0604020202020204" pitchFamily="34" charset="0"/>
+                </a:endParaRPr>
+              </a:p>
+            </p:txBody>
+          </p:sp>
+          <p:sp>
+            <p:nvSpPr>
+              <p:cNvPr id="204" name="TextBox 203">
+                <a:extLst>
+                  <a:ext uri="{FF2B5EF4-FFF2-40B4-BE49-F238E27FC236}">
+                    <a16:creationId xmlns:a16="http://schemas.microsoft.com/office/drawing/2014/main" id="{7B136E0D-827E-B741-A5A7-28538CC10CE8}"/>
+                  </a:ext>
+                </a:extLst>
+              </p:cNvPr>
+              <p:cNvSpPr txBox="1"/>
+              <p:nvPr/>
+            </p:nvSpPr>
+            <p:spPr>
+              <a:xfrm>
+                <a:off x="7425737" y="885918"/>
+                <a:ext cx="1305745" cy="261610"/>
+              </a:xfrm>
+              <a:prstGeom prst="rect">
+                <a:avLst/>
+              </a:prstGeom>
+              <a:solidFill>
+                <a:schemeClr val="accent2"/>
+              </a:solidFill>
+            </p:spPr>
+            <p:txBody>
+              <a:bodyPr wrap="square" rtlCol="0" anchor="ctr">
+                <a:spAutoFit/>
+              </a:bodyPr>
+              <a:lstStyle/>
+              <a:p>
+                <a:pPr algn="ctr"/>
+                <a:r>
+                  <a:rPr lang="en-US" sz="1100" dirty="0">
+                    <a:latin typeface="Arial" panose="020B0604020202020204" pitchFamily="34" charset="0"/>
+                    <a:cs typeface="Arial" panose="020B0604020202020204" pitchFamily="34" charset="0"/>
+                  </a:rPr>
+                  <a:t>:</a:t>
+                </a:r>
+                <a:r>
+                  <a:rPr lang="en-US" sz="1100" dirty="0" err="1">
+                    <a:latin typeface="Arial" panose="020B0604020202020204" pitchFamily="34" charset="0"/>
+                    <a:cs typeface="Arial" panose="020B0604020202020204" pitchFamily="34" charset="0"/>
+                  </a:rPr>
+                  <a:t>ParseType</a:t>
+                </a:r>
+                <a:endParaRPr lang="en-US" sz="1100" dirty="0">
+                  <a:latin typeface="Arial" panose="020B0604020202020204" pitchFamily="34" charset="0"/>
+                  <a:cs typeface="Arial" panose="020B0604020202020204" pitchFamily="34" charset="0"/>
+                </a:endParaRPr>
+              </a:p>
+            </p:txBody>
+          </p:sp>
+          <p:cxnSp>
+            <p:nvCxnSpPr>
+              <p:cNvPr id="205" name="Straight Arrow Connector 204">
+                <a:extLst>
+                  <a:ext uri="{FF2B5EF4-FFF2-40B4-BE49-F238E27FC236}">
+                    <a16:creationId xmlns:a16="http://schemas.microsoft.com/office/drawing/2014/main" id="{C20F1DCB-CBB0-C943-98C1-770CFF76FCE2}"/>
+                  </a:ext>
+                </a:extLst>
+              </p:cNvPr>
+              <p:cNvCxnSpPr>
+                <a:cxnSpLocks/>
+                <a:stCxn id="202" idx="1"/>
+              </p:cNvCxnSpPr>
+              <p:nvPr/>
+            </p:nvCxnSpPr>
+            <p:spPr>
+              <a:xfrm flipH="1">
+                <a:off x="2416905" y="611109"/>
+                <a:ext cx="1567639" cy="0"/>
+              </a:xfrm>
+              <a:prstGeom prst="straightConnector1">
+                <a:avLst/>
+              </a:prstGeom>
+              <a:ln>
+                <a:solidFill>
+                  <a:schemeClr val="bg1">
+                    <a:lumMod val="50000"/>
+                  </a:schemeClr>
+                </a:solidFill>
+                <a:headEnd type="triangle"/>
+                <a:tailEnd type="none"/>
+              </a:ln>
+            </p:spPr>
+            <p:style>
+              <a:lnRef idx="1">
+                <a:schemeClr val="accent1"/>
+              </a:lnRef>
+              <a:fillRef idx="0">
+                <a:schemeClr val="accent1"/>
+              </a:fillRef>
+              <a:effectRef idx="0">
+                <a:schemeClr val="accent1"/>
+              </a:effectRef>
+              <a:fontRef idx="minor">
+                <a:schemeClr val="tx1"/>
+              </a:fontRef>
+            </p:style>
+          </p:cxnSp>
+          <p:sp>
+            <p:nvSpPr>
+              <p:cNvPr id="206" name="TextBox 205">
+                <a:extLst>
+                  <a:ext uri="{FF2B5EF4-FFF2-40B4-BE49-F238E27FC236}">
+                    <a16:creationId xmlns:a16="http://schemas.microsoft.com/office/drawing/2014/main" id="{1403E56E-F8AB-CF4C-A358-AF1519259FEF}"/>
+                  </a:ext>
+                </a:extLst>
+              </p:cNvPr>
+              <p:cNvSpPr txBox="1"/>
+              <p:nvPr/>
+            </p:nvSpPr>
+            <p:spPr>
+              <a:xfrm>
+                <a:off x="2580024" y="375311"/>
+                <a:ext cx="1297150" cy="261610"/>
+              </a:xfrm>
+              <a:prstGeom prst="rect">
+                <a:avLst/>
+              </a:prstGeom>
+              <a:noFill/>
+            </p:spPr>
+            <p:txBody>
+              <a:bodyPr wrap="none" rtlCol="0" anchor="t">
+                <a:spAutoFit/>
+              </a:bodyPr>
+              <a:lstStyle/>
+              <a:p>
+                <a:r>
+                  <a:rPr lang="en-US" sz="1100" dirty="0">
+                    <a:latin typeface="Arial"/>
+                    <a:cs typeface="Arial"/>
+                  </a:rPr>
+                  <a:t>ParseCommand()</a:t>
+                </a:r>
+              </a:p>
+            </p:txBody>
+          </p:sp>
+          <p:sp>
+            <p:nvSpPr>
+              <p:cNvPr id="207" name="TextBox 206">
+                <a:extLst>
+                  <a:ext uri="{FF2B5EF4-FFF2-40B4-BE49-F238E27FC236}">
+                    <a16:creationId xmlns:a16="http://schemas.microsoft.com/office/drawing/2014/main" id="{AA92C082-18E1-EB45-B638-20965A3E066C}"/>
+                  </a:ext>
+                </a:extLst>
+              </p:cNvPr>
+              <p:cNvSpPr txBox="1"/>
+              <p:nvPr/>
+            </p:nvSpPr>
+            <p:spPr>
+              <a:xfrm>
+                <a:off x="5761870" y="776808"/>
+                <a:ext cx="960519" cy="261610"/>
+              </a:xfrm>
+              <a:prstGeom prst="rect">
+                <a:avLst/>
+              </a:prstGeom>
+              <a:noFill/>
+            </p:spPr>
+            <p:txBody>
+              <a:bodyPr wrap="none" rtlCol="0" anchor="t">
+                <a:spAutoFit/>
+              </a:bodyPr>
+              <a:lstStyle/>
+              <a:p>
+                <a:pPr algn="ctr"/>
+                <a:r>
+                  <a:rPr lang="en-US" sz="1100" dirty="0" err="1">
+                    <a:latin typeface="Arial"/>
+                    <a:cs typeface="Arial"/>
+                  </a:rPr>
+                  <a:t>ParseType</a:t>
+                </a:r>
+                <a:r>
+                  <a:rPr lang="en-US" sz="1100" dirty="0">
+                    <a:latin typeface="Arial"/>
+                    <a:cs typeface="Arial"/>
+                  </a:rPr>
+                  <a:t>()</a:t>
+                </a:r>
+              </a:p>
+            </p:txBody>
+          </p:sp>
+          <p:cxnSp>
+            <p:nvCxnSpPr>
+              <p:cNvPr id="208" name="Elbow Connector 207">
+                <a:extLst>
+                  <a:ext uri="{FF2B5EF4-FFF2-40B4-BE49-F238E27FC236}">
+                    <a16:creationId xmlns:a16="http://schemas.microsoft.com/office/drawing/2014/main" id="{6EE5083A-05A4-0340-B3A3-0F32A70E7A5D}"/>
+                  </a:ext>
+                </a:extLst>
+              </p:cNvPr>
+              <p:cNvCxnSpPr>
+                <a:cxnSpLocks/>
+                <a:stCxn id="204" idx="1"/>
+              </p:cNvCxnSpPr>
+              <p:nvPr/>
+            </p:nvCxnSpPr>
+            <p:spPr>
+              <a:xfrm rot="10800000">
+                <a:off x="4797073" y="932739"/>
+                <a:ext cx="2628665" cy="83985"/>
+              </a:xfrm>
+              <a:prstGeom prst="bentConnector3">
+                <a:avLst>
+                  <a:gd name="adj1" fmla="val 100874"/>
+                </a:avLst>
+              </a:prstGeom>
+              <a:ln>
+                <a:solidFill>
+                  <a:schemeClr val="accent4">
+                    <a:lumMod val="50000"/>
+                  </a:schemeClr>
+                </a:solidFill>
+                <a:headEnd type="triangle"/>
+                <a:tailEnd type="none"/>
+              </a:ln>
+            </p:spPr>
+            <p:style>
+              <a:lnRef idx="1">
+                <a:schemeClr val="accent1"/>
+              </a:lnRef>
+              <a:fillRef idx="0">
+                <a:schemeClr val="accent1"/>
+              </a:fillRef>
+              <a:effectRef idx="0">
+                <a:schemeClr val="accent1"/>
+              </a:effectRef>
+              <a:fontRef idx="minor">
+                <a:schemeClr val="tx1"/>
+              </a:fontRef>
+            </p:style>
+          </p:cxnSp>
+          <p:cxnSp>
+            <p:nvCxnSpPr>
+              <p:cNvPr id="209" name="Straight Arrow Connector 208">
+                <a:extLst>
+                  <a:ext uri="{FF2B5EF4-FFF2-40B4-BE49-F238E27FC236}">
+                    <a16:creationId xmlns:a16="http://schemas.microsoft.com/office/drawing/2014/main" id="{FEE62206-B94E-9D48-B303-1B290747DE48}"/>
+                  </a:ext>
+                </a:extLst>
+              </p:cNvPr>
+              <p:cNvCxnSpPr>
+                <a:cxnSpLocks/>
+                <a:stCxn id="210" idx="2"/>
+              </p:cNvCxnSpPr>
+              <p:nvPr/>
+            </p:nvCxnSpPr>
+            <p:spPr>
+              <a:xfrm flipH="1">
+                <a:off x="2425565" y="1383275"/>
+                <a:ext cx="2307600" cy="0"/>
+              </a:xfrm>
+              <a:prstGeom prst="straightConnector1">
+                <a:avLst/>
+              </a:prstGeom>
+              <a:ln>
+                <a:solidFill>
+                  <a:schemeClr val="bg1">
+                    <a:lumMod val="50000"/>
+                  </a:schemeClr>
+                </a:solidFill>
+                <a:prstDash val="sysDash"/>
+                <a:tailEnd type="triangle"/>
+              </a:ln>
+            </p:spPr>
+            <p:style>
+              <a:lnRef idx="1">
+                <a:schemeClr val="accent1"/>
+              </a:lnRef>
+              <a:fillRef idx="0">
+                <a:schemeClr val="accent1"/>
+              </a:fillRef>
+              <a:effectRef idx="0">
+                <a:schemeClr val="accent1"/>
+              </a:effectRef>
+              <a:fontRef idx="minor">
+                <a:schemeClr val="tx1"/>
+              </a:fontRef>
+            </p:style>
+          </p:cxnSp>
+          <p:sp>
+            <p:nvSpPr>
+              <p:cNvPr id="210" name="Rectangle 209">
+                <a:extLst>
+                  <a:ext uri="{FF2B5EF4-FFF2-40B4-BE49-F238E27FC236}">
+                    <a16:creationId xmlns:a16="http://schemas.microsoft.com/office/drawing/2014/main" id="{97628669-4839-CA4D-8A0B-3EF311B18A8A}"/>
+                  </a:ext>
+                </a:extLst>
+              </p:cNvPr>
+              <p:cNvSpPr/>
+              <p:nvPr/>
+            </p:nvSpPr>
+            <p:spPr>
+              <a:xfrm>
+                <a:off x="4661481" y="745883"/>
+                <a:ext cx="142904" cy="637392"/>
+              </a:xfrm>
+              <a:prstGeom prst="rect">
+                <a:avLst/>
+              </a:prstGeom>
+              <a:solidFill>
+                <a:schemeClr val="bg1"/>
+              </a:solidFill>
+              <a:ln>
+                <a:solidFill>
+                  <a:schemeClr val="accent4">
+                    <a:lumMod val="50000"/>
+                  </a:schemeClr>
+                </a:solidFill>
+              </a:ln>
+            </p:spPr>
+            <p:style>
+              <a:lnRef idx="2">
+                <a:schemeClr val="accent1">
+                  <a:shade val="50000"/>
+                </a:schemeClr>
+              </a:lnRef>
+              <a:fillRef idx="1">
+                <a:schemeClr val="accent1"/>
+              </a:fillRef>
+              <a:effectRef idx="0">
+                <a:schemeClr val="accent1"/>
+              </a:effectRef>
+              <a:fontRef idx="minor">
+                <a:schemeClr val="lt1"/>
+              </a:fontRef>
+            </p:style>
+            <p:txBody>
+              <a:bodyPr rtlCol="0" anchor="ctr"/>
+              <a:lstStyle/>
+              <a:p>
+                <a:pPr algn="ctr"/>
+                <a:endParaRPr lang="en-US" sz="1100">
+                  <a:latin typeface="Arial" panose="020B0604020202020204" pitchFamily="34" charset="0"/>
+                  <a:cs typeface="Arial" panose="020B0604020202020204" pitchFamily="34" charset="0"/>
+                </a:endParaRPr>
+              </a:p>
+            </p:txBody>
+          </p:sp>
+          <p:cxnSp>
+            <p:nvCxnSpPr>
+              <p:cNvPr id="211" name="Straight Connector 210">
+                <a:extLst>
+                  <a:ext uri="{FF2B5EF4-FFF2-40B4-BE49-F238E27FC236}">
+                    <a16:creationId xmlns:a16="http://schemas.microsoft.com/office/drawing/2014/main" id="{77F3A4C2-353F-014E-81B7-62EBC27A9479}"/>
+                  </a:ext>
+                </a:extLst>
+              </p:cNvPr>
+              <p:cNvCxnSpPr>
+                <a:cxnSpLocks/>
+                <a:stCxn id="210" idx="2"/>
+                <a:endCxn id="243" idx="0"/>
+              </p:cNvCxnSpPr>
+              <p:nvPr/>
+            </p:nvCxnSpPr>
+            <p:spPr>
+              <a:xfrm>
+                <a:off x="4732933" y="1383275"/>
+                <a:ext cx="1492" cy="303390"/>
+              </a:xfrm>
+              <a:prstGeom prst="line">
+                <a:avLst/>
+              </a:prstGeom>
+              <a:ln>
+                <a:solidFill>
+                  <a:schemeClr val="accent4">
+                    <a:lumMod val="50000"/>
+                  </a:schemeClr>
+                </a:solidFill>
+                <a:prstDash val="sysDash"/>
+              </a:ln>
+            </p:spPr>
+            <p:style>
+              <a:lnRef idx="1">
+                <a:schemeClr val="accent1"/>
+              </a:lnRef>
+              <a:fillRef idx="0">
+                <a:schemeClr val="accent1"/>
+              </a:fillRef>
+              <a:effectRef idx="0">
+                <a:schemeClr val="accent1"/>
+              </a:effectRef>
+              <a:fontRef idx="minor">
+                <a:schemeClr val="tx1"/>
+              </a:fontRef>
+            </p:style>
+          </p:cxnSp>
+          <p:cxnSp>
+            <p:nvCxnSpPr>
+              <p:cNvPr id="212" name="Straight Arrow Connector 211">
+                <a:extLst>
+                  <a:ext uri="{FF2B5EF4-FFF2-40B4-BE49-F238E27FC236}">
+                    <a16:creationId xmlns:a16="http://schemas.microsoft.com/office/drawing/2014/main" id="{EE99ECA0-E854-774B-A32D-BA53BB548173}"/>
+                  </a:ext>
+                </a:extLst>
+              </p:cNvPr>
+              <p:cNvCxnSpPr>
+                <a:cxnSpLocks/>
+              </p:cNvCxnSpPr>
+              <p:nvPr/>
+            </p:nvCxnSpPr>
+            <p:spPr>
+              <a:xfrm flipH="1">
+                <a:off x="2416905" y="1686665"/>
+                <a:ext cx="2250000" cy="2"/>
+              </a:xfrm>
+              <a:prstGeom prst="straightConnector1">
+                <a:avLst/>
+              </a:prstGeom>
+              <a:ln>
+                <a:solidFill>
+                  <a:schemeClr val="bg1">
+                    <a:lumMod val="50000"/>
+                  </a:schemeClr>
+                </a:solidFill>
+                <a:headEnd type="triangle"/>
+                <a:tailEnd type="none"/>
+              </a:ln>
+            </p:spPr>
+            <p:style>
+              <a:lnRef idx="1">
+                <a:schemeClr val="accent1"/>
+              </a:lnRef>
+              <a:fillRef idx="0">
+                <a:schemeClr val="accent1"/>
+              </a:fillRef>
+              <a:effectRef idx="0">
+                <a:schemeClr val="accent1"/>
+              </a:effectRef>
+              <a:fontRef idx="minor">
+                <a:schemeClr val="tx1"/>
+              </a:fontRef>
+            </p:style>
+          </p:cxnSp>
+          <p:sp>
+            <p:nvSpPr>
+              <p:cNvPr id="213" name="TextBox 212">
+                <a:extLst>
+                  <a:ext uri="{FF2B5EF4-FFF2-40B4-BE49-F238E27FC236}">
+                    <a16:creationId xmlns:a16="http://schemas.microsoft.com/office/drawing/2014/main" id="{52F4A758-7C2E-4D48-A965-1A6B1FA8D3D7}"/>
+                  </a:ext>
+                </a:extLst>
+              </p:cNvPr>
+              <p:cNvSpPr txBox="1"/>
+              <p:nvPr/>
+            </p:nvSpPr>
+            <p:spPr>
+              <a:xfrm>
+                <a:off x="3130103" y="1425057"/>
+                <a:ext cx="914033" cy="261610"/>
+              </a:xfrm>
+              <a:prstGeom prst="rect">
+                <a:avLst/>
+              </a:prstGeom>
+              <a:noFill/>
+            </p:spPr>
+            <p:txBody>
+              <a:bodyPr wrap="none" rtlCol="0">
+                <a:spAutoFit/>
+              </a:bodyPr>
+              <a:lstStyle/>
+              <a:p>
+                <a:r>
+                  <a:rPr lang="en-US" sz="1100">
+                    <a:latin typeface="Arial" panose="020B0604020202020204" pitchFamily="34" charset="0"/>
+                    <a:cs typeface="Arial" panose="020B0604020202020204" pitchFamily="34" charset="0"/>
+                  </a:rPr>
+                  <a:t>ParseLine()</a:t>
+                </a:r>
+              </a:p>
+            </p:txBody>
+          </p:sp>
+          <p:cxnSp>
+            <p:nvCxnSpPr>
+              <p:cNvPr id="214" name="Curved Connector 213">
+                <a:extLst>
+                  <a:ext uri="{FF2B5EF4-FFF2-40B4-BE49-F238E27FC236}">
+                    <a16:creationId xmlns:a16="http://schemas.microsoft.com/office/drawing/2014/main" id="{F9C9B3BF-246A-3F4F-B29D-F647A4C735DA}"/>
+                  </a:ext>
+                </a:extLst>
+              </p:cNvPr>
+              <p:cNvCxnSpPr>
+                <a:cxnSpLocks/>
+              </p:cNvCxnSpPr>
+              <p:nvPr/>
+            </p:nvCxnSpPr>
+            <p:spPr>
+              <a:xfrm rot="10800000" flipV="1">
+                <a:off x="4807301" y="2217331"/>
+                <a:ext cx="139922" cy="123478"/>
+              </a:xfrm>
+              <a:prstGeom prst="curvedConnector3">
+                <a:avLst>
+                  <a:gd name="adj1" fmla="val -18462"/>
+                </a:avLst>
+              </a:prstGeom>
+              <a:ln>
+                <a:solidFill>
+                  <a:schemeClr val="accent4">
+                    <a:lumMod val="50000"/>
+                  </a:schemeClr>
+                </a:solidFill>
+                <a:prstDash val="sysDash"/>
+                <a:tailEnd type="triangle"/>
+              </a:ln>
+            </p:spPr>
+            <p:style>
+              <a:lnRef idx="1">
+                <a:schemeClr val="accent1"/>
+              </a:lnRef>
+              <a:fillRef idx="0">
+                <a:schemeClr val="accent1"/>
+              </a:fillRef>
+              <a:effectRef idx="0">
+                <a:schemeClr val="accent1"/>
+              </a:effectRef>
+              <a:fontRef idx="minor">
+                <a:schemeClr val="tx1"/>
+              </a:fontRef>
+            </p:style>
+          </p:cxnSp>
+          <p:sp>
+            <p:nvSpPr>
+              <p:cNvPr id="215" name="TextBox 214">
+                <a:extLst>
+                  <a:ext uri="{FF2B5EF4-FFF2-40B4-BE49-F238E27FC236}">
+                    <a16:creationId xmlns:a16="http://schemas.microsoft.com/office/drawing/2014/main" id="{5E4CD6DD-59E7-7A4B-BC95-A59248F6198F}"/>
+                  </a:ext>
+                </a:extLst>
+              </p:cNvPr>
+              <p:cNvSpPr txBox="1"/>
+              <p:nvPr/>
+            </p:nvSpPr>
+            <p:spPr>
+              <a:xfrm>
+                <a:off x="4938651" y="1550381"/>
+                <a:ext cx="1399742" cy="261610"/>
+              </a:xfrm>
+              <a:prstGeom prst="rect">
+                <a:avLst/>
+              </a:prstGeom>
+              <a:noFill/>
+            </p:spPr>
+            <p:txBody>
+              <a:bodyPr wrap="none" rtlCol="0" anchor="t">
+                <a:spAutoFit/>
+              </a:bodyPr>
+              <a:lstStyle/>
+              <a:p>
+                <a:r>
+                  <a:rPr lang="en-US" sz="1100" dirty="0" err="1">
+                    <a:latin typeface="Arial"/>
+                    <a:cs typeface="Arial"/>
+                  </a:rPr>
+                  <a:t>parseIsBlank</a:t>
+                </a:r>
+                <a:r>
+                  <a:rPr lang="en-US" sz="1100" dirty="0">
+                    <a:latin typeface="Arial"/>
+                    <a:cs typeface="Arial"/>
+                  </a:rPr>
+                  <a:t>(input)</a:t>
+                </a:r>
+              </a:p>
+            </p:txBody>
+          </p:sp>
+          <p:cxnSp>
+            <p:nvCxnSpPr>
+              <p:cNvPr id="216" name="Straight Connector 215">
+                <a:extLst>
+                  <a:ext uri="{FF2B5EF4-FFF2-40B4-BE49-F238E27FC236}">
+                    <a16:creationId xmlns:a16="http://schemas.microsoft.com/office/drawing/2014/main" id="{1585F4E6-D702-6D4A-A5AC-96986F2BBEB2}"/>
+                  </a:ext>
+                </a:extLst>
+              </p:cNvPr>
+              <p:cNvCxnSpPr>
+                <a:cxnSpLocks/>
+                <a:stCxn id="245" idx="2"/>
+              </p:cNvCxnSpPr>
+              <p:nvPr/>
+            </p:nvCxnSpPr>
+            <p:spPr>
+              <a:xfrm>
+                <a:off x="4816063" y="2951705"/>
+                <a:ext cx="158393" cy="0"/>
+              </a:xfrm>
+              <a:prstGeom prst="line">
+                <a:avLst/>
+              </a:prstGeom>
+              <a:ln>
+                <a:solidFill>
+                  <a:schemeClr val="accent4">
+                    <a:lumMod val="50000"/>
+                  </a:schemeClr>
+                </a:solidFill>
+                <a:prstDash val="sysDash"/>
+              </a:ln>
+            </p:spPr>
+            <p:style>
+              <a:lnRef idx="1">
+                <a:schemeClr val="accent1"/>
+              </a:lnRef>
+              <a:fillRef idx="0">
+                <a:schemeClr val="accent1"/>
+              </a:fillRef>
+              <a:effectRef idx="0">
+                <a:schemeClr val="accent1"/>
+              </a:effectRef>
+              <a:fontRef idx="minor">
+                <a:schemeClr val="tx1"/>
+              </a:fontRef>
+            </p:style>
+          </p:cxnSp>
+          <p:cxnSp>
+            <p:nvCxnSpPr>
+              <p:cNvPr id="217" name="Curved Connector 216">
+                <a:extLst>
+                  <a:ext uri="{FF2B5EF4-FFF2-40B4-BE49-F238E27FC236}">
+                    <a16:creationId xmlns:a16="http://schemas.microsoft.com/office/drawing/2014/main" id="{1134637A-6712-1F4F-8F85-1AAEC8D21AA6}"/>
+                  </a:ext>
+                </a:extLst>
+              </p:cNvPr>
+              <p:cNvCxnSpPr>
+                <a:cxnSpLocks/>
+              </p:cNvCxnSpPr>
+              <p:nvPr/>
+            </p:nvCxnSpPr>
+            <p:spPr>
+              <a:xfrm rot="10800000" flipV="1">
+                <a:off x="4779727" y="2952197"/>
+                <a:ext cx="185456" cy="80131"/>
+              </a:xfrm>
+              <a:prstGeom prst="curvedConnector3">
+                <a:avLst>
+                  <a:gd name="adj1" fmla="val -19336"/>
+                </a:avLst>
+              </a:prstGeom>
+              <a:ln>
+                <a:solidFill>
+                  <a:schemeClr val="accent4">
+                    <a:lumMod val="50000"/>
+                  </a:schemeClr>
+                </a:solidFill>
+                <a:prstDash val="sysDash"/>
+                <a:tailEnd type="triangle"/>
+              </a:ln>
+            </p:spPr>
+            <p:style>
+              <a:lnRef idx="1">
+                <a:schemeClr val="accent1"/>
+              </a:lnRef>
+              <a:fillRef idx="0">
+                <a:schemeClr val="accent1"/>
+              </a:fillRef>
+              <a:effectRef idx="0">
+                <a:schemeClr val="accent1"/>
+              </a:effectRef>
+              <a:fontRef idx="minor">
+                <a:schemeClr val="tx1"/>
+              </a:fontRef>
+            </p:style>
+          </p:cxnSp>
+          <p:sp>
+            <p:nvSpPr>
+              <p:cNvPr id="218" name="TextBox 217">
+                <a:extLst>
+                  <a:ext uri="{FF2B5EF4-FFF2-40B4-BE49-F238E27FC236}">
+                    <a16:creationId xmlns:a16="http://schemas.microsoft.com/office/drawing/2014/main" id="{2BE6D401-A3A2-AB41-8E01-A042BEE92182}"/>
+                  </a:ext>
+                </a:extLst>
+              </p:cNvPr>
+              <p:cNvSpPr txBox="1"/>
+              <p:nvPr/>
+            </p:nvSpPr>
+            <p:spPr>
+              <a:xfrm>
+                <a:off x="4952099" y="2264809"/>
+                <a:ext cx="1518364" cy="261610"/>
+              </a:xfrm>
+              <a:prstGeom prst="rect">
+                <a:avLst/>
+              </a:prstGeom>
+              <a:noFill/>
+            </p:spPr>
+            <p:txBody>
+              <a:bodyPr wrap="none" rtlCol="0" anchor="t">
+                <a:spAutoFit/>
+              </a:bodyPr>
+              <a:lstStyle/>
+              <a:p>
+                <a:r>
+                  <a:rPr lang="en-US" sz="1100">
+                    <a:latin typeface="Arial"/>
+                    <a:cs typeface="Arial"/>
+                  </a:rPr>
+                  <a:t>parseFirstField(input)</a:t>
+                </a:r>
+              </a:p>
+            </p:txBody>
+          </p:sp>
+          <p:sp>
+            <p:nvSpPr>
+              <p:cNvPr id="219" name="TextBox 218">
+                <a:extLst>
+                  <a:ext uri="{FF2B5EF4-FFF2-40B4-BE49-F238E27FC236}">
+                    <a16:creationId xmlns:a16="http://schemas.microsoft.com/office/drawing/2014/main" id="{21CE2364-C9D0-814F-8E49-0AF886E83B4F}"/>
+                  </a:ext>
+                </a:extLst>
+              </p:cNvPr>
+              <p:cNvSpPr txBox="1"/>
+              <p:nvPr/>
+            </p:nvSpPr>
+            <p:spPr>
+              <a:xfrm>
+                <a:off x="4898177" y="2754328"/>
+                <a:ext cx="803425" cy="261610"/>
+              </a:xfrm>
+              <a:prstGeom prst="rect">
+                <a:avLst/>
+              </a:prstGeom>
+              <a:noFill/>
+            </p:spPr>
+            <p:txBody>
+              <a:bodyPr wrap="none" rtlCol="0">
+                <a:spAutoFit/>
+              </a:bodyPr>
+              <a:lstStyle/>
+              <a:p>
+                <a:r>
+                  <a:rPr lang="en-US" sz="1100">
+                    <a:latin typeface="Arial" panose="020B0604020202020204" pitchFamily="34" charset="0"/>
+                    <a:cs typeface="Arial" panose="020B0604020202020204" pitchFamily="34" charset="0"/>
+                  </a:rPr>
+                  <a:t>command</a:t>
+                </a:r>
+              </a:p>
+            </p:txBody>
+          </p:sp>
+          <p:cxnSp>
+            <p:nvCxnSpPr>
+              <p:cNvPr id="220" name="Straight Connector 219">
+                <a:extLst>
+                  <a:ext uri="{FF2B5EF4-FFF2-40B4-BE49-F238E27FC236}">
+                    <a16:creationId xmlns:a16="http://schemas.microsoft.com/office/drawing/2014/main" id="{13195EFA-D61C-4C4A-8ECF-3E8534EF0425}"/>
+                  </a:ext>
+                </a:extLst>
+              </p:cNvPr>
+              <p:cNvCxnSpPr>
+                <a:cxnSpLocks/>
+                <a:stCxn id="246" idx="2"/>
+              </p:cNvCxnSpPr>
+              <p:nvPr/>
+            </p:nvCxnSpPr>
+            <p:spPr>
+              <a:xfrm>
+                <a:off x="4806443" y="3657639"/>
+                <a:ext cx="158393" cy="0"/>
+              </a:xfrm>
+              <a:prstGeom prst="line">
+                <a:avLst/>
+              </a:prstGeom>
+              <a:ln>
+                <a:solidFill>
+                  <a:schemeClr val="accent4">
+                    <a:lumMod val="50000"/>
+                  </a:schemeClr>
+                </a:solidFill>
+                <a:prstDash val="sysDash"/>
+              </a:ln>
+            </p:spPr>
+            <p:style>
+              <a:lnRef idx="1">
+                <a:schemeClr val="accent1"/>
+              </a:lnRef>
+              <a:fillRef idx="0">
+                <a:schemeClr val="accent1"/>
+              </a:fillRef>
+              <a:effectRef idx="0">
+                <a:schemeClr val="accent1"/>
+              </a:effectRef>
+              <a:fontRef idx="minor">
+                <a:schemeClr val="tx1"/>
+              </a:fontRef>
+            </p:style>
+          </p:cxnSp>
+          <p:cxnSp>
+            <p:nvCxnSpPr>
+              <p:cNvPr id="221" name="Curved Connector 220">
+                <a:extLst>
+                  <a:ext uri="{FF2B5EF4-FFF2-40B4-BE49-F238E27FC236}">
+                    <a16:creationId xmlns:a16="http://schemas.microsoft.com/office/drawing/2014/main" id="{76DF6F1A-3AA6-954B-B569-48139A8735B1}"/>
+                  </a:ext>
+                </a:extLst>
+              </p:cNvPr>
+              <p:cNvCxnSpPr>
+                <a:cxnSpLocks/>
+              </p:cNvCxnSpPr>
+              <p:nvPr/>
+            </p:nvCxnSpPr>
+            <p:spPr>
+              <a:xfrm rot="10800000" flipV="1">
+                <a:off x="4793141" y="3659758"/>
+                <a:ext cx="162256" cy="82498"/>
+              </a:xfrm>
+              <a:prstGeom prst="curvedConnector3">
+                <a:avLst>
+                  <a:gd name="adj1" fmla="val -29250"/>
+                </a:avLst>
+              </a:prstGeom>
+              <a:ln>
+                <a:solidFill>
+                  <a:schemeClr val="accent4">
+                    <a:lumMod val="50000"/>
+                  </a:schemeClr>
+                </a:solidFill>
+                <a:prstDash val="sysDash"/>
+                <a:tailEnd type="triangle"/>
+              </a:ln>
+            </p:spPr>
+            <p:style>
+              <a:lnRef idx="1">
+                <a:schemeClr val="accent1"/>
+              </a:lnRef>
+              <a:fillRef idx="0">
+                <a:schemeClr val="accent1"/>
+              </a:fillRef>
+              <a:effectRef idx="0">
+                <a:schemeClr val="accent1"/>
+              </a:effectRef>
+              <a:fontRef idx="minor">
+                <a:schemeClr val="tx1"/>
+              </a:fontRef>
+            </p:style>
+          </p:cxnSp>
+          <p:sp>
+            <p:nvSpPr>
+              <p:cNvPr id="222" name="TextBox 221">
+                <a:extLst>
+                  <a:ext uri="{FF2B5EF4-FFF2-40B4-BE49-F238E27FC236}">
+                    <a16:creationId xmlns:a16="http://schemas.microsoft.com/office/drawing/2014/main" id="{2B849C34-B624-4E47-AAFA-8EF2F28B6989}"/>
+                  </a:ext>
+                </a:extLst>
+              </p:cNvPr>
+              <p:cNvSpPr txBox="1"/>
+              <p:nvPr/>
+            </p:nvSpPr>
+            <p:spPr>
+              <a:xfrm>
+                <a:off x="4940331" y="3031837"/>
+                <a:ext cx="2331087" cy="261610"/>
+              </a:xfrm>
+              <a:prstGeom prst="rect">
+                <a:avLst/>
+              </a:prstGeom>
+              <a:noFill/>
+            </p:spPr>
+            <p:txBody>
+              <a:bodyPr wrap="none" rtlCol="0" anchor="t">
+                <a:spAutoFit/>
+              </a:bodyPr>
+              <a:lstStyle/>
+              <a:p>
+                <a:r>
+                  <a:rPr lang="en-US" sz="1100">
+                    <a:latin typeface="Arial"/>
+                    <a:cs typeface="Arial"/>
+                  </a:rPr>
+                  <a:t>removeFirstField(input, command)</a:t>
+                </a:r>
+              </a:p>
+            </p:txBody>
+          </p:sp>
+          <p:sp>
+            <p:nvSpPr>
+              <p:cNvPr id="223" name="TextBox 222">
+                <a:extLst>
+                  <a:ext uri="{FF2B5EF4-FFF2-40B4-BE49-F238E27FC236}">
+                    <a16:creationId xmlns:a16="http://schemas.microsoft.com/office/drawing/2014/main" id="{CDEFE53C-294B-A748-9573-925839716337}"/>
+                  </a:ext>
+                </a:extLst>
+              </p:cNvPr>
+              <p:cNvSpPr txBox="1"/>
+              <p:nvPr/>
+            </p:nvSpPr>
+            <p:spPr>
+              <a:xfrm>
+                <a:off x="4960808" y="3540769"/>
+                <a:ext cx="458780" cy="261610"/>
+              </a:xfrm>
+              <a:prstGeom prst="rect">
+                <a:avLst/>
+              </a:prstGeom>
+              <a:noFill/>
+            </p:spPr>
+            <p:txBody>
+              <a:bodyPr wrap="none" rtlCol="0">
+                <a:spAutoFit/>
+              </a:bodyPr>
+              <a:lstStyle/>
+              <a:p>
+                <a:r>
+                  <a:rPr lang="en-US" sz="1100">
+                    <a:latin typeface="Arial" panose="020B0604020202020204" pitchFamily="34" charset="0"/>
+                    <a:cs typeface="Arial" panose="020B0604020202020204" pitchFamily="34" charset="0"/>
+                  </a:rPr>
+                  <a:t>data</a:t>
+                </a:r>
+              </a:p>
+            </p:txBody>
+          </p:sp>
+          <p:sp>
+            <p:nvSpPr>
+              <p:cNvPr id="224" name="TextBox 223">
+                <a:extLst>
+                  <a:ext uri="{FF2B5EF4-FFF2-40B4-BE49-F238E27FC236}">
+                    <a16:creationId xmlns:a16="http://schemas.microsoft.com/office/drawing/2014/main" id="{EA100086-639D-344F-A2BC-9EA06C623046}"/>
+                  </a:ext>
+                </a:extLst>
+              </p:cNvPr>
+              <p:cNvSpPr txBox="1"/>
+              <p:nvPr/>
+            </p:nvSpPr>
+            <p:spPr>
+              <a:xfrm>
+                <a:off x="4940331" y="3798865"/>
+                <a:ext cx="2603598" cy="261610"/>
+              </a:xfrm>
+              <a:prstGeom prst="rect">
+                <a:avLst/>
+              </a:prstGeom>
+              <a:noFill/>
+            </p:spPr>
+            <p:txBody>
+              <a:bodyPr wrap="none" rtlCol="0" anchor="t">
+                <a:spAutoFit/>
+              </a:bodyPr>
+              <a:lstStyle/>
+              <a:p>
+                <a:r>
+                  <a:rPr lang="en-US" sz="1100">
+                    <a:latin typeface="Arial"/>
+                    <a:cs typeface="Arial"/>
+                  </a:rPr>
+                  <a:t>parseCommandMenu(command, data)</a:t>
+                </a:r>
+              </a:p>
+            </p:txBody>
+          </p:sp>
+          <p:cxnSp>
+            <p:nvCxnSpPr>
+              <p:cNvPr id="225" name="Straight Connector 224">
+                <a:extLst>
+                  <a:ext uri="{FF2B5EF4-FFF2-40B4-BE49-F238E27FC236}">
+                    <a16:creationId xmlns:a16="http://schemas.microsoft.com/office/drawing/2014/main" id="{E6B2FE4F-2CE0-2D4D-A718-447A5A9CA98F}"/>
+                  </a:ext>
+                </a:extLst>
+              </p:cNvPr>
+              <p:cNvCxnSpPr>
+                <a:cxnSpLocks/>
+                <a:stCxn id="203" idx="2"/>
+                <a:endCxn id="251" idx="0"/>
+              </p:cNvCxnSpPr>
+              <p:nvPr/>
+            </p:nvCxnSpPr>
+            <p:spPr>
+              <a:xfrm flipH="1">
+                <a:off x="8073109" y="1317468"/>
+                <a:ext cx="1046" cy="3062341"/>
+              </a:xfrm>
+              <a:prstGeom prst="line">
+                <a:avLst/>
+              </a:prstGeom>
+              <a:ln>
+                <a:solidFill>
+                  <a:schemeClr val="accent2"/>
+                </a:solidFill>
+                <a:prstDash val="sysDash"/>
+              </a:ln>
+            </p:spPr>
+            <p:style>
+              <a:lnRef idx="1">
+                <a:schemeClr val="accent1"/>
+              </a:lnRef>
+              <a:fillRef idx="0">
+                <a:schemeClr val="accent1"/>
+              </a:fillRef>
+              <a:effectRef idx="0">
+                <a:schemeClr val="accent1"/>
+              </a:effectRef>
+              <a:fontRef idx="minor">
+                <a:schemeClr val="tx1"/>
+              </a:fontRef>
+            </p:style>
+          </p:cxnSp>
+          <p:sp>
+            <p:nvSpPr>
+              <p:cNvPr id="226" name="TextBox 225">
+                <a:extLst>
+                  <a:ext uri="{FF2B5EF4-FFF2-40B4-BE49-F238E27FC236}">
+                    <a16:creationId xmlns:a16="http://schemas.microsoft.com/office/drawing/2014/main" id="{142113AA-4F8F-534F-8554-D041756B0BA4}"/>
+                  </a:ext>
+                </a:extLst>
+              </p:cNvPr>
+              <p:cNvSpPr txBox="1"/>
+              <p:nvPr/>
+            </p:nvSpPr>
+            <p:spPr>
+              <a:xfrm>
+                <a:off x="5463566" y="4174052"/>
+                <a:ext cx="1898277" cy="261610"/>
+              </a:xfrm>
+              <a:prstGeom prst="rect">
+                <a:avLst/>
+              </a:prstGeom>
+              <a:noFill/>
+            </p:spPr>
+            <p:txBody>
+              <a:bodyPr wrap="none" rtlCol="0" anchor="t">
+                <a:spAutoFit/>
+              </a:bodyPr>
+              <a:lstStyle/>
+              <a:p>
+                <a:r>
+                  <a:rPr lang="en-US" sz="1100">
+                    <a:latin typeface="Arial"/>
+                    <a:cs typeface="Arial"/>
+                  </a:rPr>
+                  <a:t>parseData(command, data)</a:t>
+                </a:r>
+              </a:p>
+            </p:txBody>
+          </p:sp>
+          <p:cxnSp>
+            <p:nvCxnSpPr>
+              <p:cNvPr id="227" name="Curved Connector 226">
+                <a:extLst>
+                  <a:ext uri="{FF2B5EF4-FFF2-40B4-BE49-F238E27FC236}">
+                    <a16:creationId xmlns:a16="http://schemas.microsoft.com/office/drawing/2014/main" id="{804FA0B8-C964-774E-8D8F-6F0AFCB195BA}"/>
+                  </a:ext>
+                </a:extLst>
+              </p:cNvPr>
+              <p:cNvCxnSpPr>
+                <a:cxnSpLocks/>
+              </p:cNvCxnSpPr>
+              <p:nvPr/>
+            </p:nvCxnSpPr>
+            <p:spPr>
+              <a:xfrm rot="16200000" flipH="1">
+                <a:off x="8032721" y="4356853"/>
+                <a:ext cx="144865" cy="193058"/>
+              </a:xfrm>
+              <a:prstGeom prst="curvedConnector4">
+                <a:avLst>
+                  <a:gd name="adj1" fmla="val 42"/>
+                  <a:gd name="adj2" fmla="val 152845"/>
+                </a:avLst>
+              </a:prstGeom>
+              <a:ln>
+                <a:solidFill>
+                  <a:schemeClr val="accent2"/>
+                </a:solidFill>
+                <a:tailEnd type="triangle"/>
+              </a:ln>
+            </p:spPr>
+            <p:style>
+              <a:lnRef idx="1">
+                <a:schemeClr val="accent1"/>
+              </a:lnRef>
+              <a:fillRef idx="0">
+                <a:schemeClr val="accent1"/>
+              </a:fillRef>
+              <a:effectRef idx="0">
+                <a:schemeClr val="accent1"/>
+              </a:effectRef>
+              <a:fontRef idx="minor">
+                <a:schemeClr val="tx1"/>
+              </a:fontRef>
+            </p:style>
+          </p:cxnSp>
+          <p:sp>
+            <p:nvSpPr>
+              <p:cNvPr id="228" name="TextBox 227">
+                <a:extLst>
+                  <a:ext uri="{FF2B5EF4-FFF2-40B4-BE49-F238E27FC236}">
+                    <a16:creationId xmlns:a16="http://schemas.microsoft.com/office/drawing/2014/main" id="{E94D82AD-2FDB-7349-AD4B-8A82FEDB9ADE}"/>
+                  </a:ext>
+                </a:extLst>
+              </p:cNvPr>
+              <p:cNvSpPr txBox="1"/>
+              <p:nvPr/>
+            </p:nvSpPr>
+            <p:spPr>
+              <a:xfrm>
+                <a:off x="8155795" y="4188544"/>
+                <a:ext cx="1486304" cy="261610"/>
+              </a:xfrm>
+              <a:prstGeom prst="rect">
+                <a:avLst/>
+              </a:prstGeom>
+              <a:noFill/>
+            </p:spPr>
+            <p:txBody>
+              <a:bodyPr wrap="none" rtlCol="0" anchor="t">
+                <a:spAutoFit/>
+              </a:bodyPr>
+              <a:lstStyle/>
+              <a:p>
+                <a:r>
+                  <a:rPr lang="en-US" sz="1100">
+                    <a:latin typeface="Arial"/>
+                    <a:cs typeface="Arial"/>
+                  </a:rPr>
+                  <a:t>parseFirstField(data)</a:t>
+                </a:r>
+              </a:p>
+            </p:txBody>
+          </p:sp>
+          <p:cxnSp>
+            <p:nvCxnSpPr>
+              <p:cNvPr id="229" name="Straight Connector 228">
+                <a:extLst>
+                  <a:ext uri="{FF2B5EF4-FFF2-40B4-BE49-F238E27FC236}">
+                    <a16:creationId xmlns:a16="http://schemas.microsoft.com/office/drawing/2014/main" id="{DB25ADBC-1207-3D4E-8E82-44BAA192BF7B}"/>
+                  </a:ext>
+                </a:extLst>
+              </p:cNvPr>
+              <p:cNvCxnSpPr>
+                <a:cxnSpLocks/>
+              </p:cNvCxnSpPr>
+              <p:nvPr/>
+            </p:nvCxnSpPr>
+            <p:spPr>
+              <a:xfrm>
+                <a:off x="8116566" y="4801360"/>
+                <a:ext cx="167462" cy="0"/>
+              </a:xfrm>
+              <a:prstGeom prst="line">
+                <a:avLst/>
+              </a:prstGeom>
+              <a:ln>
+                <a:solidFill>
+                  <a:schemeClr val="accent2"/>
+                </a:solidFill>
+                <a:prstDash val="sysDash"/>
+              </a:ln>
+            </p:spPr>
+            <p:style>
+              <a:lnRef idx="1">
+                <a:schemeClr val="accent1"/>
+              </a:lnRef>
+              <a:fillRef idx="0">
+                <a:schemeClr val="accent1"/>
+              </a:fillRef>
+              <a:effectRef idx="0">
+                <a:schemeClr val="accent1"/>
+              </a:effectRef>
+              <a:fontRef idx="minor">
+                <a:schemeClr val="tx1"/>
+              </a:fontRef>
+            </p:style>
+          </p:cxnSp>
+          <p:cxnSp>
+            <p:nvCxnSpPr>
+              <p:cNvPr id="230" name="Curved Connector 229">
+                <a:extLst>
+                  <a:ext uri="{FF2B5EF4-FFF2-40B4-BE49-F238E27FC236}">
+                    <a16:creationId xmlns:a16="http://schemas.microsoft.com/office/drawing/2014/main" id="{2BD9F1C9-60E6-E746-95AA-49359CCB64BE}"/>
+                  </a:ext>
+                </a:extLst>
+              </p:cNvPr>
+              <p:cNvCxnSpPr>
+                <a:cxnSpLocks/>
+              </p:cNvCxnSpPr>
+              <p:nvPr/>
+            </p:nvCxnSpPr>
+            <p:spPr>
+              <a:xfrm rot="10800000" flipV="1">
+                <a:off x="8139876" y="4803565"/>
+                <a:ext cx="144152" cy="52874"/>
+              </a:xfrm>
+              <a:prstGeom prst="curvedConnector3">
+                <a:avLst>
+                  <a:gd name="adj1" fmla="val -11387"/>
+                </a:avLst>
+              </a:prstGeom>
+              <a:ln>
+                <a:solidFill>
+                  <a:schemeClr val="accent2"/>
+                </a:solidFill>
+                <a:prstDash val="sysDash"/>
+                <a:tailEnd type="triangle"/>
+              </a:ln>
+            </p:spPr>
+            <p:style>
+              <a:lnRef idx="1">
+                <a:schemeClr val="accent1"/>
+              </a:lnRef>
+              <a:fillRef idx="0">
+                <a:schemeClr val="accent1"/>
+              </a:fillRef>
+              <a:effectRef idx="0">
+                <a:schemeClr val="accent1"/>
+              </a:effectRef>
+              <a:fontRef idx="minor">
+                <a:schemeClr val="tx1"/>
+              </a:fontRef>
+            </p:style>
+          </p:cxnSp>
+          <p:sp>
+            <p:nvSpPr>
+              <p:cNvPr id="231" name="TextBox 230">
+                <a:extLst>
+                  <a:ext uri="{FF2B5EF4-FFF2-40B4-BE49-F238E27FC236}">
+                    <a16:creationId xmlns:a16="http://schemas.microsoft.com/office/drawing/2014/main" id="{9906C65F-6B2D-C74F-A6B5-38F2B24D4366}"/>
+                  </a:ext>
+                </a:extLst>
+              </p:cNvPr>
+              <p:cNvSpPr txBox="1"/>
+              <p:nvPr/>
+            </p:nvSpPr>
+            <p:spPr>
+              <a:xfrm>
+                <a:off x="8247476" y="4677015"/>
+                <a:ext cx="450764" cy="261610"/>
+              </a:xfrm>
+              <a:prstGeom prst="rect">
+                <a:avLst/>
+              </a:prstGeom>
+              <a:noFill/>
+            </p:spPr>
+            <p:txBody>
+              <a:bodyPr wrap="none" rtlCol="0">
+                <a:spAutoFit/>
+              </a:bodyPr>
+              <a:lstStyle/>
+              <a:p>
+                <a:r>
+                  <a:rPr lang="en-US" sz="1100">
+                    <a:latin typeface="Arial" panose="020B0604020202020204" pitchFamily="34" charset="0"/>
+                    <a:cs typeface="Arial" panose="020B0604020202020204" pitchFamily="34" charset="0"/>
+                  </a:rPr>
+                  <a:t>type</a:t>
+                </a:r>
+              </a:p>
+            </p:txBody>
+          </p:sp>
+          <p:sp>
+            <p:nvSpPr>
+              <p:cNvPr id="232" name="TextBox 231">
+                <a:extLst>
+                  <a:ext uri="{FF2B5EF4-FFF2-40B4-BE49-F238E27FC236}">
+                    <a16:creationId xmlns:a16="http://schemas.microsoft.com/office/drawing/2014/main" id="{625C8D91-262D-A648-B912-FE135F2A68AB}"/>
+                  </a:ext>
+                </a:extLst>
+              </p:cNvPr>
+              <p:cNvSpPr txBox="1"/>
+              <p:nvPr/>
+            </p:nvSpPr>
+            <p:spPr>
+              <a:xfrm>
+                <a:off x="8247475" y="4843576"/>
+                <a:ext cx="1946367" cy="261610"/>
+              </a:xfrm>
+              <a:prstGeom prst="rect">
+                <a:avLst/>
+              </a:prstGeom>
+              <a:noFill/>
+            </p:spPr>
+            <p:txBody>
+              <a:bodyPr wrap="none" rtlCol="0" anchor="t">
+                <a:spAutoFit/>
+              </a:bodyPr>
+              <a:lstStyle/>
+              <a:p>
+                <a:r>
+                  <a:rPr lang="en-US" sz="1100">
+                    <a:latin typeface="Arial"/>
+                    <a:cs typeface="Arial"/>
+                  </a:rPr>
+                  <a:t>removeFirstField(data, type)</a:t>
+                </a:r>
+              </a:p>
+            </p:txBody>
+          </p:sp>
+          <p:cxnSp>
+            <p:nvCxnSpPr>
+              <p:cNvPr id="233" name="Straight Connector 232">
+                <a:extLst>
+                  <a:ext uri="{FF2B5EF4-FFF2-40B4-BE49-F238E27FC236}">
+                    <a16:creationId xmlns:a16="http://schemas.microsoft.com/office/drawing/2014/main" id="{B456D2C0-6F6B-D54C-B41E-754D4BAC6DFF}"/>
+                  </a:ext>
+                </a:extLst>
+              </p:cNvPr>
+              <p:cNvCxnSpPr>
+                <a:cxnSpLocks/>
+              </p:cNvCxnSpPr>
+              <p:nvPr/>
+            </p:nvCxnSpPr>
+            <p:spPr>
+              <a:xfrm>
+                <a:off x="8116565" y="5350409"/>
+                <a:ext cx="167462" cy="0"/>
+              </a:xfrm>
+              <a:prstGeom prst="line">
+                <a:avLst/>
+              </a:prstGeom>
+              <a:ln>
+                <a:solidFill>
+                  <a:schemeClr val="accent2"/>
+                </a:solidFill>
+                <a:prstDash val="sysDash"/>
+              </a:ln>
+            </p:spPr>
+            <p:style>
+              <a:lnRef idx="1">
+                <a:schemeClr val="accent1"/>
+              </a:lnRef>
+              <a:fillRef idx="0">
+                <a:schemeClr val="accent1"/>
+              </a:fillRef>
+              <a:effectRef idx="0">
+                <a:schemeClr val="accent1"/>
+              </a:effectRef>
+              <a:fontRef idx="minor">
+                <a:schemeClr val="tx1"/>
+              </a:fontRef>
+            </p:style>
+          </p:cxnSp>
+          <p:cxnSp>
+            <p:nvCxnSpPr>
+              <p:cNvPr id="234" name="Curved Connector 233">
+                <a:extLst>
+                  <a:ext uri="{FF2B5EF4-FFF2-40B4-BE49-F238E27FC236}">
+                    <a16:creationId xmlns:a16="http://schemas.microsoft.com/office/drawing/2014/main" id="{FCCD66C3-28AC-D648-9C72-CB0804A6DD15}"/>
+                  </a:ext>
+                </a:extLst>
+              </p:cNvPr>
+              <p:cNvCxnSpPr>
+                <a:cxnSpLocks/>
+              </p:cNvCxnSpPr>
+              <p:nvPr/>
+            </p:nvCxnSpPr>
+            <p:spPr>
+              <a:xfrm rot="10800000" flipV="1">
+                <a:off x="8139875" y="5352614"/>
+                <a:ext cx="144152" cy="52874"/>
+              </a:xfrm>
+              <a:prstGeom prst="curvedConnector3">
+                <a:avLst>
+                  <a:gd name="adj1" fmla="val -11387"/>
+                </a:avLst>
+              </a:prstGeom>
+              <a:ln>
+                <a:solidFill>
+                  <a:schemeClr val="accent2"/>
+                </a:solidFill>
+                <a:prstDash val="sysDash"/>
+                <a:tailEnd type="triangle"/>
+              </a:ln>
+            </p:spPr>
+            <p:style>
+              <a:lnRef idx="1">
+                <a:schemeClr val="accent1"/>
+              </a:lnRef>
+              <a:fillRef idx="0">
+                <a:schemeClr val="accent1"/>
+              </a:fillRef>
+              <a:effectRef idx="0">
+                <a:schemeClr val="accent1"/>
+              </a:effectRef>
+              <a:fontRef idx="minor">
+                <a:schemeClr val="tx1"/>
+              </a:fontRef>
+            </p:style>
+          </p:cxnSp>
+          <p:sp>
+            <p:nvSpPr>
+              <p:cNvPr id="235" name="TextBox 234">
+                <a:extLst>
+                  <a:ext uri="{FF2B5EF4-FFF2-40B4-BE49-F238E27FC236}">
+                    <a16:creationId xmlns:a16="http://schemas.microsoft.com/office/drawing/2014/main" id="{7E661E29-8F72-BB47-B40A-50B798172EF6}"/>
+                  </a:ext>
+                </a:extLst>
+              </p:cNvPr>
+              <p:cNvSpPr txBox="1"/>
+              <p:nvPr/>
+            </p:nvSpPr>
+            <p:spPr>
+              <a:xfrm>
+                <a:off x="8247475" y="5226064"/>
+                <a:ext cx="710451" cy="261610"/>
+              </a:xfrm>
+              <a:prstGeom prst="rect">
+                <a:avLst/>
+              </a:prstGeom>
+              <a:noFill/>
+            </p:spPr>
+            <p:txBody>
+              <a:bodyPr wrap="none" rtlCol="0" anchor="t">
+                <a:spAutoFit/>
+              </a:bodyPr>
+              <a:lstStyle/>
+              <a:p>
+                <a:r>
+                  <a:rPr lang="en-US" sz="1100">
+                    <a:latin typeface="Arial"/>
+                    <a:cs typeface="Arial"/>
+                  </a:rPr>
+                  <a:t>rawData</a:t>
+                </a:r>
+              </a:p>
+            </p:txBody>
+          </p:sp>
+          <p:cxnSp>
+            <p:nvCxnSpPr>
+              <p:cNvPr id="236" name="Curved Connector 235">
+                <a:extLst>
+                  <a:ext uri="{FF2B5EF4-FFF2-40B4-BE49-F238E27FC236}">
+                    <a16:creationId xmlns:a16="http://schemas.microsoft.com/office/drawing/2014/main" id="{8C2988C3-A923-634B-ABB2-C65F0AE3DD4D}"/>
+                  </a:ext>
+                </a:extLst>
+              </p:cNvPr>
+              <p:cNvCxnSpPr>
+                <a:cxnSpLocks/>
+              </p:cNvCxnSpPr>
+              <p:nvPr/>
+            </p:nvCxnSpPr>
+            <p:spPr>
+              <a:xfrm rot="16200000" flipH="1">
+                <a:off x="4685578" y="1674621"/>
+                <a:ext cx="144865" cy="193058"/>
+              </a:xfrm>
+              <a:prstGeom prst="curvedConnector4">
+                <a:avLst>
+                  <a:gd name="adj1" fmla="val -9392"/>
+                  <a:gd name="adj2" fmla="val 152845"/>
+                </a:avLst>
+              </a:prstGeom>
+              <a:ln>
+                <a:solidFill>
+                  <a:schemeClr val="accent4">
+                    <a:lumMod val="50000"/>
+                  </a:schemeClr>
+                </a:solidFill>
+                <a:tailEnd type="triangle"/>
+              </a:ln>
+            </p:spPr>
+            <p:style>
+              <a:lnRef idx="1">
+                <a:schemeClr val="accent1"/>
+              </a:lnRef>
+              <a:fillRef idx="0">
+                <a:schemeClr val="accent1"/>
+              </a:fillRef>
+              <a:effectRef idx="0">
+                <a:schemeClr val="accent1"/>
+              </a:effectRef>
+              <a:fontRef idx="minor">
+                <a:schemeClr val="tx1"/>
+              </a:fontRef>
+            </p:style>
+          </p:cxnSp>
+          <p:sp>
+            <p:nvSpPr>
+              <p:cNvPr id="237" name="Rectangle 236">
+                <a:extLst>
+                  <a:ext uri="{FF2B5EF4-FFF2-40B4-BE49-F238E27FC236}">
+                    <a16:creationId xmlns:a16="http://schemas.microsoft.com/office/drawing/2014/main" id="{9B77138B-2275-9B4A-BCDB-E9EF672CBF48}"/>
+                  </a:ext>
+                </a:extLst>
+              </p:cNvPr>
+              <p:cNvSpPr/>
+              <p:nvPr/>
+            </p:nvSpPr>
+            <p:spPr>
+              <a:xfrm>
+                <a:off x="1829074" y="5502694"/>
+                <a:ext cx="6719024" cy="760599"/>
+              </a:xfrm>
+              <a:prstGeom prst="rect">
+                <a:avLst/>
+              </a:prstGeom>
+            </p:spPr>
+            <p:style>
+              <a:lnRef idx="2">
+                <a:schemeClr val="accent6"/>
+              </a:lnRef>
+              <a:fillRef idx="1">
+                <a:schemeClr val="lt1"/>
+              </a:fillRef>
+              <a:effectRef idx="0">
+                <a:schemeClr val="accent6"/>
+              </a:effectRef>
+              <a:fontRef idx="minor">
+                <a:schemeClr val="dk1"/>
+              </a:fontRef>
+            </p:style>
+            <p:txBody>
+              <a:bodyPr rtlCol="0" anchor="ctr"/>
+              <a:lstStyle/>
+              <a:p>
+                <a:pPr algn="ctr"/>
+                <a:endParaRPr lang="en-US"/>
+              </a:p>
+            </p:txBody>
+          </p:sp>
+          <p:sp>
+            <p:nvSpPr>
+              <p:cNvPr id="238" name="Snip and Round Single Corner of Rectangle 237">
+                <a:extLst>
+                  <a:ext uri="{FF2B5EF4-FFF2-40B4-BE49-F238E27FC236}">
+                    <a16:creationId xmlns:a16="http://schemas.microsoft.com/office/drawing/2014/main" id="{885E2D5A-CBC4-6942-A8BE-D4BBD021DE1D}"/>
+                  </a:ext>
+                </a:extLst>
+              </p:cNvPr>
+              <p:cNvSpPr/>
+              <p:nvPr/>
+            </p:nvSpPr>
+            <p:spPr>
+              <a:xfrm rot="10800000" flipH="1">
+                <a:off x="1825949" y="5502081"/>
+                <a:ext cx="407572" cy="261607"/>
+              </a:xfrm>
+              <a:prstGeom prst="snipRoundRect">
+                <a:avLst>
+                  <a:gd name="adj1" fmla="val 0"/>
+                  <a:gd name="adj2" fmla="val 16667"/>
+                </a:avLst>
+              </a:prstGeom>
+            </p:spPr>
+            <p:style>
+              <a:lnRef idx="2">
+                <a:schemeClr val="accent6"/>
+              </a:lnRef>
+              <a:fillRef idx="1">
+                <a:schemeClr val="lt1"/>
+              </a:fillRef>
+              <a:effectRef idx="0">
+                <a:schemeClr val="accent6"/>
+              </a:effectRef>
+              <a:fontRef idx="minor">
+                <a:schemeClr val="dk1"/>
+              </a:fontRef>
+            </p:style>
+            <p:txBody>
+              <a:bodyPr vert="horz" rtlCol="0" anchor="ctr"/>
+              <a:lstStyle/>
+              <a:p>
+                <a:pPr algn="ctr"/>
+                <a:endParaRPr lang="en-US"/>
+              </a:p>
+            </p:txBody>
+          </p:sp>
+          <p:sp>
+            <p:nvSpPr>
+              <p:cNvPr id="239" name="TextBox 238">
+                <a:extLst>
+                  <a:ext uri="{FF2B5EF4-FFF2-40B4-BE49-F238E27FC236}">
+                    <a16:creationId xmlns:a16="http://schemas.microsoft.com/office/drawing/2014/main" id="{17B627FC-BF9A-E240-AD2E-78881459767F}"/>
+                  </a:ext>
+                </a:extLst>
+              </p:cNvPr>
+              <p:cNvSpPr txBox="1"/>
+              <p:nvPr/>
+            </p:nvSpPr>
+            <p:spPr>
+              <a:xfrm>
+                <a:off x="2386759" y="5492260"/>
+                <a:ext cx="1220206" cy="261610"/>
+              </a:xfrm>
+              <a:prstGeom prst="rect">
+                <a:avLst/>
+              </a:prstGeom>
+              <a:noFill/>
+            </p:spPr>
+            <p:txBody>
+              <a:bodyPr wrap="none" rtlCol="0">
+                <a:spAutoFit/>
+              </a:bodyPr>
+              <a:lstStyle/>
+              <a:p>
+                <a:r>
+                  <a:rPr lang="en-US" sz="1100">
+                    <a:latin typeface="Arial" panose="020B0604020202020204" pitchFamily="34" charset="0"/>
+                    <a:cs typeface="Arial" panose="020B0604020202020204" pitchFamily="34" charset="0"/>
+                  </a:rPr>
+                  <a:t>ParseTypeMenu</a:t>
+                </a:r>
+              </a:p>
+            </p:txBody>
+          </p:sp>
+          <p:sp>
+            <p:nvSpPr>
+              <p:cNvPr id="240" name="TextBox 239">
+                <a:extLst>
+                  <a:ext uri="{FF2B5EF4-FFF2-40B4-BE49-F238E27FC236}">
+                    <a16:creationId xmlns:a16="http://schemas.microsoft.com/office/drawing/2014/main" id="{315D93E7-858B-C541-9376-1CCAAE17BF5F}"/>
+                  </a:ext>
+                </a:extLst>
+              </p:cNvPr>
+              <p:cNvSpPr txBox="1"/>
+              <p:nvPr/>
+            </p:nvSpPr>
+            <p:spPr>
+              <a:xfrm>
+                <a:off x="1850273" y="5492260"/>
+                <a:ext cx="348172" cy="261610"/>
+              </a:xfrm>
+              <a:prstGeom prst="rect">
+                <a:avLst/>
+              </a:prstGeom>
+              <a:noFill/>
+            </p:spPr>
+            <p:txBody>
+              <a:bodyPr wrap="none" rtlCol="0">
+                <a:spAutoFit/>
+              </a:bodyPr>
+              <a:lstStyle/>
+              <a:p>
+                <a:r>
+                  <a:rPr lang="en-US" sz="1100" dirty="0">
+                    <a:latin typeface="Arial" panose="020B0604020202020204" pitchFamily="34" charset="0"/>
+                    <a:cs typeface="Arial" panose="020B0604020202020204" pitchFamily="34" charset="0"/>
+                  </a:rPr>
+                  <a:t>ref</a:t>
+                </a:r>
+              </a:p>
+            </p:txBody>
+          </p:sp>
+          <p:sp>
+            <p:nvSpPr>
+              <p:cNvPr id="242" name="Rectangle 241">
+                <a:extLst>
+                  <a:ext uri="{FF2B5EF4-FFF2-40B4-BE49-F238E27FC236}">
+                    <a16:creationId xmlns:a16="http://schemas.microsoft.com/office/drawing/2014/main" id="{46352536-0B02-B749-9803-1CDD08DB9452}"/>
+                  </a:ext>
+                </a:extLst>
+              </p:cNvPr>
+              <p:cNvSpPr/>
+              <p:nvPr/>
+            </p:nvSpPr>
+            <p:spPr>
+              <a:xfrm>
+                <a:off x="2281353" y="611109"/>
+                <a:ext cx="142154" cy="6104175"/>
+              </a:xfrm>
+              <a:prstGeom prst="rect">
+                <a:avLst/>
+              </a:prstGeom>
+              <a:solidFill>
+                <a:schemeClr val="bg1"/>
+              </a:solidFill>
+              <a:ln>
+                <a:solidFill>
+                  <a:schemeClr val="bg1">
+                    <a:lumMod val="50000"/>
+                  </a:schemeClr>
+                </a:solidFill>
+              </a:ln>
+            </p:spPr>
+            <p:style>
+              <a:lnRef idx="2">
+                <a:schemeClr val="accent1">
+                  <a:shade val="50000"/>
+                </a:schemeClr>
+              </a:lnRef>
+              <a:fillRef idx="1">
+                <a:schemeClr val="accent1"/>
+              </a:fillRef>
+              <a:effectRef idx="0">
+                <a:schemeClr val="accent1"/>
+              </a:effectRef>
+              <a:fontRef idx="minor">
+                <a:schemeClr val="lt1"/>
+              </a:fontRef>
+            </p:style>
+            <p:txBody>
+              <a:bodyPr rtlCol="0" anchor="ctr"/>
+              <a:lstStyle/>
+              <a:p>
+                <a:pPr algn="ctr"/>
+                <a:endParaRPr lang="en-US" sz="1100">
+                  <a:latin typeface="Arial" panose="020B0604020202020204" pitchFamily="34" charset="0"/>
+                  <a:cs typeface="Arial" panose="020B0604020202020204" pitchFamily="34" charset="0"/>
+                </a:endParaRPr>
+              </a:p>
+            </p:txBody>
+          </p:sp>
+          <p:sp>
+            <p:nvSpPr>
+              <p:cNvPr id="243" name="Rectangle 242">
+                <a:extLst>
+                  <a:ext uri="{FF2B5EF4-FFF2-40B4-BE49-F238E27FC236}">
+                    <a16:creationId xmlns:a16="http://schemas.microsoft.com/office/drawing/2014/main" id="{A31F3348-0AFD-1447-B82A-042304A89C23}"/>
+                  </a:ext>
+                </a:extLst>
+              </p:cNvPr>
+              <p:cNvSpPr/>
+              <p:nvPr/>
+            </p:nvSpPr>
+            <p:spPr>
+              <a:xfrm>
+                <a:off x="4664464" y="1686665"/>
+                <a:ext cx="139921" cy="4860000"/>
+              </a:xfrm>
+              <a:prstGeom prst="rect">
+                <a:avLst/>
+              </a:prstGeom>
+              <a:solidFill>
+                <a:schemeClr val="bg1"/>
+              </a:solidFill>
+              <a:ln>
+                <a:solidFill>
+                  <a:schemeClr val="accent4">
+                    <a:lumMod val="50000"/>
+                  </a:schemeClr>
+                </a:solidFill>
+              </a:ln>
+            </p:spPr>
+            <p:style>
+              <a:lnRef idx="2">
+                <a:schemeClr val="accent1">
+                  <a:shade val="50000"/>
+                </a:schemeClr>
+              </a:lnRef>
+              <a:fillRef idx="1">
+                <a:schemeClr val="accent1"/>
+              </a:fillRef>
+              <a:effectRef idx="0">
+                <a:schemeClr val="accent1"/>
+              </a:effectRef>
+              <a:fontRef idx="minor">
+                <a:schemeClr val="lt1"/>
+              </a:fontRef>
+            </p:style>
+            <p:txBody>
+              <a:bodyPr rtlCol="0" anchor="ctr"/>
+              <a:lstStyle/>
+              <a:p>
+                <a:pPr algn="ctr"/>
+                <a:endParaRPr lang="en-US" sz="1100">
+                  <a:latin typeface="Arial" panose="020B0604020202020204" pitchFamily="34" charset="0"/>
+                  <a:cs typeface="Arial" panose="020B0604020202020204" pitchFamily="34" charset="0"/>
+                </a:endParaRPr>
+              </a:p>
+            </p:txBody>
+          </p:sp>
+          <p:sp>
+            <p:nvSpPr>
+              <p:cNvPr id="244" name="Rectangle 243">
+                <a:extLst>
+                  <a:ext uri="{FF2B5EF4-FFF2-40B4-BE49-F238E27FC236}">
+                    <a16:creationId xmlns:a16="http://schemas.microsoft.com/office/drawing/2014/main" id="{6A0D19A7-A284-E749-9848-87A594FB3FEB}"/>
+                  </a:ext>
+                </a:extLst>
+              </p:cNvPr>
+              <p:cNvSpPr/>
+              <p:nvPr/>
+            </p:nvSpPr>
+            <p:spPr>
+              <a:xfrm>
+                <a:off x="4754672" y="1831531"/>
+                <a:ext cx="126712" cy="386205"/>
+              </a:xfrm>
+              <a:prstGeom prst="rect">
+                <a:avLst/>
+              </a:prstGeom>
+              <a:solidFill>
+                <a:schemeClr val="accent4">
+                  <a:lumMod val="75000"/>
+                </a:schemeClr>
+              </a:solidFill>
+              <a:ln>
+                <a:solidFill>
+                  <a:schemeClr val="accent4">
+                    <a:lumMod val="75000"/>
+                  </a:schemeClr>
+                </a:solidFill>
+              </a:ln>
+            </p:spPr>
+            <p:style>
+              <a:lnRef idx="2">
+                <a:schemeClr val="accent1">
+                  <a:shade val="50000"/>
+                </a:schemeClr>
+              </a:lnRef>
+              <a:fillRef idx="1">
+                <a:schemeClr val="accent1"/>
+              </a:fillRef>
+              <a:effectRef idx="0">
+                <a:schemeClr val="accent1"/>
+              </a:effectRef>
+              <a:fontRef idx="minor">
+                <a:schemeClr val="lt1"/>
+              </a:fontRef>
+            </p:style>
+            <p:txBody>
+              <a:bodyPr rtlCol="0" anchor="ctr"/>
+              <a:lstStyle/>
+              <a:p>
+                <a:pPr algn="ctr"/>
+                <a:endParaRPr lang="en-US" sz="1100">
+                  <a:latin typeface="Arial" panose="020B0604020202020204" pitchFamily="34" charset="0"/>
+                  <a:cs typeface="Arial" panose="020B0604020202020204" pitchFamily="34" charset="0"/>
+                </a:endParaRPr>
+              </a:p>
+            </p:txBody>
+          </p:sp>
+          <p:sp>
+            <p:nvSpPr>
+              <p:cNvPr id="245" name="Rectangle 244">
+                <a:extLst>
+                  <a:ext uri="{FF2B5EF4-FFF2-40B4-BE49-F238E27FC236}">
+                    <a16:creationId xmlns:a16="http://schemas.microsoft.com/office/drawing/2014/main" id="{D1A97447-710F-264C-942A-D585E922468E}"/>
+                  </a:ext>
+                </a:extLst>
+              </p:cNvPr>
+              <p:cNvSpPr/>
+              <p:nvPr/>
+            </p:nvSpPr>
+            <p:spPr>
+              <a:xfrm>
+                <a:off x="4754650" y="2545959"/>
+                <a:ext cx="122826" cy="405746"/>
+              </a:xfrm>
+              <a:prstGeom prst="rect">
+                <a:avLst/>
+              </a:prstGeom>
+              <a:solidFill>
+                <a:schemeClr val="accent4">
+                  <a:lumMod val="75000"/>
+                </a:schemeClr>
+              </a:solidFill>
+              <a:ln>
+                <a:solidFill>
+                  <a:schemeClr val="accent4">
+                    <a:lumMod val="75000"/>
+                  </a:schemeClr>
+                </a:solidFill>
+              </a:ln>
+            </p:spPr>
+            <p:style>
+              <a:lnRef idx="2">
+                <a:schemeClr val="accent1">
+                  <a:shade val="50000"/>
+                </a:schemeClr>
+              </a:lnRef>
+              <a:fillRef idx="1">
+                <a:schemeClr val="accent1"/>
+              </a:fillRef>
+              <a:effectRef idx="0">
+                <a:schemeClr val="accent1"/>
+              </a:effectRef>
+              <a:fontRef idx="minor">
+                <a:schemeClr val="lt1"/>
+              </a:fontRef>
+            </p:style>
+            <p:txBody>
+              <a:bodyPr rtlCol="0" anchor="ctr"/>
+              <a:lstStyle/>
+              <a:p>
+                <a:pPr algn="ctr"/>
+                <a:endParaRPr lang="en-US" sz="1100">
+                  <a:latin typeface="Arial" panose="020B0604020202020204" pitchFamily="34" charset="0"/>
+                  <a:cs typeface="Arial" panose="020B0604020202020204" pitchFamily="34" charset="0"/>
+                </a:endParaRPr>
+              </a:p>
+            </p:txBody>
+          </p:sp>
+          <p:sp>
+            <p:nvSpPr>
+              <p:cNvPr id="246" name="Rectangle 245">
+                <a:extLst>
+                  <a:ext uri="{FF2B5EF4-FFF2-40B4-BE49-F238E27FC236}">
+                    <a16:creationId xmlns:a16="http://schemas.microsoft.com/office/drawing/2014/main" id="{77F85E60-1426-C040-9E1B-3BFA13E01FAF}"/>
+                  </a:ext>
+                </a:extLst>
+              </p:cNvPr>
+              <p:cNvSpPr/>
+              <p:nvPr/>
+            </p:nvSpPr>
+            <p:spPr>
+              <a:xfrm>
+                <a:off x="4745030" y="3251893"/>
+                <a:ext cx="122826" cy="405746"/>
+              </a:xfrm>
+              <a:prstGeom prst="rect">
+                <a:avLst/>
+              </a:prstGeom>
+              <a:solidFill>
+                <a:schemeClr val="accent4">
+                  <a:lumMod val="75000"/>
+                </a:schemeClr>
+              </a:solidFill>
+              <a:ln>
+                <a:solidFill>
+                  <a:schemeClr val="accent4">
+                    <a:lumMod val="75000"/>
+                  </a:schemeClr>
+                </a:solidFill>
+              </a:ln>
+            </p:spPr>
+            <p:style>
+              <a:lnRef idx="2">
+                <a:schemeClr val="accent1">
+                  <a:shade val="50000"/>
+                </a:schemeClr>
+              </a:lnRef>
+              <a:fillRef idx="1">
+                <a:schemeClr val="accent1"/>
+              </a:fillRef>
+              <a:effectRef idx="0">
+                <a:schemeClr val="accent1"/>
+              </a:effectRef>
+              <a:fontRef idx="minor">
+                <a:schemeClr val="lt1"/>
+              </a:fontRef>
+            </p:style>
+            <p:txBody>
+              <a:bodyPr rtlCol="0" anchor="ctr"/>
+              <a:lstStyle/>
+              <a:p>
+                <a:pPr algn="ctr"/>
+                <a:endParaRPr lang="en-US" sz="1100">
+                  <a:latin typeface="Arial" panose="020B0604020202020204" pitchFamily="34" charset="0"/>
+                  <a:cs typeface="Arial" panose="020B0604020202020204" pitchFamily="34" charset="0"/>
+                </a:endParaRPr>
+              </a:p>
+            </p:txBody>
+          </p:sp>
+          <p:sp>
+            <p:nvSpPr>
+              <p:cNvPr id="247" name="Rectangle 246">
+                <a:extLst>
+                  <a:ext uri="{FF2B5EF4-FFF2-40B4-BE49-F238E27FC236}">
+                    <a16:creationId xmlns:a16="http://schemas.microsoft.com/office/drawing/2014/main" id="{BD4A32FE-F422-A843-890D-411EC057B5FC}"/>
+                  </a:ext>
+                </a:extLst>
+              </p:cNvPr>
+              <p:cNvSpPr/>
+              <p:nvPr/>
+            </p:nvSpPr>
+            <p:spPr>
+              <a:xfrm>
+                <a:off x="4745030" y="4018921"/>
+                <a:ext cx="116881" cy="369203"/>
+              </a:xfrm>
+              <a:prstGeom prst="rect">
+                <a:avLst/>
+              </a:prstGeom>
+              <a:solidFill>
+                <a:schemeClr val="accent4">
+                  <a:lumMod val="75000"/>
+                </a:schemeClr>
+              </a:solidFill>
+              <a:ln>
+                <a:solidFill>
+                  <a:schemeClr val="accent4">
+                    <a:lumMod val="75000"/>
+                  </a:schemeClr>
+                </a:solidFill>
+              </a:ln>
+            </p:spPr>
+            <p:style>
+              <a:lnRef idx="2">
+                <a:schemeClr val="accent1">
+                  <a:shade val="50000"/>
+                </a:schemeClr>
+              </a:lnRef>
+              <a:fillRef idx="1">
+                <a:schemeClr val="accent1"/>
+              </a:fillRef>
+              <a:effectRef idx="0">
+                <a:schemeClr val="accent1"/>
+              </a:effectRef>
+              <a:fontRef idx="minor">
+                <a:schemeClr val="lt1"/>
+              </a:fontRef>
+            </p:style>
+            <p:txBody>
+              <a:bodyPr rtlCol="0" anchor="ctr"/>
+              <a:lstStyle/>
+              <a:p>
+                <a:pPr algn="ctr"/>
+                <a:endParaRPr lang="en-US" sz="1100">
+                  <a:latin typeface="Arial" panose="020B0604020202020204" pitchFamily="34" charset="0"/>
+                  <a:cs typeface="Arial" panose="020B0604020202020204" pitchFamily="34" charset="0"/>
+                </a:endParaRPr>
+              </a:p>
+            </p:txBody>
+          </p:sp>
+          <p:sp>
+            <p:nvSpPr>
+              <p:cNvPr id="248" name="Rectangle 247">
+                <a:extLst>
+                  <a:ext uri="{FF2B5EF4-FFF2-40B4-BE49-F238E27FC236}">
+                    <a16:creationId xmlns:a16="http://schemas.microsoft.com/office/drawing/2014/main" id="{D2606749-8200-C642-8A92-1CD5B69483D9}"/>
+                  </a:ext>
+                </a:extLst>
+              </p:cNvPr>
+              <p:cNvSpPr/>
+              <p:nvPr/>
+            </p:nvSpPr>
+            <p:spPr>
+              <a:xfrm flipH="1">
+                <a:off x="8080819" y="4534780"/>
+                <a:ext cx="131132" cy="261610"/>
+              </a:xfrm>
+              <a:prstGeom prst="rect">
+                <a:avLst/>
+              </a:prstGeom>
+              <a:solidFill>
+                <a:schemeClr val="accent2"/>
+              </a:solidFill>
+              <a:ln>
+                <a:solidFill>
+                  <a:schemeClr val="accent2"/>
+                </a:solidFill>
+              </a:ln>
+            </p:spPr>
+            <p:style>
+              <a:lnRef idx="2">
+                <a:schemeClr val="accent1">
+                  <a:shade val="50000"/>
+                </a:schemeClr>
+              </a:lnRef>
+              <a:fillRef idx="1">
+                <a:schemeClr val="accent1"/>
+              </a:fillRef>
+              <a:effectRef idx="0">
+                <a:schemeClr val="accent1"/>
+              </a:effectRef>
+              <a:fontRef idx="minor">
+                <a:schemeClr val="lt1"/>
+              </a:fontRef>
+            </p:style>
+            <p:txBody>
+              <a:bodyPr rtlCol="0" anchor="ctr"/>
+              <a:lstStyle/>
+              <a:p>
+                <a:pPr algn="ctr"/>
+                <a:endParaRPr lang="en-US" sz="1100">
+                  <a:latin typeface="Arial" panose="020B0604020202020204" pitchFamily="34" charset="0"/>
+                  <a:cs typeface="Arial" panose="020B0604020202020204" pitchFamily="34" charset="0"/>
+                </a:endParaRPr>
+              </a:p>
+            </p:txBody>
+          </p:sp>
+          <p:sp>
+            <p:nvSpPr>
+              <p:cNvPr id="249" name="Rectangle 248">
+                <a:extLst>
+                  <a:ext uri="{FF2B5EF4-FFF2-40B4-BE49-F238E27FC236}">
+                    <a16:creationId xmlns:a16="http://schemas.microsoft.com/office/drawing/2014/main" id="{E1A1713E-3629-3849-A12A-20874D97BF3D}"/>
+                  </a:ext>
+                </a:extLst>
+              </p:cNvPr>
+              <p:cNvSpPr/>
+              <p:nvPr/>
+            </p:nvSpPr>
+            <p:spPr>
+              <a:xfrm flipH="1">
+                <a:off x="8080818" y="5083829"/>
+                <a:ext cx="131132" cy="261610"/>
+              </a:xfrm>
+              <a:prstGeom prst="rect">
+                <a:avLst/>
+              </a:prstGeom>
+              <a:solidFill>
+                <a:schemeClr val="accent2"/>
+              </a:solidFill>
+              <a:ln>
+                <a:solidFill>
+                  <a:schemeClr val="accent2"/>
+                </a:solidFill>
+              </a:ln>
+            </p:spPr>
+            <p:style>
+              <a:lnRef idx="2">
+                <a:schemeClr val="accent1">
+                  <a:shade val="50000"/>
+                </a:schemeClr>
+              </a:lnRef>
+              <a:fillRef idx="1">
+                <a:schemeClr val="accent1"/>
+              </a:fillRef>
+              <a:effectRef idx="0">
+                <a:schemeClr val="accent1"/>
+              </a:effectRef>
+              <a:fontRef idx="minor">
+                <a:schemeClr val="lt1"/>
+              </a:fontRef>
+            </p:style>
+            <p:txBody>
+              <a:bodyPr rtlCol="0" anchor="ctr"/>
+              <a:lstStyle/>
+              <a:p>
+                <a:pPr algn="ctr"/>
+                <a:endParaRPr lang="en-US" sz="1100">
+                  <a:latin typeface="Arial" panose="020B0604020202020204" pitchFamily="34" charset="0"/>
+                  <a:cs typeface="Arial" panose="020B0604020202020204" pitchFamily="34" charset="0"/>
+                </a:endParaRPr>
+              </a:p>
+            </p:txBody>
+          </p:sp>
+          <p:cxnSp>
+            <p:nvCxnSpPr>
+              <p:cNvPr id="250" name="Straight Connector 249">
+                <a:extLst>
+                  <a:ext uri="{FF2B5EF4-FFF2-40B4-BE49-F238E27FC236}">
+                    <a16:creationId xmlns:a16="http://schemas.microsoft.com/office/drawing/2014/main" id="{E2C832F5-5D43-A443-84E8-03E4E8316F01}"/>
+                  </a:ext>
+                </a:extLst>
+              </p:cNvPr>
+              <p:cNvCxnSpPr>
+                <a:cxnSpLocks/>
+                <a:stCxn id="201" idx="2"/>
+                <a:endCxn id="242" idx="0"/>
+              </p:cNvCxnSpPr>
+              <p:nvPr/>
+            </p:nvCxnSpPr>
+            <p:spPr>
+              <a:xfrm flipH="1">
+                <a:off x="2352430" y="326925"/>
+                <a:ext cx="1029" cy="284184"/>
+              </a:xfrm>
+              <a:prstGeom prst="line">
+                <a:avLst/>
+              </a:prstGeom>
+              <a:ln>
+                <a:solidFill>
+                  <a:schemeClr val="bg1">
+                    <a:lumMod val="50000"/>
+                  </a:schemeClr>
+                </a:solidFill>
+                <a:prstDash val="sysDash"/>
+              </a:ln>
+            </p:spPr>
+            <p:style>
+              <a:lnRef idx="1">
+                <a:schemeClr val="accent1"/>
+              </a:lnRef>
+              <a:fillRef idx="0">
+                <a:schemeClr val="accent1"/>
+              </a:fillRef>
+              <a:effectRef idx="0">
+                <a:schemeClr val="accent1"/>
+              </a:effectRef>
+              <a:fontRef idx="minor">
+                <a:schemeClr val="tx1"/>
+              </a:fontRef>
+            </p:style>
+          </p:cxnSp>
+          <p:sp>
+            <p:nvSpPr>
+              <p:cNvPr id="251" name="Rectangle 250">
+                <a:extLst>
+                  <a:ext uri="{FF2B5EF4-FFF2-40B4-BE49-F238E27FC236}">
+                    <a16:creationId xmlns:a16="http://schemas.microsoft.com/office/drawing/2014/main" id="{EB8384D9-68C7-394C-934E-3DB2353AAA29}"/>
+                  </a:ext>
+                </a:extLst>
+              </p:cNvPr>
+              <p:cNvSpPr/>
+              <p:nvPr/>
+            </p:nvSpPr>
+            <p:spPr>
+              <a:xfrm flipH="1">
+                <a:off x="8008742" y="4379809"/>
+                <a:ext cx="128734" cy="1944000"/>
+              </a:xfrm>
+              <a:prstGeom prst="rect">
+                <a:avLst/>
+              </a:prstGeom>
+              <a:solidFill>
+                <a:schemeClr val="bg1"/>
+              </a:solidFill>
+              <a:ln>
+                <a:solidFill>
+                  <a:schemeClr val="accent2"/>
+                </a:solidFill>
+              </a:ln>
+            </p:spPr>
+            <p:style>
+              <a:lnRef idx="2">
+                <a:schemeClr val="accent1">
+                  <a:shade val="50000"/>
+                </a:schemeClr>
+              </a:lnRef>
+              <a:fillRef idx="1">
+                <a:schemeClr val="accent1"/>
+              </a:fillRef>
+              <a:effectRef idx="0">
+                <a:schemeClr val="accent1"/>
+              </a:effectRef>
+              <a:fontRef idx="minor">
+                <a:schemeClr val="lt1"/>
+              </a:fontRef>
+            </p:style>
+            <p:txBody>
+              <a:bodyPr rtlCol="0" anchor="ctr"/>
+              <a:lstStyle/>
+              <a:p>
+                <a:pPr algn="ctr"/>
+                <a:endParaRPr lang="en-US" sz="1100">
+                  <a:latin typeface="Arial" panose="020B0604020202020204" pitchFamily="34" charset="0"/>
+                  <a:cs typeface="Arial" panose="020B0604020202020204" pitchFamily="34" charset="0"/>
+                </a:endParaRPr>
+              </a:p>
+            </p:txBody>
+          </p:sp>
+          <p:cxnSp>
+            <p:nvCxnSpPr>
+              <p:cNvPr id="252" name="Straight Arrow Connector 251">
+                <a:extLst>
+                  <a:ext uri="{FF2B5EF4-FFF2-40B4-BE49-F238E27FC236}">
+                    <a16:creationId xmlns:a16="http://schemas.microsoft.com/office/drawing/2014/main" id="{F7EF651E-9751-3B42-841E-AC2B854AB18D}"/>
+                  </a:ext>
+                </a:extLst>
+              </p:cNvPr>
+              <p:cNvCxnSpPr>
+                <a:cxnSpLocks/>
+                <a:stCxn id="251" idx="2"/>
+              </p:cNvCxnSpPr>
+              <p:nvPr/>
+            </p:nvCxnSpPr>
+            <p:spPr>
+              <a:xfrm flipH="1">
+                <a:off x="4793140" y="6323809"/>
+                <a:ext cx="3279969" cy="0"/>
+              </a:xfrm>
+              <a:prstGeom prst="straightConnector1">
+                <a:avLst/>
+              </a:prstGeom>
+              <a:ln>
+                <a:solidFill>
+                  <a:schemeClr val="accent4">
+                    <a:lumMod val="50000"/>
+                  </a:schemeClr>
+                </a:solidFill>
+                <a:prstDash val="sysDash"/>
+                <a:tailEnd type="triangle"/>
+              </a:ln>
+            </p:spPr>
+            <p:style>
+              <a:lnRef idx="1">
+                <a:schemeClr val="accent1"/>
+              </a:lnRef>
+              <a:fillRef idx="0">
+                <a:schemeClr val="accent1"/>
+              </a:fillRef>
+              <a:effectRef idx="0">
+                <a:schemeClr val="accent1"/>
+              </a:effectRef>
+              <a:fontRef idx="minor">
+                <a:schemeClr val="tx1"/>
+              </a:fontRef>
+            </p:style>
+          </p:cxnSp>
+          <p:cxnSp>
+            <p:nvCxnSpPr>
+              <p:cNvPr id="253" name="Straight Arrow Connector 252">
+                <a:extLst>
+                  <a:ext uri="{FF2B5EF4-FFF2-40B4-BE49-F238E27FC236}">
+                    <a16:creationId xmlns:a16="http://schemas.microsoft.com/office/drawing/2014/main" id="{FF8FDFDA-1983-3249-83C1-5E6C1157C3EA}"/>
+                  </a:ext>
+                </a:extLst>
+              </p:cNvPr>
+              <p:cNvCxnSpPr>
+                <a:stCxn id="243" idx="2"/>
+              </p:cNvCxnSpPr>
+              <p:nvPr/>
+            </p:nvCxnSpPr>
+            <p:spPr>
+              <a:xfrm flipH="1">
+                <a:off x="2423507" y="6546665"/>
+                <a:ext cx="2310918" cy="0"/>
+              </a:xfrm>
+              <a:prstGeom prst="straightConnector1">
+                <a:avLst/>
+              </a:prstGeom>
+              <a:ln>
+                <a:solidFill>
+                  <a:schemeClr val="bg1">
+                    <a:lumMod val="50000"/>
+                  </a:schemeClr>
+                </a:solidFill>
+                <a:prstDash val="sysDash"/>
+                <a:tailEnd type="triangle"/>
+              </a:ln>
+            </p:spPr>
+            <p:style>
+              <a:lnRef idx="1">
+                <a:schemeClr val="accent1"/>
+              </a:lnRef>
+              <a:fillRef idx="0">
+                <a:schemeClr val="accent1"/>
+              </a:fillRef>
+              <a:effectRef idx="0">
+                <a:schemeClr val="accent1"/>
+              </a:effectRef>
+              <a:fontRef idx="minor">
+                <a:schemeClr val="tx1"/>
+              </a:fontRef>
+            </p:style>
+          </p:cxnSp>
+          <p:cxnSp>
+            <p:nvCxnSpPr>
+              <p:cNvPr id="255" name="Straight Connector 254">
+                <a:extLst>
+                  <a:ext uri="{FF2B5EF4-FFF2-40B4-BE49-F238E27FC236}">
+                    <a16:creationId xmlns:a16="http://schemas.microsoft.com/office/drawing/2014/main" id="{6D7AED96-F385-1047-883B-BD6D730DCA82}"/>
+                  </a:ext>
+                </a:extLst>
+              </p:cNvPr>
+              <p:cNvCxnSpPr>
+                <a:cxnSpLocks/>
+                <a:stCxn id="243" idx="2"/>
+              </p:cNvCxnSpPr>
+              <p:nvPr/>
+            </p:nvCxnSpPr>
+            <p:spPr>
+              <a:xfrm flipH="1">
+                <a:off x="4732933" y="6546665"/>
+                <a:ext cx="1492" cy="214072"/>
+              </a:xfrm>
+              <a:prstGeom prst="line">
+                <a:avLst/>
+              </a:prstGeom>
+              <a:ln>
+                <a:solidFill>
+                  <a:schemeClr val="accent4">
+                    <a:lumMod val="50000"/>
+                  </a:schemeClr>
+                </a:solidFill>
+                <a:prstDash val="sysDash"/>
+              </a:ln>
+            </p:spPr>
+            <p:style>
+              <a:lnRef idx="1">
+                <a:schemeClr val="accent1"/>
+              </a:lnRef>
+              <a:fillRef idx="0">
+                <a:schemeClr val="accent1"/>
+              </a:fillRef>
+              <a:effectRef idx="0">
+                <a:schemeClr val="accent1"/>
+              </a:effectRef>
+              <a:fontRef idx="minor">
+                <a:schemeClr val="tx1"/>
+              </a:fontRef>
+            </p:style>
+          </p:cxnSp>
+          <p:cxnSp>
+            <p:nvCxnSpPr>
+              <p:cNvPr id="256" name="Straight Connector 255">
+                <a:extLst>
+                  <a:ext uri="{FF2B5EF4-FFF2-40B4-BE49-F238E27FC236}">
+                    <a16:creationId xmlns:a16="http://schemas.microsoft.com/office/drawing/2014/main" id="{0727EFE1-06F8-D14B-80C2-2DCB98CA16E1}"/>
+                  </a:ext>
+                </a:extLst>
+              </p:cNvPr>
+              <p:cNvCxnSpPr>
+                <a:stCxn id="251" idx="2"/>
+              </p:cNvCxnSpPr>
+              <p:nvPr/>
+            </p:nvCxnSpPr>
+            <p:spPr>
+              <a:xfrm>
+                <a:off x="8073109" y="6323809"/>
+                <a:ext cx="0" cy="492626"/>
+              </a:xfrm>
+              <a:prstGeom prst="line">
+                <a:avLst/>
+              </a:prstGeom>
+              <a:ln>
+                <a:solidFill>
+                  <a:schemeClr val="accent2"/>
+                </a:solidFill>
+                <a:prstDash val="sysDash"/>
+              </a:ln>
+            </p:spPr>
+            <p:style>
+              <a:lnRef idx="1">
+                <a:schemeClr val="accent1"/>
+              </a:lnRef>
+              <a:fillRef idx="0">
+                <a:schemeClr val="accent1"/>
+              </a:fillRef>
+              <a:effectRef idx="0">
+                <a:schemeClr val="accent1"/>
+              </a:effectRef>
+              <a:fontRef idx="minor">
+                <a:schemeClr val="tx1"/>
+              </a:fontRef>
+            </p:style>
+          </p:cxnSp>
+          <p:sp>
+            <p:nvSpPr>
+              <p:cNvPr id="257" name="TextBox 256">
+                <a:extLst>
+                  <a:ext uri="{FF2B5EF4-FFF2-40B4-BE49-F238E27FC236}">
+                    <a16:creationId xmlns:a16="http://schemas.microsoft.com/office/drawing/2014/main" id="{E20EF8A0-BD36-D54A-AFB8-0BAE6B56D351}"/>
+                  </a:ext>
+                </a:extLst>
+              </p:cNvPr>
+              <p:cNvSpPr txBox="1"/>
+              <p:nvPr/>
+            </p:nvSpPr>
+            <p:spPr>
+              <a:xfrm>
+                <a:off x="3241276" y="6350077"/>
+                <a:ext cx="522900" cy="261610"/>
+              </a:xfrm>
+              <a:prstGeom prst="rect">
+                <a:avLst/>
+              </a:prstGeom>
+              <a:noFill/>
+            </p:spPr>
+            <p:txBody>
+              <a:bodyPr wrap="none" rtlCol="0">
+                <a:spAutoFit/>
+              </a:bodyPr>
+              <a:lstStyle/>
+              <a:p>
+                <a:r>
+                  <a:rPr lang="en-US" sz="1100" dirty="0">
+                    <a:latin typeface="Arial" panose="020B0604020202020204" pitchFamily="34" charset="0"/>
+                    <a:cs typeface="Arial" panose="020B0604020202020204" pitchFamily="34" charset="0"/>
+                  </a:rPr>
+                  <a:t>isExit</a:t>
+                </a:r>
+              </a:p>
+            </p:txBody>
+          </p:sp>
+          <p:sp>
+            <p:nvSpPr>
+              <p:cNvPr id="241" name="Rectangle 240">
+                <a:extLst>
+                  <a:ext uri="{FF2B5EF4-FFF2-40B4-BE49-F238E27FC236}">
+                    <a16:creationId xmlns:a16="http://schemas.microsoft.com/office/drawing/2014/main" id="{A89975BB-9B09-0046-A4B5-BD764C43699E}"/>
+                  </a:ext>
+                </a:extLst>
+              </p:cNvPr>
+              <p:cNvSpPr/>
+              <p:nvPr/>
+            </p:nvSpPr>
+            <p:spPr>
+              <a:xfrm>
+                <a:off x="1568411" y="401450"/>
+                <a:ext cx="8625431" cy="6195633"/>
+              </a:xfrm>
+              <a:prstGeom prst="rect">
+                <a:avLst/>
+              </a:prstGeom>
+              <a:noFill/>
+              <a:ln>
+                <a:solidFill>
+                  <a:schemeClr val="tx1">
+                    <a:lumMod val="50000"/>
+                    <a:lumOff val="50000"/>
+                  </a:schemeClr>
+                </a:solidFill>
+              </a:ln>
+            </p:spPr>
+            <p:style>
+              <a:lnRef idx="2">
+                <a:schemeClr val="accent1">
+                  <a:shade val="50000"/>
+                </a:schemeClr>
+              </a:lnRef>
+              <a:fillRef idx="1">
+                <a:schemeClr val="accent1"/>
+              </a:fillRef>
+              <a:effectRef idx="0">
+                <a:schemeClr val="accent1"/>
+              </a:effectRef>
+              <a:fontRef idx="minor">
+                <a:schemeClr val="lt1"/>
+              </a:fontRef>
+            </p:style>
+            <p:txBody>
+              <a:bodyPr rtlCol="0" anchor="ctr"/>
+              <a:lstStyle/>
+              <a:p>
+                <a:pPr algn="ctr"/>
+                <a:endParaRPr lang="en-US"/>
+              </a:p>
+            </p:txBody>
+          </p:sp>
+        </p:grpSp>
         <p:cxnSp>
           <p:nvCxnSpPr>
-            <p:cNvPr id="19" name="Elbow Connector 18">
+            <p:cNvPr id="194" name="Straight Arrow Connector 193">
               <a:extLst>
                 <a:ext uri="{FF2B5EF4-FFF2-40B4-BE49-F238E27FC236}">
-                  <a16:creationId xmlns:a16="http://schemas.microsoft.com/office/drawing/2014/main" id="{1A57EEDE-E418-0340-AEA2-D59B0384A1D3}"/>
-                </a:ext>
-              </a:extLst>
-            </p:cNvPr>
-            <p:cNvCxnSpPr>
-              <a:cxnSpLocks/>
-            </p:cNvCxnSpPr>
-            <p:nvPr/>
-          </p:nvCxnSpPr>
-          <p:spPr>
-            <a:xfrm rot="10800000">
-              <a:off x="4797072" y="1444652"/>
-              <a:ext cx="3227467" cy="1848"/>
-            </a:xfrm>
-            <a:prstGeom prst="bentConnector3">
-              <a:avLst>
-                <a:gd name="adj1" fmla="val 50000"/>
-              </a:avLst>
-            </a:prstGeom>
-            <a:ln>
-              <a:solidFill>
-                <a:schemeClr val="accent4"/>
-              </a:solidFill>
-              <a:prstDash val="dash"/>
-              <a:headEnd type="none"/>
-              <a:tailEnd type="triangle"/>
-            </a:ln>
-          </p:spPr>
-          <p:style>
-            <a:lnRef idx="1">
-              <a:schemeClr val="accent1"/>
-            </a:lnRef>
-            <a:fillRef idx="0">
-              <a:schemeClr val="accent1"/>
-            </a:fillRef>
-            <a:effectRef idx="0">
-              <a:schemeClr val="accent1"/>
-            </a:effectRef>
-            <a:fontRef idx="minor">
-              <a:schemeClr val="tx1"/>
-            </a:fontRef>
-          </p:style>
-        </p:cxnSp>
-        <p:cxnSp>
-          <p:nvCxnSpPr>
-            <p:cNvPr id="20" name="Straight Arrow Connector 19">
-              <a:extLst>
-                <a:ext uri="{FF2B5EF4-FFF2-40B4-BE49-F238E27FC236}">
-                  <a16:creationId xmlns:a16="http://schemas.microsoft.com/office/drawing/2014/main" id="{41F2F2F1-9FA4-E04C-BD0C-CBC078445875}"/>
-                </a:ext>
-              </a:extLst>
-            </p:cNvPr>
-            <p:cNvCxnSpPr>
-              <a:cxnSpLocks/>
-              <a:stCxn id="21" idx="2"/>
-            </p:cNvCxnSpPr>
-            <p:nvPr/>
-          </p:nvCxnSpPr>
-          <p:spPr>
-            <a:xfrm flipH="1">
-              <a:off x="2416907" y="1459526"/>
-              <a:ext cx="2312358" cy="24840"/>
-            </a:xfrm>
-            <a:prstGeom prst="straightConnector1">
-              <a:avLst/>
-            </a:prstGeom>
-            <a:ln>
-              <a:solidFill>
-                <a:schemeClr val="bg2">
-                  <a:lumMod val="90000"/>
-                </a:schemeClr>
-              </a:solidFill>
-              <a:prstDash val="dash"/>
-              <a:tailEnd type="triangle"/>
-            </a:ln>
-          </p:spPr>
-          <p:style>
-            <a:lnRef idx="1">
-              <a:schemeClr val="accent1"/>
-            </a:lnRef>
-            <a:fillRef idx="0">
-              <a:schemeClr val="accent1"/>
-            </a:fillRef>
-            <a:effectRef idx="0">
-              <a:schemeClr val="accent1"/>
-            </a:effectRef>
-            <a:fontRef idx="minor">
-              <a:schemeClr val="tx1"/>
-            </a:fontRef>
-          </p:style>
-        </p:cxnSp>
-        <p:sp>
-          <p:nvSpPr>
-            <p:cNvPr id="21" name="Rectangle 20">
-              <a:extLst>
-                <a:ext uri="{FF2B5EF4-FFF2-40B4-BE49-F238E27FC236}">
-                  <a16:creationId xmlns:a16="http://schemas.microsoft.com/office/drawing/2014/main" id="{E4EB848A-9D09-E448-9981-B0FDC129788B}"/>
-                </a:ext>
-              </a:extLst>
-            </p:cNvPr>
-            <p:cNvSpPr/>
-            <p:nvPr/>
-          </p:nvSpPr>
-          <p:spPr>
-            <a:xfrm>
-              <a:off x="4664465" y="804979"/>
-              <a:ext cx="129600" cy="654547"/>
-            </a:xfrm>
-            <a:prstGeom prst="rect">
-              <a:avLst/>
-            </a:prstGeom>
-            <a:solidFill>
-              <a:schemeClr val="bg1"/>
-            </a:solidFill>
-            <a:ln>
-              <a:solidFill>
-                <a:schemeClr val="accent4"/>
-              </a:solidFill>
-            </a:ln>
-          </p:spPr>
-          <p:style>
-            <a:lnRef idx="2">
-              <a:schemeClr val="accent1">
-                <a:shade val="50000"/>
-              </a:schemeClr>
-            </a:lnRef>
-            <a:fillRef idx="1">
-              <a:schemeClr val="accent1"/>
-            </a:fillRef>
-            <a:effectRef idx="0">
-              <a:schemeClr val="accent1"/>
-            </a:effectRef>
-            <a:fontRef idx="minor">
-              <a:schemeClr val="lt1"/>
-            </a:fontRef>
-          </p:style>
-          <p:txBody>
-            <a:bodyPr rtlCol="0" anchor="ctr"/>
-            <a:lstStyle/>
-            <a:p>
-              <a:pPr algn="ctr"/>
-              <a:endParaRPr lang="en-US" sz="1100">
-                <a:latin typeface="Arial" panose="020B0604020202020204" pitchFamily="34" charset="0"/>
-                <a:cs typeface="Arial" panose="020B0604020202020204" pitchFamily="34" charset="0"/>
-              </a:endParaRPr>
-            </a:p>
-          </p:txBody>
-        </p:sp>
-        <p:cxnSp>
-          <p:nvCxnSpPr>
-            <p:cNvPr id="22" name="Straight Connector 21">
-              <a:extLst>
-                <a:ext uri="{FF2B5EF4-FFF2-40B4-BE49-F238E27FC236}">
-                  <a16:creationId xmlns:a16="http://schemas.microsoft.com/office/drawing/2014/main" id="{3082CD4F-55A2-D941-B977-B1A9DDCE6695}"/>
-                </a:ext>
-              </a:extLst>
-            </p:cNvPr>
-            <p:cNvCxnSpPr>
-              <a:cxnSpLocks/>
-              <a:stCxn id="21" idx="2"/>
-              <a:endCxn id="54" idx="0"/>
-            </p:cNvCxnSpPr>
-            <p:nvPr/>
-          </p:nvCxnSpPr>
-          <p:spPr>
-            <a:xfrm>
-              <a:off x="4729265" y="1459526"/>
-              <a:ext cx="5160" cy="303390"/>
-            </a:xfrm>
-            <a:prstGeom prst="line">
-              <a:avLst/>
-            </a:prstGeom>
-            <a:ln>
-              <a:solidFill>
-                <a:schemeClr val="accent4"/>
-              </a:solidFill>
-              <a:prstDash val="sysDash"/>
-            </a:ln>
-          </p:spPr>
-          <p:style>
-            <a:lnRef idx="1">
-              <a:schemeClr val="accent1"/>
-            </a:lnRef>
-            <a:fillRef idx="0">
-              <a:schemeClr val="accent1"/>
-            </a:fillRef>
-            <a:effectRef idx="0">
-              <a:schemeClr val="accent1"/>
-            </a:effectRef>
-            <a:fontRef idx="minor">
-              <a:schemeClr val="tx1"/>
-            </a:fontRef>
-          </p:style>
-        </p:cxnSp>
-        <p:cxnSp>
-          <p:nvCxnSpPr>
-            <p:cNvPr id="23" name="Straight Arrow Connector 22">
-              <a:extLst>
-                <a:ext uri="{FF2B5EF4-FFF2-40B4-BE49-F238E27FC236}">
-                  <a16:creationId xmlns:a16="http://schemas.microsoft.com/office/drawing/2014/main" id="{BB6F491C-CFD6-F545-B41E-A4968E88AB16}"/>
+                  <a16:creationId xmlns:a16="http://schemas.microsoft.com/office/drawing/2014/main" id="{08B93260-F6DF-E141-AEEC-0D982E087B44}"/>
                 </a:ext>
               </a:extLst>
             </p:cNvPr>
@@ -4207,102 +6335,17 @@
           </p:nvCxnSpPr>
           <p:spPr>
             <a:xfrm flipH="1" flipV="1">
-              <a:off x="2416905" y="1762917"/>
-              <a:ext cx="2192955" cy="1"/>
+              <a:off x="4793140" y="1314054"/>
+              <a:ext cx="3258092" cy="0"/>
             </a:xfrm>
             <a:prstGeom prst="straightConnector1">
               <a:avLst/>
             </a:prstGeom>
             <a:ln>
               <a:solidFill>
-                <a:schemeClr val="bg2">
-                  <a:lumMod val="90000"/>
+                <a:schemeClr val="accent4">
+                  <a:lumMod val="50000"/>
                 </a:schemeClr>
-              </a:solidFill>
-              <a:headEnd type="triangle"/>
-              <a:tailEnd type="none"/>
-            </a:ln>
-          </p:spPr>
-          <p:style>
-            <a:lnRef idx="1">
-              <a:schemeClr val="accent1"/>
-            </a:lnRef>
-            <a:fillRef idx="0">
-              <a:schemeClr val="accent1"/>
-            </a:fillRef>
-            <a:effectRef idx="0">
-              <a:schemeClr val="accent1"/>
-            </a:effectRef>
-            <a:fontRef idx="minor">
-              <a:schemeClr val="tx1"/>
-            </a:fontRef>
-          </p:style>
-        </p:cxnSp>
-        <p:sp>
-          <p:nvSpPr>
-            <p:cNvPr id="24" name="TextBox 23">
-              <a:extLst>
-                <a:ext uri="{FF2B5EF4-FFF2-40B4-BE49-F238E27FC236}">
-                  <a16:creationId xmlns:a16="http://schemas.microsoft.com/office/drawing/2014/main" id="{E056BF39-AD7D-3F47-99EF-93A8ACAD3447}"/>
-                </a:ext>
-              </a:extLst>
-            </p:cNvPr>
-            <p:cNvSpPr txBox="1"/>
-            <p:nvPr/>
-          </p:nvSpPr>
-          <p:spPr>
-            <a:xfrm>
-              <a:off x="3130103" y="1501308"/>
-              <a:ext cx="914033" cy="261610"/>
-            </a:xfrm>
-            <a:prstGeom prst="rect">
-              <a:avLst/>
-            </a:prstGeom>
-            <a:noFill/>
-          </p:spPr>
-          <p:txBody>
-            <a:bodyPr wrap="none" rtlCol="0">
-              <a:spAutoFit/>
-            </a:bodyPr>
-            <a:lstStyle/>
-            <a:p>
-              <a:r>
-                <a:rPr lang="en-US" sz="1100">
-                  <a:latin typeface="Arial" panose="020B0604020202020204" pitchFamily="34" charset="0"/>
-                  <a:cs typeface="Arial" panose="020B0604020202020204" pitchFamily="34" charset="0"/>
-                </a:rPr>
-                <a:t>ParseLine()</a:t>
-              </a:r>
-            </a:p>
-          </p:txBody>
-        </p:sp>
-        <p:cxnSp>
-          <p:nvCxnSpPr>
-            <p:cNvPr id="25" name="Curved Connector 24">
-              <a:extLst>
-                <a:ext uri="{FF2B5EF4-FFF2-40B4-BE49-F238E27FC236}">
-                  <a16:creationId xmlns:a16="http://schemas.microsoft.com/office/drawing/2014/main" id="{EC03B399-AACE-F140-BD1B-D198D8C4036D}"/>
-                </a:ext>
-              </a:extLst>
-            </p:cNvPr>
-            <p:cNvCxnSpPr>
-              <a:cxnSpLocks/>
-            </p:cNvCxnSpPr>
-            <p:nvPr/>
-          </p:nvCxnSpPr>
-          <p:spPr>
-            <a:xfrm rot="10800000" flipV="1">
-              <a:off x="4798551" y="2297957"/>
-              <a:ext cx="139922" cy="123478"/>
-            </a:xfrm>
-            <a:prstGeom prst="curvedConnector3">
-              <a:avLst>
-                <a:gd name="adj1" fmla="val -18462"/>
-              </a:avLst>
-            </a:prstGeom>
-            <a:ln>
-              <a:solidFill>
-                <a:schemeClr val="accent4"/>
               </a:solidFill>
               <a:prstDash val="sysDash"/>
               <a:tailEnd type="triangle"/>
@@ -4323,1681 +6366,6 @@
             </a:fontRef>
           </p:style>
         </p:cxnSp>
-        <p:sp>
-          <p:nvSpPr>
-            <p:cNvPr id="26" name="TextBox 25">
-              <a:extLst>
-                <a:ext uri="{FF2B5EF4-FFF2-40B4-BE49-F238E27FC236}">
-                  <a16:creationId xmlns:a16="http://schemas.microsoft.com/office/drawing/2014/main" id="{2F919511-BD0E-7F42-B42F-52BCE099EA21}"/>
-                </a:ext>
-              </a:extLst>
-            </p:cNvPr>
-            <p:cNvSpPr txBox="1"/>
-            <p:nvPr/>
-          </p:nvSpPr>
-          <p:spPr>
-            <a:xfrm>
-              <a:off x="4938651" y="1626632"/>
-              <a:ext cx="1399742" cy="261610"/>
-            </a:xfrm>
-            <a:prstGeom prst="rect">
-              <a:avLst/>
-            </a:prstGeom>
-            <a:noFill/>
-          </p:spPr>
-          <p:txBody>
-            <a:bodyPr wrap="none" rtlCol="0" anchor="t">
-              <a:spAutoFit/>
-            </a:bodyPr>
-            <a:lstStyle/>
-            <a:p>
-              <a:r>
-                <a:rPr lang="en-US" sz="1100">
-                  <a:latin typeface="Arial"/>
-                  <a:cs typeface="Arial"/>
-                </a:rPr>
-                <a:t>parseIsBlank(input)</a:t>
-              </a:r>
-            </a:p>
-          </p:txBody>
-        </p:sp>
-        <p:cxnSp>
-          <p:nvCxnSpPr>
-            <p:cNvPr id="27" name="Straight Connector 26">
-              <a:extLst>
-                <a:ext uri="{FF2B5EF4-FFF2-40B4-BE49-F238E27FC236}">
-                  <a16:creationId xmlns:a16="http://schemas.microsoft.com/office/drawing/2014/main" id="{B007D3AA-3300-EA42-A69F-089EAB4C1C5D}"/>
-                </a:ext>
-              </a:extLst>
-            </p:cNvPr>
-            <p:cNvCxnSpPr>
-              <a:cxnSpLocks/>
-              <a:stCxn id="56" idx="2"/>
-            </p:cNvCxnSpPr>
-            <p:nvPr/>
-          </p:nvCxnSpPr>
-          <p:spPr>
-            <a:xfrm>
-              <a:off x="4816063" y="3027956"/>
-              <a:ext cx="158393" cy="0"/>
-            </a:xfrm>
-            <a:prstGeom prst="line">
-              <a:avLst/>
-            </a:prstGeom>
-            <a:ln>
-              <a:solidFill>
-                <a:schemeClr val="accent4"/>
-              </a:solidFill>
-              <a:prstDash val="sysDash"/>
-            </a:ln>
-          </p:spPr>
-          <p:style>
-            <a:lnRef idx="1">
-              <a:schemeClr val="accent1"/>
-            </a:lnRef>
-            <a:fillRef idx="0">
-              <a:schemeClr val="accent1"/>
-            </a:fillRef>
-            <a:effectRef idx="0">
-              <a:schemeClr val="accent1"/>
-            </a:effectRef>
-            <a:fontRef idx="minor">
-              <a:schemeClr val="tx1"/>
-            </a:fontRef>
-          </p:style>
-        </p:cxnSp>
-        <p:cxnSp>
-          <p:nvCxnSpPr>
-            <p:cNvPr id="28" name="Curved Connector 27">
-              <a:extLst>
-                <a:ext uri="{FF2B5EF4-FFF2-40B4-BE49-F238E27FC236}">
-                  <a16:creationId xmlns:a16="http://schemas.microsoft.com/office/drawing/2014/main" id="{C766A7EF-3FB4-BB40-AFB3-FBEFB49170A2}"/>
-                </a:ext>
-              </a:extLst>
-            </p:cNvPr>
-            <p:cNvCxnSpPr>
-              <a:cxnSpLocks/>
-            </p:cNvCxnSpPr>
-            <p:nvPr/>
-          </p:nvCxnSpPr>
-          <p:spPr>
-            <a:xfrm rot="10800000" flipV="1">
-              <a:off x="4775352" y="3032823"/>
-              <a:ext cx="185456" cy="80131"/>
-            </a:xfrm>
-            <a:prstGeom prst="curvedConnector3">
-              <a:avLst>
-                <a:gd name="adj1" fmla="val -19336"/>
-              </a:avLst>
-            </a:prstGeom>
-            <a:ln>
-              <a:solidFill>
-                <a:schemeClr val="accent4"/>
-              </a:solidFill>
-              <a:prstDash val="sysDash"/>
-              <a:tailEnd type="triangle"/>
-            </a:ln>
-          </p:spPr>
-          <p:style>
-            <a:lnRef idx="1">
-              <a:schemeClr val="accent1"/>
-            </a:lnRef>
-            <a:fillRef idx="0">
-              <a:schemeClr val="accent1"/>
-            </a:fillRef>
-            <a:effectRef idx="0">
-              <a:schemeClr val="accent1"/>
-            </a:effectRef>
-            <a:fontRef idx="minor">
-              <a:schemeClr val="tx1"/>
-            </a:fontRef>
-          </p:style>
-        </p:cxnSp>
-        <p:sp>
-          <p:nvSpPr>
-            <p:cNvPr id="29" name="TextBox 28">
-              <a:extLst>
-                <a:ext uri="{FF2B5EF4-FFF2-40B4-BE49-F238E27FC236}">
-                  <a16:creationId xmlns:a16="http://schemas.microsoft.com/office/drawing/2014/main" id="{45BC93E0-E21C-0C48-B9F4-1427467DFE86}"/>
-                </a:ext>
-              </a:extLst>
-            </p:cNvPr>
-            <p:cNvSpPr txBox="1"/>
-            <p:nvPr/>
-          </p:nvSpPr>
-          <p:spPr>
-            <a:xfrm>
-              <a:off x="4952099" y="2341060"/>
-              <a:ext cx="1518364" cy="261610"/>
-            </a:xfrm>
-            <a:prstGeom prst="rect">
-              <a:avLst/>
-            </a:prstGeom>
-            <a:noFill/>
-          </p:spPr>
-          <p:txBody>
-            <a:bodyPr wrap="none" rtlCol="0" anchor="t">
-              <a:spAutoFit/>
-            </a:bodyPr>
-            <a:lstStyle/>
-            <a:p>
-              <a:r>
-                <a:rPr lang="en-US" sz="1100">
-                  <a:latin typeface="Arial"/>
-                  <a:cs typeface="Arial"/>
-                </a:rPr>
-                <a:t>parseFirstField(input)</a:t>
-              </a:r>
-            </a:p>
-          </p:txBody>
-        </p:sp>
-        <p:sp>
-          <p:nvSpPr>
-            <p:cNvPr id="30" name="TextBox 29">
-              <a:extLst>
-                <a:ext uri="{FF2B5EF4-FFF2-40B4-BE49-F238E27FC236}">
-                  <a16:creationId xmlns:a16="http://schemas.microsoft.com/office/drawing/2014/main" id="{F4848A44-FBFC-634F-A746-A49B2CF04C81}"/>
-                </a:ext>
-              </a:extLst>
-            </p:cNvPr>
-            <p:cNvSpPr txBox="1"/>
-            <p:nvPr/>
-          </p:nvSpPr>
-          <p:spPr>
-            <a:xfrm>
-              <a:off x="4898177" y="2830579"/>
-              <a:ext cx="803425" cy="261610"/>
-            </a:xfrm>
-            <a:prstGeom prst="rect">
-              <a:avLst/>
-            </a:prstGeom>
-            <a:noFill/>
-          </p:spPr>
-          <p:txBody>
-            <a:bodyPr wrap="none" rtlCol="0">
-              <a:spAutoFit/>
-            </a:bodyPr>
-            <a:lstStyle/>
-            <a:p>
-              <a:r>
-                <a:rPr lang="en-US" sz="1100">
-                  <a:latin typeface="Arial" panose="020B0604020202020204" pitchFamily="34" charset="0"/>
-                  <a:cs typeface="Arial" panose="020B0604020202020204" pitchFamily="34" charset="0"/>
-                </a:rPr>
-                <a:t>command</a:t>
-              </a:r>
-            </a:p>
-          </p:txBody>
-        </p:sp>
-        <p:cxnSp>
-          <p:nvCxnSpPr>
-            <p:cNvPr id="31" name="Straight Connector 30">
-              <a:extLst>
-                <a:ext uri="{FF2B5EF4-FFF2-40B4-BE49-F238E27FC236}">
-                  <a16:creationId xmlns:a16="http://schemas.microsoft.com/office/drawing/2014/main" id="{D697B9C5-80D2-8347-8463-719A7F2C73A7}"/>
-                </a:ext>
-              </a:extLst>
-            </p:cNvPr>
-            <p:cNvCxnSpPr>
-              <a:cxnSpLocks/>
-              <a:stCxn id="57" idx="2"/>
-            </p:cNvCxnSpPr>
-            <p:nvPr/>
-          </p:nvCxnSpPr>
-          <p:spPr>
-            <a:xfrm>
-              <a:off x="4806443" y="3733890"/>
-              <a:ext cx="158393" cy="0"/>
-            </a:xfrm>
-            <a:prstGeom prst="line">
-              <a:avLst/>
-            </a:prstGeom>
-            <a:ln>
-              <a:solidFill>
-                <a:schemeClr val="accent4"/>
-              </a:solidFill>
-              <a:prstDash val="sysDash"/>
-            </a:ln>
-          </p:spPr>
-          <p:style>
-            <a:lnRef idx="1">
-              <a:schemeClr val="accent1"/>
-            </a:lnRef>
-            <a:fillRef idx="0">
-              <a:schemeClr val="accent1"/>
-            </a:fillRef>
-            <a:effectRef idx="0">
-              <a:schemeClr val="accent1"/>
-            </a:effectRef>
-            <a:fontRef idx="minor">
-              <a:schemeClr val="tx1"/>
-            </a:fontRef>
-          </p:style>
-        </p:cxnSp>
-        <p:cxnSp>
-          <p:nvCxnSpPr>
-            <p:cNvPr id="32" name="Curved Connector 31">
-              <a:extLst>
-                <a:ext uri="{FF2B5EF4-FFF2-40B4-BE49-F238E27FC236}">
-                  <a16:creationId xmlns:a16="http://schemas.microsoft.com/office/drawing/2014/main" id="{8AD6CB21-C574-B44B-BF46-8129DF8CFA13}"/>
-                </a:ext>
-              </a:extLst>
-            </p:cNvPr>
-            <p:cNvCxnSpPr>
-              <a:cxnSpLocks/>
-            </p:cNvCxnSpPr>
-            <p:nvPr/>
-          </p:nvCxnSpPr>
-          <p:spPr>
-            <a:xfrm rot="10800000" flipV="1">
-              <a:off x="4798552" y="3730598"/>
-              <a:ext cx="162256" cy="82498"/>
-            </a:xfrm>
-            <a:prstGeom prst="curvedConnector3">
-              <a:avLst>
-                <a:gd name="adj1" fmla="val -29250"/>
-              </a:avLst>
-            </a:prstGeom>
-            <a:ln>
-              <a:solidFill>
-                <a:schemeClr val="accent4"/>
-              </a:solidFill>
-              <a:prstDash val="sysDash"/>
-              <a:tailEnd type="triangle"/>
-            </a:ln>
-          </p:spPr>
-          <p:style>
-            <a:lnRef idx="1">
-              <a:schemeClr val="accent1"/>
-            </a:lnRef>
-            <a:fillRef idx="0">
-              <a:schemeClr val="accent1"/>
-            </a:fillRef>
-            <a:effectRef idx="0">
-              <a:schemeClr val="accent1"/>
-            </a:effectRef>
-            <a:fontRef idx="minor">
-              <a:schemeClr val="tx1"/>
-            </a:fontRef>
-          </p:style>
-        </p:cxnSp>
-        <p:sp>
-          <p:nvSpPr>
-            <p:cNvPr id="33" name="TextBox 32">
-              <a:extLst>
-                <a:ext uri="{FF2B5EF4-FFF2-40B4-BE49-F238E27FC236}">
-                  <a16:creationId xmlns:a16="http://schemas.microsoft.com/office/drawing/2014/main" id="{C3F39F22-E48D-5343-B2E9-39685545E568}"/>
-                </a:ext>
-              </a:extLst>
-            </p:cNvPr>
-            <p:cNvSpPr txBox="1"/>
-            <p:nvPr/>
-          </p:nvSpPr>
-          <p:spPr>
-            <a:xfrm>
-              <a:off x="4940331" y="3108088"/>
-              <a:ext cx="2331087" cy="261610"/>
-            </a:xfrm>
-            <a:prstGeom prst="rect">
-              <a:avLst/>
-            </a:prstGeom>
-            <a:noFill/>
-          </p:spPr>
-          <p:txBody>
-            <a:bodyPr wrap="none" rtlCol="0" anchor="t">
-              <a:spAutoFit/>
-            </a:bodyPr>
-            <a:lstStyle/>
-            <a:p>
-              <a:r>
-                <a:rPr lang="en-US" sz="1100">
-                  <a:latin typeface="Arial"/>
-                  <a:cs typeface="Arial"/>
-                </a:rPr>
-                <a:t>removeFirstField(input, command)</a:t>
-              </a:r>
-            </a:p>
-          </p:txBody>
-        </p:sp>
-        <p:sp>
-          <p:nvSpPr>
-            <p:cNvPr id="34" name="TextBox 33">
-              <a:extLst>
-                <a:ext uri="{FF2B5EF4-FFF2-40B4-BE49-F238E27FC236}">
-                  <a16:creationId xmlns:a16="http://schemas.microsoft.com/office/drawing/2014/main" id="{ED16C8B4-02B1-7C4F-A293-BD801D78950B}"/>
-                </a:ext>
-              </a:extLst>
-            </p:cNvPr>
-            <p:cNvSpPr txBox="1"/>
-            <p:nvPr/>
-          </p:nvSpPr>
-          <p:spPr>
-            <a:xfrm>
-              <a:off x="4960808" y="3617020"/>
-              <a:ext cx="458780" cy="261610"/>
-            </a:xfrm>
-            <a:prstGeom prst="rect">
-              <a:avLst/>
-            </a:prstGeom>
-            <a:noFill/>
-          </p:spPr>
-          <p:txBody>
-            <a:bodyPr wrap="none" rtlCol="0">
-              <a:spAutoFit/>
-            </a:bodyPr>
-            <a:lstStyle/>
-            <a:p>
-              <a:r>
-                <a:rPr lang="en-US" sz="1100">
-                  <a:latin typeface="Arial" panose="020B0604020202020204" pitchFamily="34" charset="0"/>
-                  <a:cs typeface="Arial" panose="020B0604020202020204" pitchFamily="34" charset="0"/>
-                </a:rPr>
-                <a:t>data</a:t>
-              </a:r>
-            </a:p>
-          </p:txBody>
-        </p:sp>
-        <p:sp>
-          <p:nvSpPr>
-            <p:cNvPr id="35" name="TextBox 34">
-              <a:extLst>
-                <a:ext uri="{FF2B5EF4-FFF2-40B4-BE49-F238E27FC236}">
-                  <a16:creationId xmlns:a16="http://schemas.microsoft.com/office/drawing/2014/main" id="{95CEDB73-268E-4E42-AFFD-12063FE2885B}"/>
-                </a:ext>
-              </a:extLst>
-            </p:cNvPr>
-            <p:cNvSpPr txBox="1"/>
-            <p:nvPr/>
-          </p:nvSpPr>
-          <p:spPr>
-            <a:xfrm>
-              <a:off x="4940331" y="3875116"/>
-              <a:ext cx="2603598" cy="261610"/>
-            </a:xfrm>
-            <a:prstGeom prst="rect">
-              <a:avLst/>
-            </a:prstGeom>
-            <a:noFill/>
-          </p:spPr>
-          <p:txBody>
-            <a:bodyPr wrap="none" rtlCol="0" anchor="t">
-              <a:spAutoFit/>
-            </a:bodyPr>
-            <a:lstStyle/>
-            <a:p>
-              <a:r>
-                <a:rPr lang="en-US" sz="1100">
-                  <a:latin typeface="Arial"/>
-                  <a:cs typeface="Arial"/>
-                </a:rPr>
-                <a:t>parseCommandMenu(command, data)</a:t>
-              </a:r>
-            </a:p>
-          </p:txBody>
-        </p:sp>
-        <p:cxnSp>
-          <p:nvCxnSpPr>
-            <p:cNvPr id="36" name="Straight Connector 35">
-              <a:extLst>
-                <a:ext uri="{FF2B5EF4-FFF2-40B4-BE49-F238E27FC236}">
-                  <a16:creationId xmlns:a16="http://schemas.microsoft.com/office/drawing/2014/main" id="{63C54FA3-121B-074A-BF14-722E4CCDA794}"/>
-                </a:ext>
-              </a:extLst>
-            </p:cNvPr>
-            <p:cNvCxnSpPr>
-              <a:cxnSpLocks/>
-              <a:stCxn id="13" idx="2"/>
-              <a:endCxn id="59" idx="0"/>
-            </p:cNvCxnSpPr>
-            <p:nvPr/>
-          </p:nvCxnSpPr>
-          <p:spPr>
-            <a:xfrm flipH="1">
-              <a:off x="8073109" y="1440546"/>
-              <a:ext cx="5500" cy="3057078"/>
-            </a:xfrm>
-            <a:prstGeom prst="line">
-              <a:avLst/>
-            </a:prstGeom>
-            <a:ln>
-              <a:solidFill>
-                <a:schemeClr val="accent2"/>
-              </a:solidFill>
-              <a:prstDash val="sysDash"/>
-            </a:ln>
-          </p:spPr>
-          <p:style>
-            <a:lnRef idx="1">
-              <a:schemeClr val="accent1"/>
-            </a:lnRef>
-            <a:fillRef idx="0">
-              <a:schemeClr val="accent1"/>
-            </a:fillRef>
-            <a:effectRef idx="0">
-              <a:schemeClr val="accent1"/>
-            </a:effectRef>
-            <a:fontRef idx="minor">
-              <a:schemeClr val="tx1"/>
-            </a:fontRef>
-          </p:style>
-        </p:cxnSp>
-        <p:sp>
-          <p:nvSpPr>
-            <p:cNvPr id="37" name="TextBox 36">
-              <a:extLst>
-                <a:ext uri="{FF2B5EF4-FFF2-40B4-BE49-F238E27FC236}">
-                  <a16:creationId xmlns:a16="http://schemas.microsoft.com/office/drawing/2014/main" id="{9ACF0B9F-4223-4348-BF3E-304808F89806}"/>
-                </a:ext>
-              </a:extLst>
-            </p:cNvPr>
-            <p:cNvSpPr txBox="1"/>
-            <p:nvPr/>
-          </p:nvSpPr>
-          <p:spPr>
-            <a:xfrm>
-              <a:off x="5463566" y="4250303"/>
-              <a:ext cx="1898277" cy="261610"/>
-            </a:xfrm>
-            <a:prstGeom prst="rect">
-              <a:avLst/>
-            </a:prstGeom>
-            <a:noFill/>
-          </p:spPr>
-          <p:txBody>
-            <a:bodyPr wrap="none" rtlCol="0" anchor="t">
-              <a:spAutoFit/>
-            </a:bodyPr>
-            <a:lstStyle/>
-            <a:p>
-              <a:r>
-                <a:rPr lang="en-US" sz="1100">
-                  <a:latin typeface="Arial"/>
-                  <a:cs typeface="Arial"/>
-                </a:rPr>
-                <a:t>parseData(command, data)</a:t>
-              </a:r>
-            </a:p>
-          </p:txBody>
-        </p:sp>
-        <p:cxnSp>
-          <p:nvCxnSpPr>
-            <p:cNvPr id="38" name="Curved Connector 37">
-              <a:extLst>
-                <a:ext uri="{FF2B5EF4-FFF2-40B4-BE49-F238E27FC236}">
-                  <a16:creationId xmlns:a16="http://schemas.microsoft.com/office/drawing/2014/main" id="{EDF6B8C1-CD0F-0849-81D2-01809F80F655}"/>
-                </a:ext>
-              </a:extLst>
-            </p:cNvPr>
-            <p:cNvCxnSpPr>
-              <a:cxnSpLocks/>
-            </p:cNvCxnSpPr>
-            <p:nvPr/>
-          </p:nvCxnSpPr>
-          <p:spPr>
-            <a:xfrm rot="16200000" flipH="1">
-              <a:off x="8032721" y="4466354"/>
-              <a:ext cx="144865" cy="193058"/>
-            </a:xfrm>
-            <a:prstGeom prst="curvedConnector4">
-              <a:avLst>
-                <a:gd name="adj1" fmla="val 42"/>
-                <a:gd name="adj2" fmla="val 152845"/>
-              </a:avLst>
-            </a:prstGeom>
-            <a:ln>
-              <a:solidFill>
-                <a:schemeClr val="accent2"/>
-              </a:solidFill>
-              <a:tailEnd type="triangle"/>
-            </a:ln>
-          </p:spPr>
-          <p:style>
-            <a:lnRef idx="1">
-              <a:schemeClr val="accent1"/>
-            </a:lnRef>
-            <a:fillRef idx="0">
-              <a:schemeClr val="accent1"/>
-            </a:fillRef>
-            <a:effectRef idx="0">
-              <a:schemeClr val="accent1"/>
-            </a:effectRef>
-            <a:fontRef idx="minor">
-              <a:schemeClr val="tx1"/>
-            </a:fontRef>
-          </p:style>
-        </p:cxnSp>
-        <p:sp>
-          <p:nvSpPr>
-            <p:cNvPr id="39" name="TextBox 38">
-              <a:extLst>
-                <a:ext uri="{FF2B5EF4-FFF2-40B4-BE49-F238E27FC236}">
-                  <a16:creationId xmlns:a16="http://schemas.microsoft.com/office/drawing/2014/main" id="{D6834AD9-058A-9446-A9AA-C213175CCB66}"/>
-                </a:ext>
-              </a:extLst>
-            </p:cNvPr>
-            <p:cNvSpPr txBox="1"/>
-            <p:nvPr/>
-          </p:nvSpPr>
-          <p:spPr>
-            <a:xfrm>
-              <a:off x="8155795" y="4298045"/>
-              <a:ext cx="1486304" cy="261610"/>
-            </a:xfrm>
-            <a:prstGeom prst="rect">
-              <a:avLst/>
-            </a:prstGeom>
-            <a:noFill/>
-          </p:spPr>
-          <p:txBody>
-            <a:bodyPr wrap="none" rtlCol="0" anchor="t">
-              <a:spAutoFit/>
-            </a:bodyPr>
-            <a:lstStyle/>
-            <a:p>
-              <a:r>
-                <a:rPr lang="en-US" sz="1100">
-                  <a:latin typeface="Arial"/>
-                  <a:cs typeface="Arial"/>
-                </a:rPr>
-                <a:t>parseFirstField(data)</a:t>
-              </a:r>
-            </a:p>
-          </p:txBody>
-        </p:sp>
-        <p:cxnSp>
-          <p:nvCxnSpPr>
-            <p:cNvPr id="40" name="Straight Connector 39">
-              <a:extLst>
-                <a:ext uri="{FF2B5EF4-FFF2-40B4-BE49-F238E27FC236}">
-                  <a16:creationId xmlns:a16="http://schemas.microsoft.com/office/drawing/2014/main" id="{E81D9F16-F305-8742-914F-0A67FD89F888}"/>
-                </a:ext>
-              </a:extLst>
-            </p:cNvPr>
-            <p:cNvCxnSpPr>
-              <a:cxnSpLocks/>
-            </p:cNvCxnSpPr>
-            <p:nvPr/>
-          </p:nvCxnSpPr>
-          <p:spPr>
-            <a:xfrm>
-              <a:off x="8116566" y="4910861"/>
-              <a:ext cx="167462" cy="0"/>
-            </a:xfrm>
-            <a:prstGeom prst="line">
-              <a:avLst/>
-            </a:prstGeom>
-            <a:ln>
-              <a:solidFill>
-                <a:schemeClr val="accent2"/>
-              </a:solidFill>
-              <a:prstDash val="sysDash"/>
-            </a:ln>
-          </p:spPr>
-          <p:style>
-            <a:lnRef idx="1">
-              <a:schemeClr val="accent1"/>
-            </a:lnRef>
-            <a:fillRef idx="0">
-              <a:schemeClr val="accent1"/>
-            </a:fillRef>
-            <a:effectRef idx="0">
-              <a:schemeClr val="accent1"/>
-            </a:effectRef>
-            <a:fontRef idx="minor">
-              <a:schemeClr val="tx1"/>
-            </a:fontRef>
-          </p:style>
-        </p:cxnSp>
-        <p:cxnSp>
-          <p:nvCxnSpPr>
-            <p:cNvPr id="41" name="Curved Connector 40">
-              <a:extLst>
-                <a:ext uri="{FF2B5EF4-FFF2-40B4-BE49-F238E27FC236}">
-                  <a16:creationId xmlns:a16="http://schemas.microsoft.com/office/drawing/2014/main" id="{AD9F248A-093A-3444-9731-B1F92882D3E0}"/>
-                </a:ext>
-              </a:extLst>
-            </p:cNvPr>
-            <p:cNvCxnSpPr>
-              <a:cxnSpLocks/>
-            </p:cNvCxnSpPr>
-            <p:nvPr/>
-          </p:nvCxnSpPr>
-          <p:spPr>
-            <a:xfrm rot="10800000" flipV="1">
-              <a:off x="8139876" y="4913066"/>
-              <a:ext cx="144152" cy="52874"/>
-            </a:xfrm>
-            <a:prstGeom prst="curvedConnector3">
-              <a:avLst>
-                <a:gd name="adj1" fmla="val -11387"/>
-              </a:avLst>
-            </a:prstGeom>
-            <a:ln>
-              <a:solidFill>
-                <a:schemeClr val="accent2"/>
-              </a:solidFill>
-              <a:prstDash val="sysDash"/>
-              <a:tailEnd type="triangle"/>
-            </a:ln>
-          </p:spPr>
-          <p:style>
-            <a:lnRef idx="1">
-              <a:schemeClr val="accent1"/>
-            </a:lnRef>
-            <a:fillRef idx="0">
-              <a:schemeClr val="accent1"/>
-            </a:fillRef>
-            <a:effectRef idx="0">
-              <a:schemeClr val="accent1"/>
-            </a:effectRef>
-            <a:fontRef idx="minor">
-              <a:schemeClr val="tx1"/>
-            </a:fontRef>
-          </p:style>
-        </p:cxnSp>
-        <p:sp>
-          <p:nvSpPr>
-            <p:cNvPr id="42" name="TextBox 41">
-              <a:extLst>
-                <a:ext uri="{FF2B5EF4-FFF2-40B4-BE49-F238E27FC236}">
-                  <a16:creationId xmlns:a16="http://schemas.microsoft.com/office/drawing/2014/main" id="{6E46C67D-D25E-014B-B40B-B42D526EF67E}"/>
-                </a:ext>
-              </a:extLst>
-            </p:cNvPr>
-            <p:cNvSpPr txBox="1"/>
-            <p:nvPr/>
-          </p:nvSpPr>
-          <p:spPr>
-            <a:xfrm>
-              <a:off x="8247476" y="4786516"/>
-              <a:ext cx="450764" cy="261610"/>
-            </a:xfrm>
-            <a:prstGeom prst="rect">
-              <a:avLst/>
-            </a:prstGeom>
-            <a:noFill/>
-          </p:spPr>
-          <p:txBody>
-            <a:bodyPr wrap="none" rtlCol="0">
-              <a:spAutoFit/>
-            </a:bodyPr>
-            <a:lstStyle/>
-            <a:p>
-              <a:r>
-                <a:rPr lang="en-US" sz="1100">
-                  <a:latin typeface="Arial" panose="020B0604020202020204" pitchFamily="34" charset="0"/>
-                  <a:cs typeface="Arial" panose="020B0604020202020204" pitchFamily="34" charset="0"/>
-                </a:rPr>
-                <a:t>type</a:t>
-              </a:r>
-            </a:p>
-          </p:txBody>
-        </p:sp>
-        <p:sp>
-          <p:nvSpPr>
-            <p:cNvPr id="43" name="TextBox 42">
-              <a:extLst>
-                <a:ext uri="{FF2B5EF4-FFF2-40B4-BE49-F238E27FC236}">
-                  <a16:creationId xmlns:a16="http://schemas.microsoft.com/office/drawing/2014/main" id="{E7AC11A8-6056-C343-A797-C7D19B6C4F62}"/>
-                </a:ext>
-              </a:extLst>
-            </p:cNvPr>
-            <p:cNvSpPr txBox="1"/>
-            <p:nvPr/>
-          </p:nvSpPr>
-          <p:spPr>
-            <a:xfrm>
-              <a:off x="8247475" y="4953077"/>
-              <a:ext cx="1946367" cy="261610"/>
-            </a:xfrm>
-            <a:prstGeom prst="rect">
-              <a:avLst/>
-            </a:prstGeom>
-            <a:noFill/>
-          </p:spPr>
-          <p:txBody>
-            <a:bodyPr wrap="none" rtlCol="0" anchor="t">
-              <a:spAutoFit/>
-            </a:bodyPr>
-            <a:lstStyle/>
-            <a:p>
-              <a:r>
-                <a:rPr lang="en-US" sz="1100">
-                  <a:latin typeface="Arial"/>
-                  <a:cs typeface="Arial"/>
-                </a:rPr>
-                <a:t>removeFirstField(data, type)</a:t>
-              </a:r>
-            </a:p>
-          </p:txBody>
-        </p:sp>
-        <p:cxnSp>
-          <p:nvCxnSpPr>
-            <p:cNvPr id="44" name="Straight Connector 43">
-              <a:extLst>
-                <a:ext uri="{FF2B5EF4-FFF2-40B4-BE49-F238E27FC236}">
-                  <a16:creationId xmlns:a16="http://schemas.microsoft.com/office/drawing/2014/main" id="{796D7218-9969-8B49-A05D-9039158870C1}"/>
-                </a:ext>
-              </a:extLst>
-            </p:cNvPr>
-            <p:cNvCxnSpPr>
-              <a:cxnSpLocks/>
-            </p:cNvCxnSpPr>
-            <p:nvPr/>
-          </p:nvCxnSpPr>
-          <p:spPr>
-            <a:xfrm>
-              <a:off x="8116565" y="5459910"/>
-              <a:ext cx="167462" cy="0"/>
-            </a:xfrm>
-            <a:prstGeom prst="line">
-              <a:avLst/>
-            </a:prstGeom>
-            <a:ln>
-              <a:solidFill>
-                <a:schemeClr val="accent2"/>
-              </a:solidFill>
-              <a:prstDash val="sysDash"/>
-            </a:ln>
-          </p:spPr>
-          <p:style>
-            <a:lnRef idx="1">
-              <a:schemeClr val="accent1"/>
-            </a:lnRef>
-            <a:fillRef idx="0">
-              <a:schemeClr val="accent1"/>
-            </a:fillRef>
-            <a:effectRef idx="0">
-              <a:schemeClr val="accent1"/>
-            </a:effectRef>
-            <a:fontRef idx="minor">
-              <a:schemeClr val="tx1"/>
-            </a:fontRef>
-          </p:style>
-        </p:cxnSp>
-        <p:cxnSp>
-          <p:nvCxnSpPr>
-            <p:cNvPr id="45" name="Curved Connector 44">
-              <a:extLst>
-                <a:ext uri="{FF2B5EF4-FFF2-40B4-BE49-F238E27FC236}">
-                  <a16:creationId xmlns:a16="http://schemas.microsoft.com/office/drawing/2014/main" id="{34D57595-D791-504A-BCFA-3FACD620DE9D}"/>
-                </a:ext>
-              </a:extLst>
-            </p:cNvPr>
-            <p:cNvCxnSpPr>
-              <a:cxnSpLocks/>
-            </p:cNvCxnSpPr>
-            <p:nvPr/>
-          </p:nvCxnSpPr>
-          <p:spPr>
-            <a:xfrm rot="10800000" flipV="1">
-              <a:off x="8139875" y="5462115"/>
-              <a:ext cx="144152" cy="52874"/>
-            </a:xfrm>
-            <a:prstGeom prst="curvedConnector3">
-              <a:avLst>
-                <a:gd name="adj1" fmla="val -11387"/>
-              </a:avLst>
-            </a:prstGeom>
-            <a:ln>
-              <a:solidFill>
-                <a:schemeClr val="accent2"/>
-              </a:solidFill>
-              <a:prstDash val="sysDash"/>
-              <a:tailEnd type="triangle"/>
-            </a:ln>
-          </p:spPr>
-          <p:style>
-            <a:lnRef idx="1">
-              <a:schemeClr val="accent1"/>
-            </a:lnRef>
-            <a:fillRef idx="0">
-              <a:schemeClr val="accent1"/>
-            </a:fillRef>
-            <a:effectRef idx="0">
-              <a:schemeClr val="accent1"/>
-            </a:effectRef>
-            <a:fontRef idx="minor">
-              <a:schemeClr val="tx1"/>
-            </a:fontRef>
-          </p:style>
-        </p:cxnSp>
-        <p:sp>
-          <p:nvSpPr>
-            <p:cNvPr id="46" name="TextBox 45">
-              <a:extLst>
-                <a:ext uri="{FF2B5EF4-FFF2-40B4-BE49-F238E27FC236}">
-                  <a16:creationId xmlns:a16="http://schemas.microsoft.com/office/drawing/2014/main" id="{A23751FC-9622-E74D-8ED8-E3EA479CC6AD}"/>
-                </a:ext>
-              </a:extLst>
-            </p:cNvPr>
-            <p:cNvSpPr txBox="1"/>
-            <p:nvPr/>
-          </p:nvSpPr>
-          <p:spPr>
-            <a:xfrm>
-              <a:off x="8247475" y="5335565"/>
-              <a:ext cx="710451" cy="261610"/>
-            </a:xfrm>
-            <a:prstGeom prst="rect">
-              <a:avLst/>
-            </a:prstGeom>
-            <a:noFill/>
-          </p:spPr>
-          <p:txBody>
-            <a:bodyPr wrap="none" rtlCol="0" anchor="t">
-              <a:spAutoFit/>
-            </a:bodyPr>
-            <a:lstStyle/>
-            <a:p>
-              <a:r>
-                <a:rPr lang="en-US" sz="1100">
-                  <a:latin typeface="Arial"/>
-                  <a:cs typeface="Arial"/>
-                </a:rPr>
-                <a:t>rawData</a:t>
-              </a:r>
-            </a:p>
-          </p:txBody>
-        </p:sp>
-        <p:cxnSp>
-          <p:nvCxnSpPr>
-            <p:cNvPr id="47" name="Curved Connector 46">
-              <a:extLst>
-                <a:ext uri="{FF2B5EF4-FFF2-40B4-BE49-F238E27FC236}">
-                  <a16:creationId xmlns:a16="http://schemas.microsoft.com/office/drawing/2014/main" id="{5A00370F-3F44-994B-82BA-F5D9B473A77C}"/>
-                </a:ext>
-              </a:extLst>
-            </p:cNvPr>
-            <p:cNvCxnSpPr>
-              <a:cxnSpLocks/>
-            </p:cNvCxnSpPr>
-            <p:nvPr/>
-          </p:nvCxnSpPr>
-          <p:spPr>
-            <a:xfrm rot="16200000" flipH="1">
-              <a:off x="4685578" y="1750872"/>
-              <a:ext cx="144865" cy="193058"/>
-            </a:xfrm>
-            <a:prstGeom prst="curvedConnector4">
-              <a:avLst>
-                <a:gd name="adj1" fmla="val -9392"/>
-                <a:gd name="adj2" fmla="val 152845"/>
-              </a:avLst>
-            </a:prstGeom>
-            <a:ln>
-              <a:solidFill>
-                <a:schemeClr val="accent4"/>
-              </a:solidFill>
-              <a:tailEnd type="triangle"/>
-            </a:ln>
-          </p:spPr>
-          <p:style>
-            <a:lnRef idx="1">
-              <a:schemeClr val="accent1"/>
-            </a:lnRef>
-            <a:fillRef idx="0">
-              <a:schemeClr val="accent1"/>
-            </a:fillRef>
-            <a:effectRef idx="0">
-              <a:schemeClr val="accent1"/>
-            </a:effectRef>
-            <a:fontRef idx="minor">
-              <a:schemeClr val="tx1"/>
-            </a:fontRef>
-          </p:style>
-        </p:cxnSp>
-        <p:sp>
-          <p:nvSpPr>
-            <p:cNvPr id="48" name="Rectangle 47">
-              <a:extLst>
-                <a:ext uri="{FF2B5EF4-FFF2-40B4-BE49-F238E27FC236}">
-                  <a16:creationId xmlns:a16="http://schemas.microsoft.com/office/drawing/2014/main" id="{4671F259-71D2-D240-89A6-8BE64ECEB8D0}"/>
-                </a:ext>
-              </a:extLst>
-            </p:cNvPr>
-            <p:cNvSpPr/>
-            <p:nvPr/>
-          </p:nvSpPr>
-          <p:spPr>
-            <a:xfrm>
-              <a:off x="1844314" y="5595570"/>
-              <a:ext cx="6719024" cy="907306"/>
-            </a:xfrm>
-            <a:prstGeom prst="rect">
-              <a:avLst/>
-            </a:prstGeom>
-          </p:spPr>
-          <p:style>
-            <a:lnRef idx="2">
-              <a:schemeClr val="accent6"/>
-            </a:lnRef>
-            <a:fillRef idx="1">
-              <a:schemeClr val="lt1"/>
-            </a:fillRef>
-            <a:effectRef idx="0">
-              <a:schemeClr val="accent6"/>
-            </a:effectRef>
-            <a:fontRef idx="minor">
-              <a:schemeClr val="dk1"/>
-            </a:fontRef>
-          </p:style>
-          <p:txBody>
-            <a:bodyPr rtlCol="0" anchor="ctr"/>
-            <a:lstStyle/>
-            <a:p>
-              <a:pPr algn="ctr"/>
-              <a:endParaRPr lang="en-US"/>
-            </a:p>
-          </p:txBody>
-        </p:sp>
-        <p:sp>
-          <p:nvSpPr>
-            <p:cNvPr id="49" name="Snip and Round Single Corner of Rectangle 48">
-              <a:extLst>
-                <a:ext uri="{FF2B5EF4-FFF2-40B4-BE49-F238E27FC236}">
-                  <a16:creationId xmlns:a16="http://schemas.microsoft.com/office/drawing/2014/main" id="{D1F03E21-75EF-0542-B45B-D2332E48E76C}"/>
-                </a:ext>
-              </a:extLst>
-            </p:cNvPr>
-            <p:cNvSpPr/>
-            <p:nvPr/>
-          </p:nvSpPr>
-          <p:spPr>
-            <a:xfrm rot="10800000" flipH="1">
-              <a:off x="1841189" y="5589095"/>
-              <a:ext cx="407572" cy="261607"/>
-            </a:xfrm>
-            <a:prstGeom prst="snipRoundRect">
-              <a:avLst>
-                <a:gd name="adj1" fmla="val 0"/>
-                <a:gd name="adj2" fmla="val 16667"/>
-              </a:avLst>
-            </a:prstGeom>
-          </p:spPr>
-          <p:style>
-            <a:lnRef idx="2">
-              <a:schemeClr val="accent6"/>
-            </a:lnRef>
-            <a:fillRef idx="1">
-              <a:schemeClr val="lt1"/>
-            </a:fillRef>
-            <a:effectRef idx="0">
-              <a:schemeClr val="accent6"/>
-            </a:effectRef>
-            <a:fontRef idx="minor">
-              <a:schemeClr val="dk1"/>
-            </a:fontRef>
-          </p:style>
-          <p:txBody>
-            <a:bodyPr vert="horz" rtlCol="0" anchor="ctr"/>
-            <a:lstStyle/>
-            <a:p>
-              <a:pPr algn="ctr"/>
-              <a:endParaRPr lang="en-US"/>
-            </a:p>
-          </p:txBody>
-        </p:sp>
-        <p:sp>
-          <p:nvSpPr>
-            <p:cNvPr id="50" name="TextBox 49">
-              <a:extLst>
-                <a:ext uri="{FF2B5EF4-FFF2-40B4-BE49-F238E27FC236}">
-                  <a16:creationId xmlns:a16="http://schemas.microsoft.com/office/drawing/2014/main" id="{AFC14B7F-0368-204C-B422-02740FFEE734}"/>
-                </a:ext>
-              </a:extLst>
-            </p:cNvPr>
-            <p:cNvSpPr txBox="1"/>
-            <p:nvPr/>
-          </p:nvSpPr>
-          <p:spPr>
-            <a:xfrm>
-              <a:off x="2401999" y="5585136"/>
-              <a:ext cx="1220206" cy="261610"/>
-            </a:xfrm>
-            <a:prstGeom prst="rect">
-              <a:avLst/>
-            </a:prstGeom>
-            <a:noFill/>
-          </p:spPr>
-          <p:txBody>
-            <a:bodyPr wrap="none" rtlCol="0">
-              <a:spAutoFit/>
-            </a:bodyPr>
-            <a:lstStyle/>
-            <a:p>
-              <a:r>
-                <a:rPr lang="en-US" sz="1100">
-                  <a:latin typeface="Arial" panose="020B0604020202020204" pitchFamily="34" charset="0"/>
-                  <a:cs typeface="Arial" panose="020B0604020202020204" pitchFamily="34" charset="0"/>
-                </a:rPr>
-                <a:t>ParseTypeMenu</a:t>
-              </a:r>
-            </a:p>
-          </p:txBody>
-        </p:sp>
-        <p:sp>
-          <p:nvSpPr>
-            <p:cNvPr id="51" name="TextBox 50">
-              <a:extLst>
-                <a:ext uri="{FF2B5EF4-FFF2-40B4-BE49-F238E27FC236}">
-                  <a16:creationId xmlns:a16="http://schemas.microsoft.com/office/drawing/2014/main" id="{0302030C-7849-7B4B-A203-08A8FAFF5377}"/>
-                </a:ext>
-              </a:extLst>
-            </p:cNvPr>
-            <p:cNvSpPr txBox="1"/>
-            <p:nvPr/>
-          </p:nvSpPr>
-          <p:spPr>
-            <a:xfrm>
-              <a:off x="1865513" y="5585136"/>
-              <a:ext cx="348172" cy="261610"/>
-            </a:xfrm>
-            <a:prstGeom prst="rect">
-              <a:avLst/>
-            </a:prstGeom>
-            <a:noFill/>
-          </p:spPr>
-          <p:txBody>
-            <a:bodyPr wrap="none" rtlCol="0">
-              <a:spAutoFit/>
-            </a:bodyPr>
-            <a:lstStyle/>
-            <a:p>
-              <a:r>
-                <a:rPr lang="en-US" sz="1100">
-                  <a:latin typeface="Arial" panose="020B0604020202020204" pitchFamily="34" charset="0"/>
-                  <a:cs typeface="Arial" panose="020B0604020202020204" pitchFamily="34" charset="0"/>
-                </a:rPr>
-                <a:t>ref</a:t>
-              </a:r>
-            </a:p>
-          </p:txBody>
-        </p:sp>
-        <p:sp>
-          <p:nvSpPr>
-            <p:cNvPr id="52" name="Rectangle 51">
-              <a:extLst>
-                <a:ext uri="{FF2B5EF4-FFF2-40B4-BE49-F238E27FC236}">
-                  <a16:creationId xmlns:a16="http://schemas.microsoft.com/office/drawing/2014/main" id="{77211498-E7FF-BC48-B8E0-2290D8FE413D}"/>
-                </a:ext>
-              </a:extLst>
-            </p:cNvPr>
-            <p:cNvSpPr/>
-            <p:nvPr/>
-          </p:nvSpPr>
-          <p:spPr>
-            <a:xfrm>
-              <a:off x="1502229" y="503549"/>
-              <a:ext cx="8625431" cy="6195633"/>
-            </a:xfrm>
-            <a:prstGeom prst="rect">
-              <a:avLst/>
-            </a:prstGeom>
-            <a:noFill/>
-            <a:ln>
-              <a:solidFill>
-                <a:schemeClr val="tx1">
-                  <a:lumMod val="50000"/>
-                  <a:lumOff val="50000"/>
-                </a:schemeClr>
-              </a:solidFill>
-            </a:ln>
-          </p:spPr>
-          <p:style>
-            <a:lnRef idx="2">
-              <a:schemeClr val="accent1">
-                <a:shade val="50000"/>
-              </a:schemeClr>
-            </a:lnRef>
-            <a:fillRef idx="1">
-              <a:schemeClr val="accent1"/>
-            </a:fillRef>
-            <a:effectRef idx="0">
-              <a:schemeClr val="accent1"/>
-            </a:effectRef>
-            <a:fontRef idx="minor">
-              <a:schemeClr val="lt1"/>
-            </a:fontRef>
-          </p:style>
-          <p:txBody>
-            <a:bodyPr rtlCol="0" anchor="ctr"/>
-            <a:lstStyle/>
-            <a:p>
-              <a:pPr algn="ctr"/>
-              <a:endParaRPr lang="en-US"/>
-            </a:p>
-          </p:txBody>
-        </p:sp>
-        <p:sp>
-          <p:nvSpPr>
-            <p:cNvPr id="53" name="Rectangle 52">
-              <a:extLst>
-                <a:ext uri="{FF2B5EF4-FFF2-40B4-BE49-F238E27FC236}">
-                  <a16:creationId xmlns:a16="http://schemas.microsoft.com/office/drawing/2014/main" id="{B85309E0-C496-8944-9C4F-6226CE01DC2E}"/>
-                </a:ext>
-              </a:extLst>
-            </p:cNvPr>
-            <p:cNvSpPr/>
-            <p:nvPr/>
-          </p:nvSpPr>
-          <p:spPr>
-            <a:xfrm>
-              <a:off x="2281353" y="448796"/>
-              <a:ext cx="129600" cy="6342739"/>
-            </a:xfrm>
-            <a:prstGeom prst="rect">
-              <a:avLst/>
-            </a:prstGeom>
-            <a:noFill/>
-            <a:ln>
-              <a:solidFill>
-                <a:schemeClr val="bg2">
-                  <a:lumMod val="90000"/>
-                </a:schemeClr>
-              </a:solidFill>
-            </a:ln>
-          </p:spPr>
-          <p:style>
-            <a:lnRef idx="2">
-              <a:schemeClr val="accent1">
-                <a:shade val="50000"/>
-              </a:schemeClr>
-            </a:lnRef>
-            <a:fillRef idx="1">
-              <a:schemeClr val="accent1"/>
-            </a:fillRef>
-            <a:effectRef idx="0">
-              <a:schemeClr val="accent1"/>
-            </a:effectRef>
-            <a:fontRef idx="minor">
-              <a:schemeClr val="lt1"/>
-            </a:fontRef>
-          </p:style>
-          <p:txBody>
-            <a:bodyPr rtlCol="0" anchor="ctr"/>
-            <a:lstStyle/>
-            <a:p>
-              <a:pPr algn="ctr"/>
-              <a:endParaRPr lang="en-US" sz="1100">
-                <a:latin typeface="Arial" panose="020B0604020202020204" pitchFamily="34" charset="0"/>
-                <a:cs typeface="Arial" panose="020B0604020202020204" pitchFamily="34" charset="0"/>
-              </a:endParaRPr>
-            </a:p>
-          </p:txBody>
-        </p:sp>
-        <p:sp>
-          <p:nvSpPr>
-            <p:cNvPr id="54" name="Rectangle 53">
-              <a:extLst>
-                <a:ext uri="{FF2B5EF4-FFF2-40B4-BE49-F238E27FC236}">
-                  <a16:creationId xmlns:a16="http://schemas.microsoft.com/office/drawing/2014/main" id="{1206D5FA-F164-A34D-93AC-A7E5512985C4}"/>
-                </a:ext>
-              </a:extLst>
-            </p:cNvPr>
-            <p:cNvSpPr/>
-            <p:nvPr/>
-          </p:nvSpPr>
-          <p:spPr>
-            <a:xfrm>
-              <a:off x="4664464" y="1762916"/>
-              <a:ext cx="139921" cy="5028627"/>
-            </a:xfrm>
-            <a:prstGeom prst="rect">
-              <a:avLst/>
-            </a:prstGeom>
-            <a:solidFill>
-              <a:schemeClr val="bg1"/>
-            </a:solidFill>
-            <a:ln>
-              <a:solidFill>
-                <a:schemeClr val="accent4"/>
-              </a:solidFill>
-            </a:ln>
-          </p:spPr>
-          <p:style>
-            <a:lnRef idx="2">
-              <a:schemeClr val="accent1">
-                <a:shade val="50000"/>
-              </a:schemeClr>
-            </a:lnRef>
-            <a:fillRef idx="1">
-              <a:schemeClr val="accent1"/>
-            </a:fillRef>
-            <a:effectRef idx="0">
-              <a:schemeClr val="accent1"/>
-            </a:effectRef>
-            <a:fontRef idx="minor">
-              <a:schemeClr val="lt1"/>
-            </a:fontRef>
-          </p:style>
-          <p:txBody>
-            <a:bodyPr rtlCol="0" anchor="ctr"/>
-            <a:lstStyle/>
-            <a:p>
-              <a:pPr algn="ctr"/>
-              <a:endParaRPr lang="en-US" sz="1100">
-                <a:latin typeface="Arial" panose="020B0604020202020204" pitchFamily="34" charset="0"/>
-                <a:cs typeface="Arial" panose="020B0604020202020204" pitchFamily="34" charset="0"/>
-              </a:endParaRPr>
-            </a:p>
-          </p:txBody>
-        </p:sp>
-        <p:sp>
-          <p:nvSpPr>
-            <p:cNvPr id="55" name="Rectangle 54">
-              <a:extLst>
-                <a:ext uri="{FF2B5EF4-FFF2-40B4-BE49-F238E27FC236}">
-                  <a16:creationId xmlns:a16="http://schemas.microsoft.com/office/drawing/2014/main" id="{F6F60080-78EA-324A-88AC-FFC625D37B6D}"/>
-                </a:ext>
-              </a:extLst>
-            </p:cNvPr>
-            <p:cNvSpPr/>
-            <p:nvPr/>
-          </p:nvSpPr>
-          <p:spPr>
-            <a:xfrm>
-              <a:off x="4754672" y="1907782"/>
-              <a:ext cx="126712" cy="386205"/>
-            </a:xfrm>
-            <a:prstGeom prst="rect">
-              <a:avLst/>
-            </a:prstGeom>
-            <a:solidFill>
-              <a:schemeClr val="accent4">
-                <a:lumMod val="75000"/>
-              </a:schemeClr>
-            </a:solidFill>
-            <a:ln>
-              <a:solidFill>
-                <a:schemeClr val="accent4">
-                  <a:lumMod val="75000"/>
-                </a:schemeClr>
-              </a:solidFill>
-            </a:ln>
-          </p:spPr>
-          <p:style>
-            <a:lnRef idx="2">
-              <a:schemeClr val="accent1">
-                <a:shade val="50000"/>
-              </a:schemeClr>
-            </a:lnRef>
-            <a:fillRef idx="1">
-              <a:schemeClr val="accent1"/>
-            </a:fillRef>
-            <a:effectRef idx="0">
-              <a:schemeClr val="accent1"/>
-            </a:effectRef>
-            <a:fontRef idx="minor">
-              <a:schemeClr val="lt1"/>
-            </a:fontRef>
-          </p:style>
-          <p:txBody>
-            <a:bodyPr rtlCol="0" anchor="ctr"/>
-            <a:lstStyle/>
-            <a:p>
-              <a:pPr algn="ctr"/>
-              <a:endParaRPr lang="en-US" sz="1100">
-                <a:latin typeface="Arial" panose="020B0604020202020204" pitchFamily="34" charset="0"/>
-                <a:cs typeface="Arial" panose="020B0604020202020204" pitchFamily="34" charset="0"/>
-              </a:endParaRPr>
-            </a:p>
-          </p:txBody>
-        </p:sp>
-        <p:sp>
-          <p:nvSpPr>
-            <p:cNvPr id="56" name="Rectangle 55">
-              <a:extLst>
-                <a:ext uri="{FF2B5EF4-FFF2-40B4-BE49-F238E27FC236}">
-                  <a16:creationId xmlns:a16="http://schemas.microsoft.com/office/drawing/2014/main" id="{B87257F8-5BD9-3D41-90F2-C5235C6CE760}"/>
-                </a:ext>
-              </a:extLst>
-            </p:cNvPr>
-            <p:cNvSpPr/>
-            <p:nvPr/>
-          </p:nvSpPr>
-          <p:spPr>
-            <a:xfrm>
-              <a:off x="4754650" y="2622210"/>
-              <a:ext cx="122826" cy="405746"/>
-            </a:xfrm>
-            <a:prstGeom prst="rect">
-              <a:avLst/>
-            </a:prstGeom>
-            <a:solidFill>
-              <a:schemeClr val="accent4">
-                <a:lumMod val="75000"/>
-              </a:schemeClr>
-            </a:solidFill>
-            <a:ln>
-              <a:solidFill>
-                <a:schemeClr val="accent4">
-                  <a:lumMod val="75000"/>
-                </a:schemeClr>
-              </a:solidFill>
-            </a:ln>
-          </p:spPr>
-          <p:style>
-            <a:lnRef idx="2">
-              <a:schemeClr val="accent1">
-                <a:shade val="50000"/>
-              </a:schemeClr>
-            </a:lnRef>
-            <a:fillRef idx="1">
-              <a:schemeClr val="accent1"/>
-            </a:fillRef>
-            <a:effectRef idx="0">
-              <a:schemeClr val="accent1"/>
-            </a:effectRef>
-            <a:fontRef idx="minor">
-              <a:schemeClr val="lt1"/>
-            </a:fontRef>
-          </p:style>
-          <p:txBody>
-            <a:bodyPr rtlCol="0" anchor="ctr"/>
-            <a:lstStyle/>
-            <a:p>
-              <a:pPr algn="ctr"/>
-              <a:endParaRPr lang="en-US" sz="1100">
-                <a:latin typeface="Arial" panose="020B0604020202020204" pitchFamily="34" charset="0"/>
-                <a:cs typeface="Arial" panose="020B0604020202020204" pitchFamily="34" charset="0"/>
-              </a:endParaRPr>
-            </a:p>
-          </p:txBody>
-        </p:sp>
-        <p:sp>
-          <p:nvSpPr>
-            <p:cNvPr id="57" name="Rectangle 56">
-              <a:extLst>
-                <a:ext uri="{FF2B5EF4-FFF2-40B4-BE49-F238E27FC236}">
-                  <a16:creationId xmlns:a16="http://schemas.microsoft.com/office/drawing/2014/main" id="{5160736F-B49A-2B4B-881B-D38D4E3D2A90}"/>
-                </a:ext>
-              </a:extLst>
-            </p:cNvPr>
-            <p:cNvSpPr/>
-            <p:nvPr/>
-          </p:nvSpPr>
-          <p:spPr>
-            <a:xfrm>
-              <a:off x="4745030" y="3328144"/>
-              <a:ext cx="122826" cy="405746"/>
-            </a:xfrm>
-            <a:prstGeom prst="rect">
-              <a:avLst/>
-            </a:prstGeom>
-            <a:solidFill>
-              <a:schemeClr val="accent4">
-                <a:lumMod val="75000"/>
-              </a:schemeClr>
-            </a:solidFill>
-            <a:ln>
-              <a:solidFill>
-                <a:schemeClr val="accent4">
-                  <a:lumMod val="75000"/>
-                </a:schemeClr>
-              </a:solidFill>
-            </a:ln>
-          </p:spPr>
-          <p:style>
-            <a:lnRef idx="2">
-              <a:schemeClr val="accent1">
-                <a:shade val="50000"/>
-              </a:schemeClr>
-            </a:lnRef>
-            <a:fillRef idx="1">
-              <a:schemeClr val="accent1"/>
-            </a:fillRef>
-            <a:effectRef idx="0">
-              <a:schemeClr val="accent1"/>
-            </a:effectRef>
-            <a:fontRef idx="minor">
-              <a:schemeClr val="lt1"/>
-            </a:fontRef>
-          </p:style>
-          <p:txBody>
-            <a:bodyPr rtlCol="0" anchor="ctr"/>
-            <a:lstStyle/>
-            <a:p>
-              <a:pPr algn="ctr"/>
-              <a:endParaRPr lang="en-US" sz="1100">
-                <a:latin typeface="Arial" panose="020B0604020202020204" pitchFamily="34" charset="0"/>
-                <a:cs typeface="Arial" panose="020B0604020202020204" pitchFamily="34" charset="0"/>
-              </a:endParaRPr>
-            </a:p>
-          </p:txBody>
-        </p:sp>
-        <p:sp>
-          <p:nvSpPr>
-            <p:cNvPr id="58" name="Rectangle 57">
-              <a:extLst>
-                <a:ext uri="{FF2B5EF4-FFF2-40B4-BE49-F238E27FC236}">
-                  <a16:creationId xmlns:a16="http://schemas.microsoft.com/office/drawing/2014/main" id="{1D9E78AA-1F73-2C42-AF2E-EAD84EB4FB16}"/>
-                </a:ext>
-              </a:extLst>
-            </p:cNvPr>
-            <p:cNvSpPr/>
-            <p:nvPr/>
-          </p:nvSpPr>
-          <p:spPr>
-            <a:xfrm>
-              <a:off x="4745030" y="4095172"/>
-              <a:ext cx="122826" cy="405746"/>
-            </a:xfrm>
-            <a:prstGeom prst="rect">
-              <a:avLst/>
-            </a:prstGeom>
-            <a:solidFill>
-              <a:schemeClr val="accent4">
-                <a:lumMod val="75000"/>
-              </a:schemeClr>
-            </a:solidFill>
-            <a:ln>
-              <a:solidFill>
-                <a:schemeClr val="accent4">
-                  <a:lumMod val="75000"/>
-                </a:schemeClr>
-              </a:solidFill>
-            </a:ln>
-          </p:spPr>
-          <p:style>
-            <a:lnRef idx="2">
-              <a:schemeClr val="accent1">
-                <a:shade val="50000"/>
-              </a:schemeClr>
-            </a:lnRef>
-            <a:fillRef idx="1">
-              <a:schemeClr val="accent1"/>
-            </a:fillRef>
-            <a:effectRef idx="0">
-              <a:schemeClr val="accent1"/>
-            </a:effectRef>
-            <a:fontRef idx="minor">
-              <a:schemeClr val="lt1"/>
-            </a:fontRef>
-          </p:style>
-          <p:txBody>
-            <a:bodyPr rtlCol="0" anchor="ctr"/>
-            <a:lstStyle/>
-            <a:p>
-              <a:pPr algn="ctr"/>
-              <a:endParaRPr lang="en-US" sz="1100">
-                <a:latin typeface="Arial" panose="020B0604020202020204" pitchFamily="34" charset="0"/>
-                <a:cs typeface="Arial" panose="020B0604020202020204" pitchFamily="34" charset="0"/>
-              </a:endParaRPr>
-            </a:p>
-          </p:txBody>
-        </p:sp>
-        <p:sp>
-          <p:nvSpPr>
-            <p:cNvPr id="59" name="Rectangle 58">
-              <a:extLst>
-                <a:ext uri="{FF2B5EF4-FFF2-40B4-BE49-F238E27FC236}">
-                  <a16:creationId xmlns:a16="http://schemas.microsoft.com/office/drawing/2014/main" id="{6CCAB414-C8BD-AB4D-BD03-7C1BB5F69CD2}"/>
-                </a:ext>
-              </a:extLst>
-            </p:cNvPr>
-            <p:cNvSpPr/>
-            <p:nvPr/>
-          </p:nvSpPr>
-          <p:spPr>
-            <a:xfrm flipH="1">
-              <a:off x="8008742" y="4497624"/>
-              <a:ext cx="128734" cy="2297617"/>
-            </a:xfrm>
-            <a:prstGeom prst="rect">
-              <a:avLst/>
-            </a:prstGeom>
-            <a:solidFill>
-              <a:schemeClr val="bg1"/>
-            </a:solidFill>
-            <a:ln>
-              <a:solidFill>
-                <a:schemeClr val="accent2"/>
-              </a:solidFill>
-            </a:ln>
-          </p:spPr>
-          <p:style>
-            <a:lnRef idx="2">
-              <a:schemeClr val="accent1">
-                <a:shade val="50000"/>
-              </a:schemeClr>
-            </a:lnRef>
-            <a:fillRef idx="1">
-              <a:schemeClr val="accent1"/>
-            </a:fillRef>
-            <a:effectRef idx="0">
-              <a:schemeClr val="accent1"/>
-            </a:effectRef>
-            <a:fontRef idx="minor">
-              <a:schemeClr val="lt1"/>
-            </a:fontRef>
-          </p:style>
-          <p:txBody>
-            <a:bodyPr rtlCol="0" anchor="ctr"/>
-            <a:lstStyle/>
-            <a:p>
-              <a:pPr algn="ctr"/>
-              <a:endParaRPr lang="en-US" sz="1100">
-                <a:latin typeface="Arial" panose="020B0604020202020204" pitchFamily="34" charset="0"/>
-                <a:cs typeface="Arial" panose="020B0604020202020204" pitchFamily="34" charset="0"/>
-              </a:endParaRPr>
-            </a:p>
-          </p:txBody>
-        </p:sp>
-        <p:sp>
-          <p:nvSpPr>
-            <p:cNvPr id="60" name="Rectangle 59">
-              <a:extLst>
-                <a:ext uri="{FF2B5EF4-FFF2-40B4-BE49-F238E27FC236}">
-                  <a16:creationId xmlns:a16="http://schemas.microsoft.com/office/drawing/2014/main" id="{9A0228E0-3B02-E445-982E-BD11F7CB2A14}"/>
-                </a:ext>
-              </a:extLst>
-            </p:cNvPr>
-            <p:cNvSpPr/>
-            <p:nvPr/>
-          </p:nvSpPr>
-          <p:spPr>
-            <a:xfrm flipH="1">
-              <a:off x="8080819" y="4644281"/>
-              <a:ext cx="131132" cy="261610"/>
-            </a:xfrm>
-            <a:prstGeom prst="rect">
-              <a:avLst/>
-            </a:prstGeom>
-            <a:solidFill>
-              <a:schemeClr val="accent2"/>
-            </a:solidFill>
-            <a:ln>
-              <a:solidFill>
-                <a:schemeClr val="accent2"/>
-              </a:solidFill>
-            </a:ln>
-          </p:spPr>
-          <p:style>
-            <a:lnRef idx="2">
-              <a:schemeClr val="accent1">
-                <a:shade val="50000"/>
-              </a:schemeClr>
-            </a:lnRef>
-            <a:fillRef idx="1">
-              <a:schemeClr val="accent1"/>
-            </a:fillRef>
-            <a:effectRef idx="0">
-              <a:schemeClr val="accent1"/>
-            </a:effectRef>
-            <a:fontRef idx="minor">
-              <a:schemeClr val="lt1"/>
-            </a:fontRef>
-          </p:style>
-          <p:txBody>
-            <a:bodyPr rtlCol="0" anchor="ctr"/>
-            <a:lstStyle/>
-            <a:p>
-              <a:pPr algn="ctr"/>
-              <a:endParaRPr lang="en-US" sz="1100">
-                <a:latin typeface="Arial" panose="020B0604020202020204" pitchFamily="34" charset="0"/>
-                <a:cs typeface="Arial" panose="020B0604020202020204" pitchFamily="34" charset="0"/>
-              </a:endParaRPr>
-            </a:p>
-          </p:txBody>
-        </p:sp>
-        <p:sp>
-          <p:nvSpPr>
-            <p:cNvPr id="61" name="Rectangle 60">
-              <a:extLst>
-                <a:ext uri="{FF2B5EF4-FFF2-40B4-BE49-F238E27FC236}">
-                  <a16:creationId xmlns:a16="http://schemas.microsoft.com/office/drawing/2014/main" id="{EF3D7498-9C96-0743-9462-9D1C236C544C}"/>
-                </a:ext>
-              </a:extLst>
-            </p:cNvPr>
-            <p:cNvSpPr/>
-            <p:nvPr/>
-          </p:nvSpPr>
-          <p:spPr>
-            <a:xfrm flipH="1">
-              <a:off x="8080818" y="5193330"/>
-              <a:ext cx="131132" cy="261610"/>
-            </a:xfrm>
-            <a:prstGeom prst="rect">
-              <a:avLst/>
-            </a:prstGeom>
-            <a:solidFill>
-              <a:schemeClr val="accent2"/>
-            </a:solidFill>
-            <a:ln>
-              <a:solidFill>
-                <a:schemeClr val="accent2"/>
-              </a:solidFill>
-            </a:ln>
-          </p:spPr>
-          <p:style>
-            <a:lnRef idx="2">
-              <a:schemeClr val="accent1">
-                <a:shade val="50000"/>
-              </a:schemeClr>
-            </a:lnRef>
-            <a:fillRef idx="1">
-              <a:schemeClr val="accent1"/>
-            </a:fillRef>
-            <a:effectRef idx="0">
-              <a:schemeClr val="accent1"/>
-            </a:effectRef>
-            <a:fontRef idx="minor">
-              <a:schemeClr val="lt1"/>
-            </a:fontRef>
-          </p:style>
-          <p:txBody>
-            <a:bodyPr rtlCol="0" anchor="ctr"/>
-            <a:lstStyle/>
-            <a:p>
-              <a:pPr algn="ctr"/>
-              <a:endParaRPr lang="en-US" sz="1100">
-                <a:latin typeface="Arial" panose="020B0604020202020204" pitchFamily="34" charset="0"/>
-                <a:cs typeface="Arial" panose="020B0604020202020204" pitchFamily="34" charset="0"/>
-              </a:endParaRPr>
-            </a:p>
-          </p:txBody>
-        </p:sp>
       </p:grpSp>
     </p:spTree>
     <p:extLst>

--- a/docs/diagrams/GeneralParsingSequenceDiagram.pptx
+++ b/docs/diagrams/GeneralParsingSequenceDiagram.pptx
@@ -261,7 +261,7 @@
           <a:p>
             <a:fld id="{220FF535-4542-5D40-B139-C63806418E3E}" type="datetimeFigureOut">
               <a:rPr lang="en-US" smtClean="0"/>
-              <a:t>10/31/19</a:t>
+              <a:t>11/6/19</a:t>
             </a:fld>
             <a:endParaRPr lang="en-US"/>
           </a:p>
@@ -461,7 +461,7 @@
           <a:p>
             <a:fld id="{220FF535-4542-5D40-B139-C63806418E3E}" type="datetimeFigureOut">
               <a:rPr lang="en-US" smtClean="0"/>
-              <a:t>10/31/19</a:t>
+              <a:t>11/6/19</a:t>
             </a:fld>
             <a:endParaRPr lang="en-US"/>
           </a:p>
@@ -671,7 +671,7 @@
           <a:p>
             <a:fld id="{220FF535-4542-5D40-B139-C63806418E3E}" type="datetimeFigureOut">
               <a:rPr lang="en-US" smtClean="0"/>
-              <a:t>10/31/19</a:t>
+              <a:t>11/6/19</a:t>
             </a:fld>
             <a:endParaRPr lang="en-US"/>
           </a:p>
@@ -871,7 +871,7 @@
           <a:p>
             <a:fld id="{220FF535-4542-5D40-B139-C63806418E3E}" type="datetimeFigureOut">
               <a:rPr lang="en-US" smtClean="0"/>
-              <a:t>10/31/19</a:t>
+              <a:t>11/6/19</a:t>
             </a:fld>
             <a:endParaRPr lang="en-US"/>
           </a:p>
@@ -1147,7 +1147,7 @@
           <a:p>
             <a:fld id="{220FF535-4542-5D40-B139-C63806418E3E}" type="datetimeFigureOut">
               <a:rPr lang="en-US" smtClean="0"/>
-              <a:t>10/31/19</a:t>
+              <a:t>11/6/19</a:t>
             </a:fld>
             <a:endParaRPr lang="en-US"/>
           </a:p>
@@ -1415,7 +1415,7 @@
           <a:p>
             <a:fld id="{220FF535-4542-5D40-B139-C63806418E3E}" type="datetimeFigureOut">
               <a:rPr lang="en-US" smtClean="0"/>
-              <a:t>10/31/19</a:t>
+              <a:t>11/6/19</a:t>
             </a:fld>
             <a:endParaRPr lang="en-US"/>
           </a:p>
@@ -1830,7 +1830,7 @@
           <a:p>
             <a:fld id="{220FF535-4542-5D40-B139-C63806418E3E}" type="datetimeFigureOut">
               <a:rPr lang="en-US" smtClean="0"/>
-              <a:t>10/31/19</a:t>
+              <a:t>11/6/19</a:t>
             </a:fld>
             <a:endParaRPr lang="en-US"/>
           </a:p>
@@ -1972,7 +1972,7 @@
           <a:p>
             <a:fld id="{220FF535-4542-5D40-B139-C63806418E3E}" type="datetimeFigureOut">
               <a:rPr lang="en-US" smtClean="0"/>
-              <a:t>10/31/19</a:t>
+              <a:t>11/6/19</a:t>
             </a:fld>
             <a:endParaRPr lang="en-US"/>
           </a:p>
@@ -2085,7 +2085,7 @@
           <a:p>
             <a:fld id="{220FF535-4542-5D40-B139-C63806418E3E}" type="datetimeFigureOut">
               <a:rPr lang="en-US" smtClean="0"/>
-              <a:t>10/31/19</a:t>
+              <a:t>11/6/19</a:t>
             </a:fld>
             <a:endParaRPr lang="en-US"/>
           </a:p>
@@ -2398,7 +2398,7 @@
           <a:p>
             <a:fld id="{220FF535-4542-5D40-B139-C63806418E3E}" type="datetimeFigureOut">
               <a:rPr lang="en-US" smtClean="0"/>
-              <a:t>10/31/19</a:t>
+              <a:t>11/6/19</a:t>
             </a:fld>
             <a:endParaRPr lang="en-US"/>
           </a:p>
@@ -2687,7 +2687,7 @@
           <a:p>
             <a:fld id="{220FF535-4542-5D40-B139-C63806418E3E}" type="datetimeFigureOut">
               <a:rPr lang="en-US" smtClean="0"/>
-              <a:t>10/31/19</a:t>
+              <a:t>11/6/19</a:t>
             </a:fld>
             <a:endParaRPr lang="en-US"/>
           </a:p>
@@ -2930,7 +2930,7 @@
           <a:p>
             <a:fld id="{220FF535-4542-5D40-B139-C63806418E3E}" type="datetimeFigureOut">
               <a:rPr lang="en-US" smtClean="0"/>
-              <a:t>10/31/19</a:t>
+              <a:t>11/6/19</a:t>
             </a:fld>
             <a:endParaRPr lang="en-US"/>
           </a:p>
@@ -5293,50 +5293,6 @@
           </p:cxnSp>
           <p:sp>
             <p:nvSpPr>
-              <p:cNvPr id="237" name="Rectangle 236">
-                <a:extLst>
-                  <a:ext uri="{FF2B5EF4-FFF2-40B4-BE49-F238E27FC236}">
-                    <a16:creationId xmlns:a16="http://schemas.microsoft.com/office/drawing/2014/main" id="{9B77138B-2275-9B4A-BCDB-E9EF672CBF48}"/>
-                  </a:ext>
-                </a:extLst>
-              </p:cNvPr>
-              <p:cNvSpPr/>
-              <p:nvPr/>
-            </p:nvSpPr>
-            <p:spPr>
-              <a:xfrm>
-                <a:off x="1829074" y="5502694"/>
-                <a:ext cx="6719024" cy="760599"/>
-              </a:xfrm>
-              <a:prstGeom prst="rect">
-                <a:avLst/>
-              </a:prstGeom>
-            </p:spPr>
-            <p:style>
-              <a:lnRef idx="2">
-                <a:schemeClr val="accent6"/>
-              </a:lnRef>
-              <a:fillRef idx="1">
-                <a:schemeClr val="lt1"/>
-              </a:fillRef>
-              <a:effectRef idx="0">
-                <a:schemeClr val="accent6"/>
-              </a:effectRef>
-              <a:fontRef idx="minor">
-                <a:schemeClr val="dk1"/>
-              </a:fontRef>
-            </p:style>
-            <p:txBody>
-              <a:bodyPr rtlCol="0" anchor="ctr"/>
-              <a:lstStyle/>
-              <a:p>
-                <a:pPr algn="ctr"/>
-                <a:endParaRPr lang="en-US"/>
-              </a:p>
-            </p:txBody>
-          </p:sp>
-          <p:sp>
-            <p:nvSpPr>
               <p:cNvPr id="238" name="Snip and Round Single Corner of Rectangle 237">
                 <a:extLst>
                   <a:ext uri="{FF2B5EF4-FFF2-40B4-BE49-F238E27FC236}">
@@ -6307,6 +6263,51 @@
               </a:effectRef>
               <a:fontRef idx="minor">
                 <a:schemeClr val="lt1"/>
+              </a:fontRef>
+            </p:style>
+            <p:txBody>
+              <a:bodyPr rtlCol="0" anchor="ctr"/>
+              <a:lstStyle/>
+              <a:p>
+                <a:pPr algn="ctr"/>
+                <a:endParaRPr lang="en-US"/>
+              </a:p>
+            </p:txBody>
+          </p:sp>
+          <p:sp>
+            <p:nvSpPr>
+              <p:cNvPr id="237" name="Rectangle 236">
+                <a:extLst>
+                  <a:ext uri="{FF2B5EF4-FFF2-40B4-BE49-F238E27FC236}">
+                    <a16:creationId xmlns:a16="http://schemas.microsoft.com/office/drawing/2014/main" id="{9B77138B-2275-9B4A-BCDB-E9EF672CBF48}"/>
+                  </a:ext>
+                </a:extLst>
+              </p:cNvPr>
+              <p:cNvSpPr/>
+              <p:nvPr/>
+            </p:nvSpPr>
+            <p:spPr>
+              <a:xfrm>
+                <a:off x="1829074" y="5502694"/>
+                <a:ext cx="6719024" cy="760599"/>
+              </a:xfrm>
+              <a:prstGeom prst="rect">
+                <a:avLst/>
+              </a:prstGeom>
+              <a:noFill/>
+            </p:spPr>
+            <p:style>
+              <a:lnRef idx="2">
+                <a:schemeClr val="accent6"/>
+              </a:lnRef>
+              <a:fillRef idx="1">
+                <a:schemeClr val="lt1"/>
+              </a:fillRef>
+              <a:effectRef idx="0">
+                <a:schemeClr val="accent6"/>
+              </a:effectRef>
+              <a:fontRef idx="minor">
+                <a:schemeClr val="dk1"/>
               </a:fontRef>
             </p:style>
             <p:txBody>
